--- a/draft-gandhi-spring-sr-enhanced-plm-04.pptx
+++ b/draft-gandhi-spring-sr-enhanced-plm-04.pptx
@@ -11001,8 +11001,8 @@
         </p:nvSpPr>
         <p:spPr>
           <a:xfrm>
-            <a:off x="609600" y="682913"/>
-            <a:ext cx="6858000" cy="3970318"/>
+            <a:off x="1143000" y="787157"/>
+            <a:ext cx="5943600" cy="3647152"/>
           </a:xfrm>
           <a:prstGeom prst="rect">
             <a:avLst/>
@@ -11021,37 +11021,37 @@
           <a:lstStyle/>
           <a:p>
             <a:r>
-              <a:rPr lang="en-CA" sz="1200" dirty="0">
-                <a:latin typeface="Courier" pitchFamily="2" charset="0"/>
-              </a:rPr>
-              <a:t>                               +------------+</a:t>
-            </a:r>
-          </a:p>
-          <a:p>
-            <a:r>
-              <a:rPr lang="en-CA" sz="1200" dirty="0">
-                <a:latin typeface="Courier" pitchFamily="2" charset="0"/>
-              </a:rPr>
-              <a:t>                               | Controller |</a:t>
-            </a:r>
-          </a:p>
-          <a:p>
-            <a:r>
-              <a:rPr lang="en-CA" sz="1200" dirty="0">
-                <a:latin typeface="Courier" pitchFamily="2" charset="0"/>
-              </a:rPr>
-              <a:t>                               +------------+</a:t>
-            </a:r>
-          </a:p>
-          <a:p>
-            <a:r>
-              <a:rPr lang="en-CA" sz="1200" dirty="0">
-                <a:latin typeface="Courier" pitchFamily="2" charset="0"/>
-              </a:rPr>
-              <a:t>     PLM Mode                      /    \      </a:t>
-            </a:r>
-            <a:r>
-              <a:rPr lang="en-CA" sz="1200" dirty="0">
+              <a:rPr lang="en-CA" sz="1100" dirty="0">
+                <a:latin typeface="Courier" pitchFamily="2" charset="0"/>
+              </a:rPr>
+              <a:t>                            +------------+</a:t>
+            </a:r>
+          </a:p>
+          <a:p>
+            <a:r>
+              <a:rPr lang="en-CA" sz="1100" dirty="0">
+                <a:latin typeface="Courier" pitchFamily="2" charset="0"/>
+              </a:rPr>
+              <a:t>                            | Controller |</a:t>
+            </a:r>
+          </a:p>
+          <a:p>
+            <a:r>
+              <a:rPr lang="en-CA" sz="1100" dirty="0">
+                <a:latin typeface="Courier" pitchFamily="2" charset="0"/>
+              </a:rPr>
+              <a:t>                            +------------+</a:t>
+            </a:r>
+          </a:p>
+          <a:p>
+            <a:r>
+              <a:rPr lang="en-CA" sz="1100" dirty="0">
+                <a:latin typeface="Courier" pitchFamily="2" charset="0"/>
+              </a:rPr>
+              <a:t>  PLM Mode                      /    \      </a:t>
+            </a:r>
+            <a:r>
+              <a:rPr lang="en-CA" sz="1100" dirty="0">
                 <a:solidFill>
                   <a:srgbClr val="0070C0"/>
                 </a:solidFill>
@@ -11062,130 +11062,130 @@
           </a:p>
           <a:p>
             <a:r>
-              <a:rPr lang="en-CA" sz="1200" dirty="0">
-                <a:latin typeface="Courier" pitchFamily="2" charset="0"/>
-              </a:rPr>
-              <a:t>       LB or Enhanced Mode        /      \       Timestamp2 Offset</a:t>
-            </a:r>
-          </a:p>
-          <a:p>
-            <a:r>
-              <a:rPr lang="en-CA" sz="1200" dirty="0">
-                <a:latin typeface="Courier" pitchFamily="2" charset="0"/>
-              </a:rPr>
-              <a:t>     Delay Threshold/Count M     /        \      Timestamp Format</a:t>
-            </a:r>
-          </a:p>
-          <a:p>
-            <a:r>
-              <a:rPr lang="en-CA" sz="1200" dirty="0">
-                <a:latin typeface="Courier" pitchFamily="2" charset="0"/>
-              </a:rPr>
-              <a:t>     Missed Test Packet Count N /          \</a:t>
-            </a:r>
-          </a:p>
-          <a:p>
-            <a:r>
-              <a:rPr lang="en-CA" sz="1200" dirty="0">
-                <a:latin typeface="Courier" pitchFamily="2" charset="0"/>
-              </a:rPr>
-              <a:t>     Packet Loss </a:t>
-            </a:r>
-            <a:r>
-              <a:rPr lang="en-CA" sz="1200" dirty="0" err="1">
-                <a:latin typeface="Courier" pitchFamily="2" charset="0"/>
-              </a:rPr>
-              <a:t>XofY</a:t>
-            </a:r>
-            <a:r>
-              <a:rPr lang="en-CA" sz="1200" dirty="0">
-                <a:latin typeface="Courier" pitchFamily="2" charset="0"/>
-              </a:rPr>
-              <a:t>          /            \</a:t>
-            </a:r>
-          </a:p>
-          <a:p>
-            <a:r>
-              <a:rPr lang="en-CA" sz="1200" dirty="0">
-                <a:latin typeface="Courier" pitchFamily="2" charset="0"/>
-              </a:rPr>
-              <a:t>     </a:t>
-            </a:r>
-            <a:r>
-              <a:rPr lang="en-CA" sz="1200" dirty="0">
+              <a:rPr lang="en-CA" sz="1100" dirty="0">
+                <a:latin typeface="Courier" pitchFamily="2" charset="0"/>
+              </a:rPr>
+              <a:t>    LB or Enhanced Mode        /      \       Timestamp2 Offset</a:t>
+            </a:r>
+          </a:p>
+          <a:p>
+            <a:r>
+              <a:rPr lang="en-CA" sz="1100" dirty="0">
+                <a:latin typeface="Courier" pitchFamily="2" charset="0"/>
+              </a:rPr>
+              <a:t>  </a:t>
+            </a:r>
+            <a:r>
+              <a:rPr lang="en-CA" sz="1100" dirty="0">
                 <a:solidFill>
                   <a:srgbClr val="0070C0"/>
                 </a:solidFill>
                 <a:latin typeface="Courier" pitchFamily="2" charset="0"/>
               </a:rPr>
-              <a:t>Timestamp Label/SRv6 EP  </a:t>
-            </a:r>
-            <a:r>
-              <a:rPr lang="en-CA" sz="1200" dirty="0">
-                <a:latin typeface="Courier" pitchFamily="2" charset="0"/>
-              </a:rPr>
-              <a:t>/              \</a:t>
-            </a:r>
-          </a:p>
-          <a:p>
-            <a:r>
-              <a:rPr lang="en-CA" sz="1200" dirty="0">
-                <a:latin typeface="Courier" pitchFamily="2" charset="0"/>
-              </a:rPr>
-              <a:t>       Timestamp Format      /                \</a:t>
-            </a:r>
-          </a:p>
-          <a:p>
-            <a:r>
-              <a:rPr lang="en-CA" sz="1200" dirty="0">
-                <a:latin typeface="Courier" pitchFamily="2" charset="0"/>
-              </a:rPr>
-              <a:t>                            v                  v</a:t>
-            </a:r>
-          </a:p>
-          <a:p>
-            <a:r>
-              <a:rPr lang="en-CA" sz="1200" dirty="0">
-                <a:latin typeface="Courier" pitchFamily="2" charset="0"/>
-              </a:rPr>
-              <a:t>                        +-------+           +-------+</a:t>
-            </a:r>
-          </a:p>
-          <a:p>
-            <a:r>
-              <a:rPr lang="en-CA" sz="1200" dirty="0">
-                <a:latin typeface="Courier" pitchFamily="2" charset="0"/>
-              </a:rPr>
-              <a:t>                        |       |           |       |</a:t>
-            </a:r>
-          </a:p>
-          <a:p>
-            <a:r>
-              <a:rPr lang="en-CA" sz="1200" dirty="0">
-                <a:latin typeface="Courier" pitchFamily="2" charset="0"/>
-              </a:rPr>
-              <a:t>                        |   R1  |===========|   R3  |</a:t>
-            </a:r>
-          </a:p>
-          <a:p>
-            <a:r>
-              <a:rPr lang="en-CA" sz="1200" dirty="0">
-                <a:latin typeface="Courier" pitchFamily="2" charset="0"/>
-              </a:rPr>
-              <a:t>                        |       |           |       |</a:t>
-            </a:r>
-          </a:p>
-          <a:p>
-            <a:r>
-              <a:rPr lang="en-CA" sz="1200" dirty="0">
-                <a:latin typeface="Courier" pitchFamily="2" charset="0"/>
-              </a:rPr>
-              <a:t>                        +-------+           +-------+</a:t>
-            </a:r>
-          </a:p>
-          <a:p>
-            <a:r>
-              <a:rPr lang="en-CA" sz="1200" dirty="0">
+              <a:t>Timestamp Label/SRv6 EP     </a:t>
+            </a:r>
+            <a:r>
+              <a:rPr lang="en-CA" sz="1100" dirty="0">
+                <a:latin typeface="Courier" pitchFamily="2" charset="0"/>
+              </a:rPr>
+              <a:t>/        \      Timestamp Format</a:t>
+            </a:r>
+          </a:p>
+          <a:p>
+            <a:r>
+              <a:rPr lang="en-CA" sz="1100" dirty="0">
+                <a:latin typeface="Courier" pitchFamily="2" charset="0"/>
+              </a:rPr>
+              <a:t>    Timestamp Format         /          \</a:t>
+            </a:r>
+          </a:p>
+          <a:p>
+            <a:r>
+              <a:rPr lang="en-CA" sz="1100" dirty="0">
+                <a:latin typeface="Courier" pitchFamily="2" charset="0"/>
+              </a:rPr>
+              <a:t>  Missed Packet Count N     /            \</a:t>
+            </a:r>
+          </a:p>
+          <a:p>
+            <a:r>
+              <a:rPr lang="en-CA" sz="1100" dirty="0">
+                <a:latin typeface="Courier" pitchFamily="2" charset="0"/>
+              </a:rPr>
+              <a:t>  Delay Threshold/Count M  /              \      </a:t>
+            </a:r>
+          </a:p>
+          <a:p>
+            <a:r>
+              <a:rPr lang="en-CA" sz="1100" dirty="0">
+                <a:latin typeface="Courier" pitchFamily="2" charset="0"/>
+              </a:rPr>
+              <a:t>  Packet Loss </a:t>
+            </a:r>
+            <a:r>
+              <a:rPr lang="en-CA" sz="1100" dirty="0" err="1">
+                <a:latin typeface="Courier" pitchFamily="2" charset="0"/>
+              </a:rPr>
+              <a:t>XofY</a:t>
+            </a:r>
+            <a:r>
+              <a:rPr lang="en-CA" sz="1100" dirty="0">
+                <a:latin typeface="Courier" pitchFamily="2" charset="0"/>
+              </a:rPr>
+              <a:t>        /                \</a:t>
+            </a:r>
+          </a:p>
+          <a:p>
+            <a:r>
+              <a:rPr lang="en-CA" sz="1100" dirty="0">
+                <a:latin typeface="Courier" pitchFamily="2" charset="0"/>
+              </a:rPr>
+              <a:t>                         v                  v</a:t>
+            </a:r>
+          </a:p>
+          <a:p>
+            <a:r>
+              <a:rPr lang="en-CA" sz="1100" dirty="0">
+                <a:latin typeface="Courier" pitchFamily="2" charset="0"/>
+              </a:rPr>
+              <a:t>                     +-------+           +-------+</a:t>
+            </a:r>
+          </a:p>
+          <a:p>
+            <a:r>
+              <a:rPr lang="en-CA" sz="1100" dirty="0">
+                <a:latin typeface="Courier" pitchFamily="2" charset="0"/>
+              </a:rPr>
+              <a:t>                     |       |           |       |</a:t>
+            </a:r>
+          </a:p>
+          <a:p>
+            <a:r>
+              <a:rPr lang="en-CA" sz="1100" dirty="0">
+                <a:latin typeface="Courier" pitchFamily="2" charset="0"/>
+              </a:rPr>
+              <a:t>                     |   R1  |===========|   R3  |</a:t>
+            </a:r>
+          </a:p>
+          <a:p>
+            <a:r>
+              <a:rPr lang="en-CA" sz="1100" dirty="0">
+                <a:latin typeface="Courier" pitchFamily="2" charset="0"/>
+              </a:rPr>
+              <a:t>                     |       |           |       |</a:t>
+            </a:r>
+          </a:p>
+          <a:p>
+            <a:r>
+              <a:rPr lang="en-CA" sz="1100" dirty="0">
+                <a:latin typeface="Courier" pitchFamily="2" charset="0"/>
+              </a:rPr>
+              <a:t>                     +-------+           +-------+</a:t>
+            </a:r>
+          </a:p>
+          <a:p>
+            <a:r>
+              <a:rPr lang="en-CA" sz="1100" dirty="0">
                 <a:latin typeface="Courier" pitchFamily="2" charset="0"/>
               </a:rPr>
               <a:t> </a:t>
@@ -11193,15 +11193,15 @@
           </a:p>
           <a:p>
             <a:r>
-              <a:rPr lang="en-CA" sz="1200" dirty="0">
-                <a:latin typeface="Courier" pitchFamily="2" charset="0"/>
-              </a:rPr>
-              <a:t>                      Session-Sender     Session-Reflector</a:t>
-            </a:r>
-          </a:p>
-          <a:p>
-            <a:r>
-              <a:rPr lang="en-CA" sz="1200" dirty="0">
+              <a:rPr lang="en-CA" sz="1100" dirty="0">
+                <a:latin typeface="Courier" pitchFamily="2" charset="0"/>
+              </a:rPr>
+              <a:t>                   Session-Sender     Session-Reflector</a:t>
+            </a:r>
+          </a:p>
+          <a:p>
+            <a:r>
+              <a:rPr lang="en-CA" sz="1100" dirty="0">
                 <a:latin typeface="Courier" pitchFamily="2" charset="0"/>
               </a:rPr>
               <a:t> </a:t>
@@ -11209,7 +11209,7 @@
           </a:p>
           <a:p>
             <a:r>
-              <a:rPr lang="en-CA" sz="1200" dirty="0">
+              <a:rPr lang="en-CA" sz="1100" dirty="0">
                 <a:latin typeface="Courier" pitchFamily="2" charset="0"/>
               </a:rPr>
               <a:t> </a:t>
@@ -11217,10 +11217,10 @@
           </a:p>
           <a:p>
             <a:r>
-              <a:rPr lang="en-CA" sz="1200" dirty="0">
-                <a:latin typeface="Courier" pitchFamily="2" charset="0"/>
-              </a:rPr>
-              <a:t>                       Figure: Example Provisioning Model</a:t>
+              <a:rPr lang="en-CA" sz="1100" dirty="0">
+                <a:latin typeface="Courier" pitchFamily="2" charset="0"/>
+              </a:rPr>
+              <a:t>                   Figure: Example Provisioning Model</a:t>
             </a:r>
           </a:p>
         </p:txBody>
@@ -11239,7 +11239,7 @@
         </p:nvSpPr>
         <p:spPr>
           <a:xfrm>
-            <a:off x="7506346" y="3755737"/>
+            <a:off x="7186047" y="3623028"/>
             <a:ext cx="1629905" cy="600164"/>
           </a:xfrm>
           <a:prstGeom prst="rect">

--- a/draft-gandhi-spring-sr-enhanced-plm-04.pptx
+++ b/draft-gandhi-spring-sr-enhanced-plm-04.pptx
@@ -6007,7 +6007,7 @@
         <p:spPr>
           <a:xfrm>
             <a:off x="336380" y="739794"/>
-            <a:ext cx="4464220" cy="3889356"/>
+            <a:ext cx="4464220" cy="4016484"/>
           </a:xfrm>
           <a:prstGeom prst="rect">
             <a:avLst/>
@@ -6029,13 +6029,13 @@
               <a:rPr lang="en-CA" sz="850" dirty="0">
                 <a:latin typeface="Courier" pitchFamily="2" charset="0"/>
               </a:rPr>
-              <a:t>0 1 2 3 4 5 6 7 8 9 0 1 2 3 4 5 6 7 8 9 0 1 2 3 4 5 6 7 8 9 0 1   +-+-+-+-+-+-+-+-+-+-+-+-+-+-+-+-+-+-+-+-+-+-+-+-+-+-+-+-+-+-+-+-+ |            Label(1)                   | TC  |S|      TTL      | +-+-+-+-+-+-+-+-+-+-+-+-+-+-+-+-+-+-+-+-+-+-+-+-+-+-+-+-+-+-+-+-+ .                                                               . .                                                               . .                                                               . +-+-+-+-+-+-+-+-+-+-+-+-+-+-+-+-+-+-+-+-+-+-+-+-+-+-+-+-+-+-+-+-+ |            Label(n)                   | TC  |S|      TTL      | +-+-+-+-+-+-+-+-+-+-+-+-+-+-+-+-+-+-+-+-+-+-+-+-+-+-+-+-+-+-+-+-+ |            Extension Label (15)       | TC  |S|      TTL      | +-+-+-+-+-+-+-+-+-+-+-+-+-+-+-+-+-+-+-+-+-+-+-+-+-+-+-+-+-+-+-+-+ |            </a:t>
+              <a:t>0 1 2 3 4 5 6 7 8 9 0 1 2 3 4 5 6 7 8 9 0 1 2 3 4 5 6 7 8 9 0 1   +-+-+-+-+-+-+-+-+-+-+-+-+-+-+-+-+-+-+-+-+-+-+-+-+-+-+-+-+-+-+-+-+ |            Label(1)                   | TC  |S|      TTL      | +-+-+-+-+-+-+-+-+-+-+-+-+-+-+-+-+-+-+-+-+-+-+-+-+-+-+-+-+-+-+-+-+ .                                                               . .                                                               . .                                                               . +-+-+-+-+-+-+-+-+-+-+-+-+-+-+-+-+-+-+-+-+-+-+-+-+-+-+-+-+-+-+-+-+ |            Label(n)                   | TC  |S|      TTL      | +-+-+-+-+-+-+-+-+-+-+-+-+-+-+-+-+-+-+-+-+-+-+-+-+-+-+-+-+-+-+-+-+ |            Extension Label (15)       | TC  |S|      TTL      | +-+-+-+-+-+-+-+-+-+-+-+-+-+-+-+-+-+-+-+-+-+-+-+-+-+-+-+-+-+-+-+-+ |    </a:t>
             </a:r>
             <a:r>
               <a:rPr lang="en-CA" sz="850" b="1" dirty="0">
                 <a:latin typeface="Courier" pitchFamily="2" charset="0"/>
               </a:rPr>
-              <a:t>Timestamp Label (TBA1)     </a:t>
+              <a:t>Timestamp Label (TBA1 or TBA2)     </a:t>
             </a:r>
             <a:r>
               <a:rPr lang="en-CA" sz="850" dirty="0">
@@ -6401,7 +6401,7 @@
               <a:rPr lang="en-CA" sz="900" b="1" dirty="0">
                 <a:latin typeface="Courier" pitchFamily="2" charset="0"/>
               </a:rPr>
-              <a:t> (TBA3) with Session-Reflector SID                    </a:t>
+              <a:t> (TBA3 or TBA4) with Session-Reflector SID            </a:t>
             </a:r>
             <a:r>
               <a:rPr lang="en-CA" sz="900" dirty="0">
@@ -10890,7 +10890,7 @@
         </p:nvSpPr>
         <p:spPr>
           <a:xfrm>
-            <a:off x="457200" y="-19050"/>
+            <a:off x="457200" y="0"/>
             <a:ext cx="8229600" cy="753591"/>
           </a:xfrm>
         </p:spPr>
@@ -11001,8 +11001,8 @@
         </p:nvSpPr>
         <p:spPr>
           <a:xfrm>
-            <a:off x="1143000" y="787157"/>
-            <a:ext cx="5943600" cy="3647152"/>
+            <a:off x="990600" y="780337"/>
+            <a:ext cx="6324600" cy="3816429"/>
           </a:xfrm>
           <a:prstGeom prst="rect">
             <a:avLst/>
@@ -11024,7 +11024,7 @@
               <a:rPr lang="en-CA" sz="1100" dirty="0">
                 <a:latin typeface="Courier" pitchFamily="2" charset="0"/>
               </a:rPr>
-              <a:t>                            +------------+</a:t>
+              <a:t>                                 +------------+</a:t>
             </a:r>
           </a:p>
           <a:p>
@@ -11032,7 +11032,7 @@
               <a:rPr lang="en-CA" sz="1100" dirty="0">
                 <a:latin typeface="Courier" pitchFamily="2" charset="0"/>
               </a:rPr>
-              <a:t>                            | Controller |</a:t>
+              <a:t>                                 | Controller |</a:t>
             </a:r>
           </a:p>
           <a:p>
@@ -11040,7 +11040,7 @@
               <a:rPr lang="en-CA" sz="1100" dirty="0">
                 <a:latin typeface="Courier" pitchFamily="2" charset="0"/>
               </a:rPr>
-              <a:t>                            +------------+</a:t>
+              <a:t>                                 +------------+</a:t>
             </a:r>
           </a:p>
           <a:p>
@@ -11048,7 +11048,7 @@
               <a:rPr lang="en-CA" sz="1100" dirty="0">
                 <a:latin typeface="Courier" pitchFamily="2" charset="0"/>
               </a:rPr>
-              <a:t>  PLM Mode                      /    \      </a:t>
+              <a:t>    PLM Mode                         /    \      </a:t>
             </a:r>
             <a:r>
               <a:rPr lang="en-CA" sz="1100" dirty="0">
@@ -11065,7 +11065,7 @@
               <a:rPr lang="en-CA" sz="1100" dirty="0">
                 <a:latin typeface="Courier" pitchFamily="2" charset="0"/>
               </a:rPr>
-              <a:t>    LB or Enhanced Mode        /      \       Timestamp2 Offset</a:t>
+              <a:t>      LB or Enhanced Mode           /      \       Timestamp2 Offset</a:t>
             </a:r>
           </a:p>
           <a:p>
@@ -11073,7 +11073,7 @@
               <a:rPr lang="en-CA" sz="1100" dirty="0">
                 <a:latin typeface="Courier" pitchFamily="2" charset="0"/>
               </a:rPr>
-              <a:t>  </a:t>
+              <a:t>    </a:t>
             </a:r>
             <a:r>
               <a:rPr lang="en-CA" sz="1100" dirty="0">
@@ -11082,7 +11082,7 @@
                 </a:solidFill>
                 <a:latin typeface="Courier" pitchFamily="2" charset="0"/>
               </a:rPr>
-              <a:t>Timestamp Label/SRv6 EP     </a:t>
+              <a:t>Timestamp Label/SRv6 EP        </a:t>
             </a:r>
             <a:r>
               <a:rPr lang="en-CA" sz="1100" dirty="0">
@@ -11096,7 +11096,7 @@
               <a:rPr lang="en-CA" sz="1100" dirty="0">
                 <a:latin typeface="Courier" pitchFamily="2" charset="0"/>
               </a:rPr>
-              <a:t>    Timestamp Format         /          \</a:t>
+              <a:t>      Timestamp Format            /          \</a:t>
             </a:r>
           </a:p>
           <a:p>
@@ -11104,7 +11104,7 @@
               <a:rPr lang="en-CA" sz="1100" dirty="0">
                 <a:latin typeface="Courier" pitchFamily="2" charset="0"/>
               </a:rPr>
-              <a:t>  Missed Packet Count N     /            \</a:t>
+              <a:t>    Missed Packet Count N        /            \</a:t>
             </a:r>
           </a:p>
           <a:p>
@@ -11112,7 +11112,7 @@
               <a:rPr lang="en-CA" sz="1100" dirty="0">
                 <a:latin typeface="Courier" pitchFamily="2" charset="0"/>
               </a:rPr>
-              <a:t>  Delay Threshold/Count M  /              \      </a:t>
+              <a:t>    Delay Threshold/Count M     /              \</a:t>
             </a:r>
           </a:p>
           <a:p>
@@ -11120,7 +11120,7 @@
               <a:rPr lang="en-CA" sz="1100" dirty="0">
                 <a:latin typeface="Courier" pitchFamily="2" charset="0"/>
               </a:rPr>
-              <a:t>  Packet Loss </a:t>
+              <a:t>    Packet Loss Threshold </a:t>
             </a:r>
             <a:r>
               <a:rPr lang="en-CA" sz="1100" dirty="0" err="1">
@@ -11132,7 +11132,7 @@
               <a:rPr lang="en-CA" sz="1100" dirty="0">
                 <a:latin typeface="Courier" pitchFamily="2" charset="0"/>
               </a:rPr>
-              <a:t>        /                \</a:t>
+              <a:t> /                \</a:t>
             </a:r>
           </a:p>
           <a:p>
@@ -11140,7 +11140,7 @@
               <a:rPr lang="en-CA" sz="1100" dirty="0">
                 <a:latin typeface="Courier" pitchFamily="2" charset="0"/>
               </a:rPr>
-              <a:t>                         v                  v</a:t>
+              <a:t>                              v                  v</a:t>
             </a:r>
           </a:p>
           <a:p>
@@ -11148,7 +11148,7 @@
               <a:rPr lang="en-CA" sz="1100" dirty="0">
                 <a:latin typeface="Courier" pitchFamily="2" charset="0"/>
               </a:rPr>
-              <a:t>                     +-------+           +-------+</a:t>
+              <a:t>                          +-------+           +-------+</a:t>
             </a:r>
           </a:p>
           <a:p>
@@ -11156,7 +11156,7 @@
               <a:rPr lang="en-CA" sz="1100" dirty="0">
                 <a:latin typeface="Courier" pitchFamily="2" charset="0"/>
               </a:rPr>
-              <a:t>                     |       |           |       |</a:t>
+              <a:t>                          |       |           |       |</a:t>
             </a:r>
           </a:p>
           <a:p>
@@ -11164,7 +11164,7 @@
               <a:rPr lang="en-CA" sz="1100" dirty="0">
                 <a:latin typeface="Courier" pitchFamily="2" charset="0"/>
               </a:rPr>
-              <a:t>                     |   R1  |===========|   R3  |</a:t>
+              <a:t>                          |   R1  |===========|   R3  |</a:t>
             </a:r>
           </a:p>
           <a:p>
@@ -11172,7 +11172,7 @@
               <a:rPr lang="en-CA" sz="1100" dirty="0">
                 <a:latin typeface="Courier" pitchFamily="2" charset="0"/>
               </a:rPr>
-              <a:t>                     |       |           |       |</a:t>
+              <a:t>                          |       |           |       |</a:t>
             </a:r>
           </a:p>
           <a:p>
@@ -11180,7 +11180,7 @@
               <a:rPr lang="en-CA" sz="1100" dirty="0">
                 <a:latin typeface="Courier" pitchFamily="2" charset="0"/>
               </a:rPr>
-              <a:t>                     +-------+           +-------+</a:t>
+              <a:t>                          +-------+           +-------+</a:t>
             </a:r>
           </a:p>
           <a:p>
@@ -11196,7 +11196,7 @@
               <a:rPr lang="en-CA" sz="1100" dirty="0">
                 <a:latin typeface="Courier" pitchFamily="2" charset="0"/>
               </a:rPr>
-              <a:t>                   Session-Sender     Session-Reflector</a:t>
+              <a:t> </a:t>
             </a:r>
           </a:p>
           <a:p>
@@ -11204,6 +11204,14 @@
               <a:rPr lang="en-CA" sz="1100" dirty="0">
                 <a:latin typeface="Courier" pitchFamily="2" charset="0"/>
               </a:rPr>
+              <a:t>                       Session-Sender     Session-Reflector</a:t>
+            </a:r>
+          </a:p>
+          <a:p>
+            <a:r>
+              <a:rPr lang="en-CA" sz="1100" dirty="0">
+                <a:latin typeface="Courier" pitchFamily="2" charset="0"/>
+              </a:rPr>
               <a:t> </a:t>
             </a:r>
           </a:p>
@@ -11220,7 +11228,7 @@
               <a:rPr lang="en-CA" sz="1100" dirty="0">
                 <a:latin typeface="Courier" pitchFamily="2" charset="0"/>
               </a:rPr>
-              <a:t>                   Figure: Example Provisioning Model</a:t>
+              <a:t>                         Figure: Example Provisioning Model</a:t>
             </a:r>
           </a:p>
         </p:txBody>
@@ -11239,8 +11247,8 @@
         </p:nvSpPr>
         <p:spPr>
           <a:xfrm>
-            <a:off x="7186047" y="3623028"/>
-            <a:ext cx="1629905" cy="600164"/>
+            <a:off x="7315200" y="3638550"/>
+            <a:ext cx="1679629" cy="600164"/>
           </a:xfrm>
           <a:prstGeom prst="rect">
             <a:avLst/>

--- a/draft-gandhi-spring-sr-enhanced-plm-04.pptx
+++ b/draft-gandhi-spring-sr-enhanced-plm-04.pptx
@@ -5633,8 +5633,21 @@
                 <a:ea typeface="Calibri" charset="0"/>
                 <a:cs typeface="Calibri" panose="020F0502020204030204" pitchFamily="34" charset="0"/>
               </a:rPr>
-              <a:t>) - Presenter</a:t>
-            </a:r>
+              <a:t>) </a:t>
+            </a:r>
+            <a:r>
+              <a:rPr lang="en-US" altLang="zh-CN" i="1">
+                <a:latin typeface="Calibri" panose="020F0502020204030204" pitchFamily="34" charset="0"/>
+                <a:ea typeface="Calibri" charset="0"/>
+                <a:cs typeface="Calibri" panose="020F0502020204030204" pitchFamily="34" charset="0"/>
+              </a:rPr>
+              <a:t>- Presenter</a:t>
+            </a:r>
+            <a:endParaRPr lang="en-US" altLang="zh-CN" i="1" dirty="0">
+              <a:latin typeface="Calibri" panose="020F0502020204030204" pitchFamily="34" charset="0"/>
+              <a:ea typeface="Calibri" charset="0"/>
+              <a:cs typeface="Calibri" panose="020F0502020204030204" pitchFamily="34" charset="0"/>
+            </a:endParaRPr>
           </a:p>
           <a:p>
             <a:r>
@@ -6624,7 +6637,7 @@
             <a:pPr lvl="1"/>
             <a:r>
               <a:rPr lang="en-US" sz="1400" dirty="0"/>
-              <a:t>Session-Reflector node removes SRH</a:t>
+              <a:t>Session-Reflector removes SRH</a:t>
             </a:r>
           </a:p>
           <a:p>
@@ -6644,7 +6657,7 @@
             <a:pPr lvl="1"/>
             <a:r>
               <a:rPr lang="en-US" sz="1400" dirty="0"/>
-              <a:t>Session-Reflector node does not remove the SRH</a:t>
+              <a:t>Session-Reflector does not remove the SRH</a:t>
             </a:r>
           </a:p>
           <a:p>
@@ -6768,8 +6781,8 @@
         </p:nvSpPr>
         <p:spPr>
           <a:xfrm>
-            <a:off x="762000" y="875778"/>
-            <a:ext cx="7734299" cy="3718899"/>
+            <a:off x="762000" y="895350"/>
+            <a:ext cx="7734299" cy="3524772"/>
           </a:xfrm>
         </p:spPr>
         <p:txBody>
@@ -6785,8 +6798,8 @@
               </a:spcBef>
             </a:pPr>
             <a:r>
-              <a:rPr lang="en-US" sz="1800" dirty="0"/>
-              <a:t>Delay metrics are notified as an example, when consecutive M number of PLM test packets have delay values exceed the configured thresholds (absolute/percentage)</a:t>
+              <a:rPr lang="en-US" sz="1600" dirty="0"/>
+              <a:t>Liveness success (connectivity Up - success of heart beats) initially is notified as soon as one or more PLM return test packets are received at the Session-Sender</a:t>
             </a:r>
           </a:p>
           <a:p>
@@ -6799,8 +6812,8 @@
               </a:spcBef>
             </a:pPr>
             <a:r>
-              <a:rPr lang="en-US" sz="1800" dirty="0"/>
-              <a:t>Liveness failure (connectivity loss - loss of heart beats) is notified when consecutive N number of PLM return test packets are not received at the Session-Sender node</a:t>
+              <a:rPr lang="en-US" sz="1600" dirty="0"/>
+              <a:t>Liveness failure (connectivity loss - loss of heart beats) is notified when consecutive N number of PLM return test packets are not received at the Session-Sender</a:t>
             </a:r>
           </a:p>
           <a:p>
@@ -6813,8 +6826,8 @@
               </a:spcBef>
             </a:pPr>
             <a:r>
-              <a:rPr lang="en-US" sz="1800" dirty="0"/>
-              <a:t>Liveness success (connectivity Up - success of heart beats) initially is notified as soon as one or more PLM return test packets are received at the Session-Sender node</a:t>
+              <a:rPr lang="en-US" sz="1600" dirty="0"/>
+              <a:t>Synthetic packet loss is notified when X number of PLM return test packets not received at the Session-Sender out of last Y PLM test packets transmitted</a:t>
             </a:r>
           </a:p>
           <a:p>
@@ -6827,12 +6840,8 @@
               </a:spcBef>
             </a:pPr>
             <a:r>
-              <a:rPr lang="en-US" sz="1800" dirty="0">
-                <a:solidFill>
-                  <a:srgbClr val="0070C0"/>
-                </a:solidFill>
-              </a:rPr>
-              <a:t>Synthetic packet loss is notified when X number of PLM return test packets not received at the Session-Sender node out of last Y PLM test packets sent</a:t>
+              <a:rPr lang="en-US" sz="1600" dirty="0"/>
+              <a:t>Delay metrics are notified as an example, when consecutive M number of PLM test packets have delay values exceed the configured thresholds (absolute/percentage)</a:t>
             </a:r>
           </a:p>
           <a:p>
@@ -6844,11 +6853,7 @@
                 <a:spcPts val="600"/>
               </a:spcBef>
             </a:pPr>
-            <a:endParaRPr lang="en-CA" sz="1800" dirty="0">
-              <a:solidFill>
-                <a:srgbClr val="0070C0"/>
-              </a:solidFill>
-            </a:endParaRPr>
+            <a:endParaRPr lang="en-US" sz="1600" dirty="0"/>
           </a:p>
           <a:p>
             <a:pPr>
@@ -6859,7 +6864,18 @@
                 <a:spcPts val="600"/>
               </a:spcBef>
             </a:pPr>
-            <a:endParaRPr lang="en-US" sz="1800" dirty="0"/>
+            <a:endParaRPr lang="en-CA" sz="1600" dirty="0"/>
+          </a:p>
+          <a:p>
+            <a:pPr>
+              <a:lnSpc>
+                <a:spcPts val="2180"/>
+              </a:lnSpc>
+              <a:spcBef>
+                <a:spcPts val="600"/>
+              </a:spcBef>
+            </a:pPr>
+            <a:endParaRPr lang="en-US" sz="1600" dirty="0"/>
           </a:p>
         </p:txBody>
       </p:sp>
@@ -9492,7 +9508,7 @@
             </a:pPr>
             <a:r>
               <a:rPr lang="en-US" sz="1400" dirty="0"/>
-              <a:t>Higher scale and faster detection interval</a:t>
+              <a:t>Higher test session scale and faster failure detection interval</a:t>
             </a:r>
           </a:p>
           <a:p>
@@ -9690,8 +9706,12 @@
           <a:p>
             <a:pPr lvl="1"/>
             <a:r>
+              <a:rPr lang="en-US" sz="1600"/>
+              <a:t>Presented </a:t>
+            </a:r>
+            <a:r>
               <a:rPr lang="en-US" sz="1600" dirty="0"/>
-              <a:t>Presented version 00 in IETF 107 Virtual MPLS WG Meeting</a:t>
+              <a:t>version 00 in IETF 107 Virtual MPLS WG Meeting</a:t>
             </a:r>
           </a:p>
           <a:p>
@@ -9703,8 +9723,12 @@
           <a:p>
             <a:pPr lvl="1"/>
             <a:r>
+              <a:rPr lang="en-US" sz="1600"/>
+              <a:t>Presented </a:t>
+            </a:r>
+            <a:r>
               <a:rPr lang="en-US" sz="1600" dirty="0"/>
-              <a:t>Presented version 02 in IETF 108 Online SPRING WG meeting</a:t>
+              <a:t>version 02 in IETF 108 Online SPRING WG meeting</a:t>
             </a:r>
           </a:p>
           <a:p>
@@ -9716,8 +9740,12 @@
           <a:p>
             <a:pPr lvl="1"/>
             <a:r>
+              <a:rPr lang="en-US" sz="1600"/>
+              <a:t>Presented </a:t>
+            </a:r>
+            <a:r>
               <a:rPr lang="en-US" sz="1600" dirty="0"/>
-              <a:t>Presented version 02 in MPLS WG Interim meeting</a:t>
+              <a:t>version 02 in MPLS WG Interim meeting</a:t>
             </a:r>
           </a:p>
           <a:p>
@@ -10135,8 +10163,8 @@
         </p:nvSpPr>
         <p:spPr>
           <a:xfrm>
-            <a:off x="495299" y="3458947"/>
-            <a:ext cx="8153400" cy="1327365"/>
+            <a:off x="914400" y="3402354"/>
+            <a:ext cx="7467600" cy="1327365"/>
           </a:xfrm>
         </p:spPr>
         <p:txBody>
@@ -10152,7 +10180,7 @@
               </a:spcBef>
             </a:pPr>
             <a:r>
-              <a:rPr lang="en-US" sz="1400" dirty="0"/>
+              <a:rPr lang="en-US" sz="1200" dirty="0"/>
               <a:t>PLM test packets in Loopback Mode</a:t>
             </a:r>
           </a:p>
@@ -10166,8 +10194,8 @@
               </a:spcBef>
             </a:pPr>
             <a:r>
-              <a:rPr lang="en-US" sz="1400" dirty="0"/>
-              <a:t>PLM test packets are sent using Segment List(s) of the SR Policy Candidate Path(s)</a:t>
+              <a:rPr lang="en-US" sz="1200" dirty="0"/>
+              <a:t>PLM test packets are transmitted using Segment List(s) of the SR Policy Candidate Path(s)</a:t>
             </a:r>
           </a:p>
           <a:p>
@@ -10180,8 +10208,8 @@
               </a:spcBef>
             </a:pPr>
             <a:r>
-              <a:rPr lang="en-US" sz="1400" dirty="0"/>
-              <a:t>PLM test packets are not punted on the Session-Reflector node out of fast-path in forwarding</a:t>
+              <a:rPr lang="en-US" sz="1200" dirty="0"/>
+              <a:t>PLM test packets are forwarded in fast-path just like data traffic on Session Reflector - not punted to slow-path</a:t>
             </a:r>
           </a:p>
           <a:p>
@@ -10194,7 +10222,7 @@
               </a:spcBef>
             </a:pPr>
             <a:r>
-              <a:rPr lang="en-US" sz="1400" dirty="0"/>
+              <a:rPr lang="en-US" sz="1200" dirty="0"/>
               <a:t>Session-Reflector is agnostic to the performance monitoring protocol </a:t>
             </a:r>
           </a:p>
@@ -10208,7 +10236,7 @@
               </a:spcBef>
             </a:pPr>
             <a:r>
-              <a:rPr lang="en-US" sz="1400" dirty="0"/>
+              <a:rPr lang="en-US" sz="1200" dirty="0"/>
               <a:t>Round-trip delay = (T4 - T1)</a:t>
             </a:r>
           </a:p>
@@ -10221,7 +10249,7 @@
                 <a:spcPts val="0"/>
               </a:spcBef>
             </a:pPr>
-            <a:endParaRPr lang="en-US" sz="1400" dirty="0"/>
+            <a:endParaRPr lang="en-US" sz="1200" dirty="0"/>
           </a:p>
         </p:txBody>
       </p:sp>
@@ -10570,7 +10598,7 @@
             </a:pPr>
             <a:r>
               <a:rPr lang="en-CA" sz="1200" dirty="0"/>
-              <a:t>PLM test packets sent in loopback mode enabled with network programming function</a:t>
+              <a:t>PLM test packets transmitted in loopback mode enabled with network programming function</a:t>
             </a:r>
           </a:p>
           <a:p>
@@ -10584,7 +10612,7 @@
             </a:pPr>
             <a:r>
               <a:rPr lang="en-CA" sz="1200" dirty="0"/>
-              <a:t>The network programming function optimizes the "operations of punt and inject the test packet" on the Session-Reflector</a:t>
+              <a:t>The network programming function optimizes the "operations of punt and inject the test packet" on Session-Reflector</a:t>
             </a:r>
           </a:p>
           <a:p>
@@ -10640,7 +10668,7 @@
             </a:pPr>
             <a:r>
               <a:rPr lang="en-CA" sz="1200" dirty="0"/>
-              <a:t>Ensure loopback PLM test packets return from the intended Session-Reflector node</a:t>
+              <a:t>Ensure loopback PLM test packets return from the intended Session-Reflector</a:t>
             </a:r>
           </a:p>
           <a:p>
@@ -11065,7 +11093,7 @@
               <a:rPr lang="en-CA" sz="1100" dirty="0">
                 <a:latin typeface="Courier" pitchFamily="2" charset="0"/>
               </a:rPr>
-              <a:t>      LB or Enhanced Mode           /      \       Timestamp2 Offset</a:t>
+              <a:t>      LB or Enhanced Mode           /      \       Timestamp Offset</a:t>
             </a:r>
           </a:p>
           <a:p>
@@ -11383,8 +11411,8 @@
         </p:nvSpPr>
         <p:spPr>
           <a:xfrm>
-            <a:off x="212570" y="670236"/>
-            <a:ext cx="4588030" cy="1767255"/>
+            <a:off x="193773" y="528499"/>
+            <a:ext cx="4588030" cy="1967051"/>
           </a:xfrm>
         </p:spPr>
         <p:txBody>
@@ -11405,7 +11433,7 @@
           <a:p>
             <a:r>
               <a:rPr lang="en-US" sz="1200" dirty="0"/>
-              <a:t>Session-Reflector adds Receive Timestamp (T2) at offset-byte location in payload </a:t>
+              <a:t>Session-Reflector adds Receive Timestamp (T2) at offset-byte location in payload, for example,</a:t>
             </a:r>
           </a:p>
           <a:p>
@@ -11413,6 +11441,13 @@
             <a:r>
               <a:rPr lang="en-US" sz="1200" dirty="0"/>
               <a:t>offset-byte 16 from the start of the payload in unauthenticated mode, or</a:t>
+            </a:r>
+          </a:p>
+          <a:p>
+            <a:pPr lvl="1"/>
+            <a:r>
+              <a:rPr lang="en-US" sz="1200" dirty="0"/>
+              <a:t>offset-byte 32 from the start of the payload in authenticated mode, or</a:t>
             </a:r>
           </a:p>
           <a:p>

--- a/draft-gandhi-spring-sr-enhanced-plm-04.pptx
+++ b/draft-gandhi-spring-sr-enhanced-plm-04.pptx
@@ -10809,7 +10809,7 @@
               <a:rPr lang="en-CA" sz="1100" dirty="0">
                 <a:latin typeface="Courier" pitchFamily="2" charset="0"/>
               </a:rPr>
-              <a:t>Session-Sender                 Session-Reflector</a:t>
+              <a:t>Session-Sender                Session-Reflector</a:t>
             </a:r>
           </a:p>
           <a:p>
@@ -10817,7 +10817,7 @@
               <a:rPr lang="en-CA" sz="1100" dirty="0">
                 <a:latin typeface="Courier" pitchFamily="2" charset="0"/>
               </a:rPr>
-              <a:t>                                (Timestamp,</a:t>
+              <a:t>                              (Timestamp,</a:t>
             </a:r>
           </a:p>
           <a:p>
@@ -10825,7 +10825,7 @@
               <a:rPr lang="en-CA" sz="1100" dirty="0">
                 <a:latin typeface="Courier" pitchFamily="2" charset="0"/>
               </a:rPr>
-              <a:t>                                 Pop and Forward)</a:t>
+              <a:t>                               Pop and Forward)</a:t>
             </a:r>
           </a:p>
         </p:txBody>
@@ -11029,8 +11029,8 @@
         </p:nvSpPr>
         <p:spPr>
           <a:xfrm>
-            <a:off x="990600" y="780337"/>
-            <a:ext cx="6324600" cy="3816429"/>
+            <a:off x="1600200" y="766762"/>
+            <a:ext cx="6324600" cy="3477875"/>
           </a:xfrm>
           <a:prstGeom prst="rect">
             <a:avLst/>
@@ -11224,6 +11224,14 @@
               <a:rPr lang="en-CA" sz="1100" dirty="0">
                 <a:latin typeface="Courier" pitchFamily="2" charset="0"/>
               </a:rPr>
+              <a:t>                       Session-Sender      Session-Reflector</a:t>
+            </a:r>
+          </a:p>
+          <a:p>
+            <a:r>
+              <a:rPr lang="en-CA" sz="1100" dirty="0">
+                <a:latin typeface="Courier" pitchFamily="2" charset="0"/>
+              </a:rPr>
               <a:t> </a:t>
             </a:r>
           </a:p>
@@ -11232,31 +11240,7 @@
               <a:rPr lang="en-CA" sz="1100" dirty="0">
                 <a:latin typeface="Courier" pitchFamily="2" charset="0"/>
               </a:rPr>
-              <a:t>                       Session-Sender     Session-Reflector</a:t>
-            </a:r>
-          </a:p>
-          <a:p>
-            <a:r>
-              <a:rPr lang="en-CA" sz="1100" dirty="0">
-                <a:latin typeface="Courier" pitchFamily="2" charset="0"/>
-              </a:rPr>
-              <a:t> </a:t>
-            </a:r>
-          </a:p>
-          <a:p>
-            <a:r>
-              <a:rPr lang="en-CA" sz="1100" dirty="0">
-                <a:latin typeface="Courier" pitchFamily="2" charset="0"/>
-              </a:rPr>
-              <a:t> </a:t>
-            </a:r>
-          </a:p>
-          <a:p>
-            <a:r>
-              <a:rPr lang="en-CA" sz="1100" dirty="0">
-                <a:latin typeface="Courier" pitchFamily="2" charset="0"/>
-              </a:rPr>
-              <a:t>                         Figure: Example Provisioning Model</a:t>
+              <a:t>                         Figure: Example Provisioning Model</a:t>
             </a:r>
           </a:p>
         </p:txBody>
@@ -11275,8 +11259,8 @@
         </p:nvSpPr>
         <p:spPr>
           <a:xfrm>
-            <a:off x="7315200" y="3638550"/>
-            <a:ext cx="1679629" cy="600164"/>
+            <a:off x="4543586" y="4419241"/>
+            <a:ext cx="4495800" cy="261610"/>
           </a:xfrm>
           <a:prstGeom prst="rect">
             <a:avLst/>

--- a/draft-gandhi-spring-sr-enhanced-plm-04.pptx
+++ b/draft-gandhi-spring-sr-enhanced-plm-04.pptx
@@ -260,7 +260,7 @@
           <a:p>
             <a:fld id="{E8FA3DB5-7722-3F4F-947D-12B203669AD7}" type="datetimeFigureOut">
               <a:rPr lang="en-US" smtClean="0"/>
-              <a:t>2/2/21</a:t>
+              <a:t>2/3/21</a:t>
             </a:fld>
             <a:endParaRPr lang="en-US"/>
           </a:p>
@@ -6094,7 +6094,7 @@
               <a:rPr lang="en-CA" sz="850" dirty="0">
                 <a:latin typeface="Courier" pitchFamily="2" charset="0"/>
               </a:rPr>
-              <a:t>+---------------------------------------------------------------+ | UDP Header                                                    | .  Source Port = As chosen by Session-Sender                    . .  Destination Port = As chosen by Session-Sender               . .                                                               . +---------------------------------------------------------------+ | Payload                                                       | </a:t>
+              <a:t>+---------------------------------------------------------------+ | UDP Header                                                    | .  Source Port = As chosen by Session-Sender                    . .  Destination Port = As chosen by Session-Sender               . .                                                               . +---------------------------------------------------------------+ | PLM Test Packet                                               | </a:t>
             </a:r>
           </a:p>
           <a:p>
@@ -6548,7 +6548,7 @@
               <a:rPr lang="en-CA" sz="900" dirty="0">
                 <a:latin typeface="Courier" pitchFamily="2" charset="0"/>
               </a:rPr>
-              <a:t>| Payload                                                       |</a:t>
+              <a:t>| PLM Test Packet                                               |</a:t>
             </a:r>
           </a:p>
           <a:p>
@@ -6781,7 +6781,7 @@
         </p:nvSpPr>
         <p:spPr>
           <a:xfrm>
-            <a:off x="762000" y="895350"/>
+            <a:off x="609600" y="921645"/>
             <a:ext cx="7734299" cy="3524772"/>
           </a:xfrm>
         </p:spPr>
@@ -9527,7 +9527,7 @@
             </a:pPr>
             <a:r>
               <a:rPr lang="en-US" sz="1400" dirty="0"/>
-              <a:t>Leverage RFC 8762 (Simple TWAMP (STAMP)) Implementation in Hardware</a:t>
+              <a:t>Leverage RFC 8762 (Simple TWAMP (STAMP)) hardware implementation</a:t>
             </a:r>
           </a:p>
           <a:p>
@@ -9935,7 +9935,7 @@
             </a:pPr>
             <a:r>
               <a:rPr lang="en-CA" sz="1600" dirty="0"/>
-              <a:t>Added section on SRv6 Timestamp Endpoint function assignment and Node Capability</a:t>
+              <a:t>Added SRv6 Timestamp Endpoint function assignment and Node Capability</a:t>
             </a:r>
           </a:p>
           <a:p>
@@ -10412,7 +10412,7 @@
                 <a:ea typeface="Calibri" panose="020F0502020204030204" pitchFamily="34" charset="0"/>
                 <a:cs typeface="Times New Roman" panose="02020603050405020304" pitchFamily="18" charset="0"/>
               </a:rPr>
-              <a:t>               Figure: PLM Loopback Mode</a:t>
+              <a:t>            Figure: PLM Loopback Mode</a:t>
             </a:r>
             <a:endParaRPr lang="en-CA" sz="1200" dirty="0">
               <a:effectLst/>
@@ -11240,7 +11240,7 @@
               <a:rPr lang="en-CA" sz="1100" dirty="0">
                 <a:latin typeface="Courier" pitchFamily="2" charset="0"/>
               </a:rPr>
-              <a:t>                         Figure: Example Provisioning Model</a:t>
+              <a:t>                        Figure: Example Provisioning Model</a:t>
             </a:r>
           </a:p>
         </p:txBody>
@@ -12064,7 +12064,7 @@
               <a:rPr lang="en-CA" sz="800" dirty="0">
                 <a:latin typeface="Courier" pitchFamily="2" charset="0"/>
               </a:rPr>
-              <a:t>     PLM Test Packet Format in Authentication Mode</a:t>
+              <a:t>           PLM Test Packet Format in Authentication Mode</a:t>
             </a:r>
             <a:endParaRPr lang="en-US" sz="800" dirty="0">
               <a:latin typeface="Courier" pitchFamily="2" charset="0"/>

--- a/draft-gandhi-spring-sr-enhanced-plm-04.pptx
+++ b/draft-gandhi-spring-sr-enhanced-plm-04.pptx
@@ -260,7 +260,7 @@
           <a:p>
             <a:fld id="{E8FA3DB5-7722-3F4F-947D-12B203669AD7}" type="datetimeFigureOut">
               <a:rPr lang="en-US" smtClean="0"/>
-              <a:t>2/3/21</a:t>
+              <a:t>2/8/21</a:t>
             </a:fld>
             <a:endParaRPr lang="en-US"/>
           </a:p>
@@ -6086,7 +6086,7 @@
               <a:rPr lang="en-CA" sz="850" dirty="0">
                 <a:latin typeface="Courier" pitchFamily="2" charset="0"/>
               </a:rPr>
-              <a:t>.                                                               . </a:t>
+              <a:t>.                                                               .</a:t>
             </a:r>
           </a:p>
           <a:p>
@@ -6094,7 +6094,7 @@
               <a:rPr lang="en-CA" sz="850" dirty="0">
                 <a:latin typeface="Courier" pitchFamily="2" charset="0"/>
               </a:rPr>
-              <a:t>+---------------------------------------------------------------+ | UDP Header                                                    | .  Source Port = As chosen by Session-Sender                    . .  Destination Port = As chosen by Session-Sender               . .                                                               . +---------------------------------------------------------------+ | PLM Test Packet                                               | </a:t>
+              <a:t>+---------------------------------------------------------------+ | UDP Header                                                    | .  Source Port = As chosen by Session-Sender                    . .  Destination Port = As chosen by Session-Sender               . .                                                               . +---------------------------------------------------------------+ | PLM Test Packet                                               |</a:t>
             </a:r>
           </a:p>
           <a:p>
@@ -6799,7 +6799,7 @@
             </a:pPr>
             <a:r>
               <a:rPr lang="en-US" sz="1600" dirty="0"/>
-              <a:t>Liveness success (connectivity Up - success of heart beats) initially is notified as soon as one or more PLM return test packets are received at the Session-Sender</a:t>
+              <a:t>Liveness success (success of heart beats) initially is notified as soon as one or more PLM return test packets are received at the Session-Sender</a:t>
             </a:r>
           </a:p>
           <a:p>
@@ -6813,7 +6813,7 @@
             </a:pPr>
             <a:r>
               <a:rPr lang="en-US" sz="1600" dirty="0"/>
-              <a:t>Liveness failure (connectivity loss - loss of heart beats) is notified when consecutive N number of PLM return test packets are not received at the Session-Sender</a:t>
+              <a:t>Liveness failure (loss of heart beats) is notified when consecutive N number of PLM return test packets are not received at the Session-Sender</a:t>
             </a:r>
           </a:p>
           <a:p>
@@ -6827,7 +6827,15 @@
             </a:pPr>
             <a:r>
               <a:rPr lang="en-US" sz="1600" dirty="0"/>
-              <a:t>Synthetic packet loss is notified when X number of PLM return test packets not received at the Session-Sender out of last Y PLM test packets transmitted</a:t>
+              <a:t>Synthetic packet loss is notified when X number of PLM return test packets not received at the Session-Sender out of last Y PLM test packets transmitted (with configured </a:t>
+            </a:r>
+            <a:r>
+              <a:rPr lang="en-US" sz="1600" dirty="0" err="1"/>
+              <a:t>XofY</a:t>
+            </a:r>
+            <a:r>
+              <a:rPr lang="en-US" sz="1600" dirty="0"/>
+              <a:t> threshold)</a:t>
             </a:r>
           </a:p>
           <a:p>
@@ -9418,7 +9426,7 @@
             </a:pPr>
             <a:r>
               <a:rPr lang="en-US" sz="1400" dirty="0"/>
-              <a:t>Performance &amp; Liveness Monitoring in SR networks</a:t>
+              <a:t>Performance and Liveness Monitoring (PLM) in SR networks</a:t>
             </a:r>
           </a:p>
           <a:p>
@@ -9915,7 +9923,17 @@
             </a:pPr>
             <a:r>
               <a:rPr lang="en-CA" sz="1600" dirty="0"/>
-              <a:t>Updated terminology – test packets, consistent terms for MPLS Timestamp Label and SRv6 Timestamp Endpoint</a:t>
+              <a:t>Updated terminology </a:t>
+            </a:r>
+          </a:p>
+          <a:p>
+            <a:pPr lvl="2">
+              <a:buFont typeface="Wingdings" pitchFamily="2" charset="2"/>
+              <a:buChar char="ü"/>
+            </a:pPr>
+            <a:r>
+              <a:rPr lang="en-CA" sz="1600" dirty="0"/>
+              <a:t>test packets, consistent terms for MPLS Timestamp Label and SRv6 Timestamp Endpoint</a:t>
             </a:r>
           </a:p>
           <a:p>
@@ -9935,7 +9953,7 @@
             </a:pPr>
             <a:r>
               <a:rPr lang="en-CA" sz="1600" dirty="0"/>
-              <a:t>Added SRv6 Timestamp Endpoint function assignment and Node Capability</a:t>
+              <a:t>Added SRv6 Timestamp Endpoint function assignment and Node Capability section</a:t>
             </a:r>
           </a:p>
           <a:p>
@@ -9945,7 +9963,7 @@
             </a:pPr>
             <a:r>
               <a:rPr lang="en-CA" sz="1600" dirty="0"/>
-              <a:t>Added synthetic packet loss</a:t>
+              <a:t>Added synthetic packet loss section</a:t>
             </a:r>
           </a:p>
           <a:p>
@@ -10195,7 +10213,7 @@
             </a:pPr>
             <a:r>
               <a:rPr lang="en-US" sz="1200" dirty="0"/>
-              <a:t>PLM test packets are transmitted using Segment List(s) of the SR Policy Candidate Path(s)</a:t>
+              <a:t>PLM test packets are transmitted for each Segment List(s) of the SR Policy Candidate Path(s)</a:t>
             </a:r>
           </a:p>
           <a:p>
@@ -10223,7 +10241,7 @@
             </a:pPr>
             <a:r>
               <a:rPr lang="en-US" sz="1200" dirty="0"/>
-              <a:t>Session-Reflector is agnostic to the performance monitoring protocol </a:t>
+              <a:t>Session-Reflector is agnostic to the PLM protocol </a:t>
             </a:r>
           </a:p>
           <a:p>
@@ -10626,7 +10644,7 @@
             </a:pPr>
             <a:r>
               <a:rPr lang="en-CA" sz="1200" dirty="0"/>
-              <a:t>As PLM test packets are forwarded in fast-path, higher session scale with faster failure detection interval is possible</a:t>
+              <a:t>As PLM test packets are forwarded in fast-path, higher session scale with faster failure detection interval is achieved</a:t>
             </a:r>
           </a:p>
           <a:p>
@@ -10654,7 +10672,7 @@
             </a:pPr>
             <a:r>
               <a:rPr lang="en-CA" sz="1200" dirty="0"/>
-              <a:t>Only adds the receive timestamp if the source address or destination address in the test packet matches the local node address</a:t>
+              <a:t>Only adds the receive timestamp if the source address or destination address in the received test packet matches the local node address</a:t>
             </a:r>
           </a:p>
           <a:p>
@@ -11029,7 +11047,7 @@
         </p:nvSpPr>
         <p:spPr>
           <a:xfrm>
-            <a:off x="1600200" y="766762"/>
+            <a:off x="1524000" y="786068"/>
             <a:ext cx="6324600" cy="3477875"/>
           </a:xfrm>
           <a:prstGeom prst="rect">
@@ -11259,7 +11277,7 @@
         </p:nvSpPr>
         <p:spPr>
           <a:xfrm>
-            <a:off x="4543586" y="4419241"/>
+            <a:off x="4038600" y="4422309"/>
             <a:ext cx="4495800" cy="261610"/>
           </a:xfrm>
           <a:prstGeom prst="rect">
@@ -11492,7 +11510,7 @@
         </p:nvSpPr>
         <p:spPr>
           <a:xfrm>
-            <a:off x="311381" y="2552727"/>
+            <a:off x="311381" y="2495550"/>
             <a:ext cx="4242226" cy="2554545"/>
           </a:xfrm>
           <a:prstGeom prst="rect">
@@ -11664,7 +11682,7 @@
               <a:rPr lang="en-CA" sz="800" dirty="0">
                 <a:latin typeface="Courier" pitchFamily="2" charset="0"/>
               </a:rPr>
-              <a:t>        PLM Test Packet Format in Unauthentication Mode</a:t>
+              <a:t>         PLM Test Packet Format in Unauthentication Mode</a:t>
             </a:r>
             <a:endParaRPr lang="en-US" sz="800" dirty="0">
               <a:latin typeface="Courier" pitchFamily="2" charset="0"/>

--- a/draft-gandhi-spring-sr-enhanced-plm-04.pptx
+++ b/draft-gandhi-spring-sr-enhanced-plm-04.pptx
@@ -10630,7 +10630,7 @@
             </a:pPr>
             <a:r>
               <a:rPr lang="en-CA" sz="1200" dirty="0"/>
-              <a:t>The network programming function optimizes the "operations of punt and inject the test packet" on Session-Reflector</a:t>
+              <a:t>The network programming function optimizes the "operations of punt and generate the test packet" on Session-Reflector</a:t>
             </a:r>
           </a:p>
           <a:p>
@@ -11103,7 +11103,7 @@
                 </a:solidFill>
                 <a:latin typeface="Courier" pitchFamily="2" charset="0"/>
               </a:rPr>
-              <a:t>Timestamp Label/SRV6 EP</a:t>
+              <a:t>Timestamp Label/SRV6 EB</a:t>
             </a:r>
           </a:p>
           <a:p>
@@ -11128,7 +11128,7 @@
                 </a:solidFill>
                 <a:latin typeface="Courier" pitchFamily="2" charset="0"/>
               </a:rPr>
-              <a:t>Timestamp Label/SRv6 EP        </a:t>
+              <a:t>Timestamp Label/SRv6 EB        </a:t>
             </a:r>
             <a:r>
               <a:rPr lang="en-CA" sz="1100" dirty="0">

--- a/draft-gandhi-spring-sr-enhanced-plm-04.pptx
+++ b/draft-gandhi-spring-sr-enhanced-plm-04.pptx
@@ -9535,7 +9535,17 @@
             </a:pPr>
             <a:r>
               <a:rPr lang="en-US" sz="1400" dirty="0"/>
-              <a:t>Leverage RFC 8762 (Simple TWAMP (STAMP)) hardware implementation</a:t>
+              <a:t>Leverage RFC 8762 (Simple TWAMP (STAMP)) hardware implementation </a:t>
+            </a:r>
+          </a:p>
+          <a:p>
+            <a:pPr lvl="2">
+              <a:buFont typeface="Wingdings" charset="2"/>
+              <a:buChar char="§"/>
+            </a:pPr>
+            <a:r>
+              <a:rPr lang="en-US" sz="1400" dirty="0"/>
+              <a:t>Same location for timestamp fields in the new test packet formats</a:t>
             </a:r>
           </a:p>
           <a:p>
@@ -11422,40 +11432,40 @@
           <a:lstStyle/>
           <a:p>
             <a:r>
-              <a:rPr lang="en-US" sz="1200" dirty="0"/>
-              <a:t>Leverage existing STAMP implementations in hardware</a:t>
-            </a:r>
-          </a:p>
-          <a:p>
-            <a:r>
-              <a:rPr lang="en-US" sz="1200" dirty="0"/>
+              <a:rPr lang="en-US" sz="1100" dirty="0"/>
+              <a:t>Leverage existing STAMP implementations in hardware for timestamp field locations</a:t>
+            </a:r>
+          </a:p>
+          <a:p>
+            <a:r>
+              <a:rPr lang="en-US" sz="1100" dirty="0"/>
               <a:t>Session-Sender adds Transmit Timestamp (T1)</a:t>
             </a:r>
           </a:p>
           <a:p>
             <a:r>
-              <a:rPr lang="en-US" sz="1200" dirty="0"/>
+              <a:rPr lang="en-US" sz="1100" dirty="0"/>
               <a:t>Session-Reflector adds Receive Timestamp (T2) at offset-byte location in payload, for example,</a:t>
             </a:r>
           </a:p>
           <a:p>
             <a:pPr lvl="1"/>
             <a:r>
-              <a:rPr lang="en-US" sz="1200" dirty="0"/>
+              <a:rPr lang="en-US" sz="1100" dirty="0"/>
               <a:t>offset-byte 16 from the start of the payload in unauthenticated mode, or</a:t>
             </a:r>
           </a:p>
           <a:p>
             <a:pPr lvl="1"/>
             <a:r>
-              <a:rPr lang="en-US" sz="1200" dirty="0"/>
+              <a:rPr lang="en-US" sz="1100" dirty="0"/>
               <a:t>offset-byte 32 from the start of the payload in authenticated mode, or</a:t>
             </a:r>
           </a:p>
           <a:p>
             <a:pPr lvl="1"/>
             <a:r>
-              <a:rPr lang="en-US" sz="1200" dirty="0"/>
+              <a:rPr lang="en-US" sz="1100" dirty="0"/>
               <a:t>locally provisioned location (consistently in the network) </a:t>
             </a:r>
           </a:p>

--- a/draft-gandhi-spring-sr-enhanced-plm-04.pptx
+++ b/draft-gandhi-spring-sr-enhanced-plm-04.pptx
@@ -10191,7 +10191,7 @@
         </p:nvSpPr>
         <p:spPr>
           <a:xfrm>
-            <a:off x="914400" y="3402354"/>
+            <a:off x="914400" y="3332766"/>
             <a:ext cx="7467600" cy="1327365"/>
           </a:xfrm>
         </p:spPr>
@@ -10295,8 +10295,8 @@
         </p:nvSpPr>
         <p:spPr>
           <a:xfrm>
-            <a:off x="2133600" y="668105"/>
-            <a:ext cx="4876799" cy="2677656"/>
+            <a:off x="2317474" y="686133"/>
+            <a:ext cx="4419600" cy="2462213"/>
           </a:xfrm>
           <a:prstGeom prst="rect">
             <a:avLst/>
@@ -10320,14 +10320,14 @@
           <a:lstStyle/>
           <a:p>
             <a:r>
-              <a:rPr lang="en-CA" sz="1000" dirty="0">
+              <a:rPr lang="en-CA" sz="1100" dirty="0">
                 <a:latin typeface="Courier" pitchFamily="2" charset="0"/>
                 <a:cs typeface="Times New Roman" panose="02020603050405020304" pitchFamily="18" charset="0"/>
               </a:rPr>
               <a:t>              </a:t>
             </a:r>
             <a:r>
-              <a:rPr lang="en-CA" sz="1200" dirty="0">
+              <a:rPr lang="en-CA" sz="1100" dirty="0">
                 <a:latin typeface="Courier" pitchFamily="2" charset="0"/>
               </a:rPr>
               <a:t>T1</a:t>
@@ -10335,7 +10335,7 @@
           </a:p>
           <a:p>
             <a:r>
-              <a:rPr lang="en-CA" sz="1200" dirty="0">
+              <a:rPr lang="en-CA" sz="1100" dirty="0">
                 <a:latin typeface="Courier" pitchFamily="2" charset="0"/>
               </a:rPr>
               <a:t>           /</a:t>
@@ -10343,7 +10343,7 @@
           </a:p>
           <a:p>
             <a:r>
-              <a:rPr lang="en-CA" sz="1200" dirty="0">
+              <a:rPr lang="en-CA" sz="1100" dirty="0">
                 <a:latin typeface="Courier" pitchFamily="2" charset="0"/>
               </a:rPr>
               <a:t>  +-------+    PLM Test Packet    +-------+</a:t>
@@ -10351,7 +10351,7 @@
           </a:p>
           <a:p>
             <a:r>
-              <a:rPr lang="en-CA" sz="1200" dirty="0">
+              <a:rPr lang="en-CA" sz="1100" dirty="0">
                 <a:latin typeface="Courier" pitchFamily="2" charset="0"/>
               </a:rPr>
               <a:t>  |       | - - - - - - - - - - - |       |</a:t>
@@ -10359,7 +10359,7 @@
           </a:p>
           <a:p>
             <a:r>
-              <a:rPr lang="en-CA" sz="1200" dirty="0">
+              <a:rPr lang="en-CA" sz="1100" dirty="0">
                 <a:latin typeface="Courier" pitchFamily="2" charset="0"/>
               </a:rPr>
               <a:t>  |   R1  |======================||   R3  |</a:t>
@@ -10367,7 +10367,7 @@
           </a:p>
           <a:p>
             <a:r>
-              <a:rPr lang="en-CA" sz="1200" dirty="0">
+              <a:rPr lang="en-CA" sz="1100" dirty="0">
                 <a:latin typeface="Courier" pitchFamily="2" charset="0"/>
               </a:rPr>
               <a:t>  |       |&lt;- - - - - - - - - - - |       |</a:t>
@@ -10375,7 +10375,7 @@
           </a:p>
           <a:p>
             <a:r>
-              <a:rPr lang="en-CA" sz="1200" dirty="0">
+              <a:rPr lang="en-CA" sz="1100" dirty="0">
                 <a:latin typeface="Courier" pitchFamily="2" charset="0"/>
               </a:rPr>
               <a:t>  +-------+   Return Test Packet  +-------+</a:t>
@@ -10383,7 +10383,7 @@
           </a:p>
           <a:p>
             <a:r>
-              <a:rPr lang="en-CA" sz="1200" dirty="0">
+              <a:rPr lang="en-CA" sz="1100" dirty="0">
                 <a:latin typeface="Courier" pitchFamily="2" charset="0"/>
               </a:rPr>
               <a:t>           \</a:t>
@@ -10391,7 +10391,7 @@
           </a:p>
           <a:p>
             <a:r>
-              <a:rPr lang="en-CA" sz="1200" dirty="0">
+              <a:rPr lang="en-CA" sz="1100" dirty="0">
                 <a:latin typeface="Courier" pitchFamily="2" charset="0"/>
               </a:rPr>
               <a:t>            T4</a:t>
@@ -10399,7 +10399,7 @@
           </a:p>
           <a:p>
             <a:r>
-              <a:rPr lang="en-CA" sz="1200" dirty="0">
+              <a:rPr lang="en-CA" sz="1100" dirty="0">
                 <a:latin typeface="Courier" pitchFamily="2" charset="0"/>
               </a:rPr>
               <a:t> </a:t>
@@ -10407,7 +10407,7 @@
           </a:p>
           <a:p>
             <a:r>
-              <a:rPr lang="en-CA" sz="1200" dirty="0">
+              <a:rPr lang="en-CA" sz="1100" dirty="0">
                 <a:latin typeface="Courier" pitchFamily="2" charset="0"/>
               </a:rPr>
               <a:t> Session-Sender                Session-Reflector</a:t>
@@ -10415,14 +10415,14 @@
           </a:p>
           <a:p>
             <a:r>
-              <a:rPr lang="en-CA" sz="1200" dirty="0">
+              <a:rPr lang="en-CA" sz="1100" dirty="0">
                 <a:latin typeface="Courier" pitchFamily="2" charset="0"/>
               </a:rPr>
               <a:t>                               (Simply Forward)</a:t>
             </a:r>
           </a:p>
           <a:p>
-            <a:endParaRPr lang="en-CA" sz="1200" dirty="0">
+            <a:endParaRPr lang="en-CA" sz="1100" dirty="0">
               <a:latin typeface="Courier" pitchFamily="2" charset="0"/>
               <a:ea typeface="Calibri" panose="020F0502020204030204" pitchFamily="34" charset="0"/>
               <a:cs typeface="Times New Roman" panose="02020603050405020304" pitchFamily="18" charset="0"/>
@@ -10435,14 +10435,14 @@
               </a:spcAft>
             </a:pPr>
             <a:r>
-              <a:rPr lang="en-CA" sz="1200" dirty="0">
+              <a:rPr lang="en-CA" sz="1100" dirty="0">
                 <a:latin typeface="Courier" pitchFamily="2" charset="0"/>
                 <a:ea typeface="Calibri" panose="020F0502020204030204" pitchFamily="34" charset="0"/>
                 <a:cs typeface="Times New Roman" panose="02020603050405020304" pitchFamily="18" charset="0"/>
               </a:rPr>
               <a:t>            Figure: PLM Loopback Mode</a:t>
             </a:r>
-            <a:endParaRPr lang="en-CA" sz="1200" dirty="0">
+            <a:endParaRPr lang="en-CA" sz="1100" dirty="0">
               <a:effectLst/>
               <a:latin typeface="Courier" pitchFamily="2" charset="0"/>
               <a:ea typeface="Calibri" panose="020F0502020204030204" pitchFamily="34" charset="0"/>
@@ -10729,7 +10729,7 @@
         </p:nvSpPr>
         <p:spPr>
           <a:xfrm>
-            <a:off x="2133600" y="579570"/>
+            <a:off x="2286000" y="607444"/>
             <a:ext cx="4419600" cy="2292935"/>
           </a:xfrm>
           <a:prstGeom prst="rect">
@@ -11121,7 +11121,7 @@
               <a:rPr lang="en-CA" sz="1100" dirty="0">
                 <a:latin typeface="Courier" pitchFamily="2" charset="0"/>
               </a:rPr>
-              <a:t>      LB or Enhanced Mode           /      \       Timestamp Offset</a:t>
+              <a:t>      Loopback or Enhanced Mode     /      \       Timestamp Offset</a:t>
             </a:r>
           </a:p>
           <a:p>

--- a/draft-gandhi-spring-sr-enhanced-plm-04.pptx
+++ b/draft-gandhi-spring-sr-enhanced-plm-04.pptx
@@ -11058,7 +11058,7 @@
         <p:spPr>
           <a:xfrm>
             <a:off x="1524000" y="786068"/>
-            <a:ext cx="6324600" cy="3477875"/>
+            <a:ext cx="6553200" cy="3477875"/>
           </a:xfrm>
           <a:prstGeom prst="rect">
             <a:avLst/>
@@ -11080,7 +11080,7 @@
               <a:rPr lang="en-CA" sz="1100" dirty="0">
                 <a:latin typeface="Courier" pitchFamily="2" charset="0"/>
               </a:rPr>
-              <a:t>                                 +------------+</a:t>
+              <a:t>                                  +------------+</a:t>
             </a:r>
           </a:p>
           <a:p>
@@ -11088,7 +11088,7 @@
               <a:rPr lang="en-CA" sz="1100" dirty="0">
                 <a:latin typeface="Courier" pitchFamily="2" charset="0"/>
               </a:rPr>
-              <a:t>                                 | Controller |</a:t>
+              <a:t>                                  | Controller |</a:t>
             </a:r>
           </a:p>
           <a:p>
@@ -11096,7 +11096,7 @@
               <a:rPr lang="en-CA" sz="1100" dirty="0">
                 <a:latin typeface="Courier" pitchFamily="2" charset="0"/>
               </a:rPr>
-              <a:t>                                 +------------+</a:t>
+              <a:t>                                  +------------+</a:t>
             </a:r>
           </a:p>
           <a:p>
@@ -11104,7 +11104,7 @@
               <a:rPr lang="en-CA" sz="1100" dirty="0">
                 <a:latin typeface="Courier" pitchFamily="2" charset="0"/>
               </a:rPr>
-              <a:t>    PLM Mode                         /    \      </a:t>
+              <a:t>   PLM Mode                           /    \      </a:t>
             </a:r>
             <a:r>
               <a:rPr lang="en-CA" sz="1100" dirty="0">
@@ -11115,13 +11115,11 @@
               </a:rPr>
               <a:t>Timestamp Label/SRV6 EB</a:t>
             </a:r>
-          </a:p>
-          <a:p>
             <a:r>
               <a:rPr lang="en-CA" sz="1100" dirty="0">
                 <a:latin typeface="Courier" pitchFamily="2" charset="0"/>
               </a:rPr>
-              <a:t>      Loopback or Enhanced Mode     /      \       Timestamp Offset</a:t>
+              <a:t>         </a:t>
             </a:r>
           </a:p>
           <a:p>
@@ -11129,7 +11127,24 @@
               <a:rPr lang="en-CA" sz="1100" dirty="0">
                 <a:latin typeface="Courier" pitchFamily="2" charset="0"/>
               </a:rPr>
-              <a:t>    </a:t>
+              <a:t>   Loopback or Enhanced Mode         /      \       Timestamp </a:t>
+            </a:r>
+            <a:r>
+              <a:rPr lang="en-CA" sz="1100" dirty="0" err="1">
+                <a:latin typeface="Courier" pitchFamily="2" charset="0"/>
+              </a:rPr>
+              <a:t>Offse</a:t>
+            </a:r>
+            <a:endParaRPr lang="en-CA" sz="1100" dirty="0">
+              <a:latin typeface="Courier" pitchFamily="2" charset="0"/>
+            </a:endParaRPr>
+          </a:p>
+          <a:p>
+            <a:r>
+              <a:rPr lang="en-CA" sz="1100" dirty="0">
+                <a:latin typeface="Courier" pitchFamily="2" charset="0"/>
+              </a:rPr>
+              <a:t>   </a:t>
             </a:r>
             <a:r>
               <a:rPr lang="en-CA" sz="1100" dirty="0">
@@ -11138,7 +11153,7 @@
                 </a:solidFill>
                 <a:latin typeface="Courier" pitchFamily="2" charset="0"/>
               </a:rPr>
-              <a:t>Timestamp Label/SRv6 EB        </a:t>
+              <a:t>Timestamp Label/SRv6 EB          </a:t>
             </a:r>
             <a:r>
               <a:rPr lang="en-CA" sz="1100" dirty="0">
@@ -11152,7 +11167,7 @@
               <a:rPr lang="en-CA" sz="1100" dirty="0">
                 <a:latin typeface="Courier" pitchFamily="2" charset="0"/>
               </a:rPr>
-              <a:t>      Timestamp Format            /          \</a:t>
+              <a:t>     Timestamp Format              /          \</a:t>
             </a:r>
           </a:p>
           <a:p>
@@ -11160,7 +11175,7 @@
               <a:rPr lang="en-CA" sz="1100" dirty="0">
                 <a:latin typeface="Courier" pitchFamily="2" charset="0"/>
               </a:rPr>
-              <a:t>    Missed Packet Count N        /            \</a:t>
+              <a:t>   Missed Packet Count (N)        /            \</a:t>
             </a:r>
           </a:p>
           <a:p>
@@ -11168,7 +11183,7 @@
               <a:rPr lang="en-CA" sz="1100" dirty="0">
                 <a:latin typeface="Courier" pitchFamily="2" charset="0"/>
               </a:rPr>
-              <a:t>    Delay Threshold/Count M     /              \</a:t>
+              <a:t>   Delay Threshold/Count (T/M)   /              \</a:t>
             </a:r>
           </a:p>
           <a:p>
@@ -11176,7 +11191,7 @@
               <a:rPr lang="en-CA" sz="1100" dirty="0">
                 <a:latin typeface="Courier" pitchFamily="2" charset="0"/>
               </a:rPr>
-              <a:t>    Packet Loss Threshold </a:t>
+              <a:t>   Packet Loss Threshold (</a:t>
             </a:r>
             <a:r>
               <a:rPr lang="en-CA" sz="1100" dirty="0" err="1">
@@ -11188,7 +11203,7 @@
               <a:rPr lang="en-CA" sz="1100" dirty="0">
                 <a:latin typeface="Courier" pitchFamily="2" charset="0"/>
               </a:rPr>
-              <a:t> /                \</a:t>
+              <a:t>) /                \</a:t>
             </a:r>
           </a:p>
           <a:p>
@@ -11196,7 +11211,7 @@
               <a:rPr lang="en-CA" sz="1100" dirty="0">
                 <a:latin typeface="Courier" pitchFamily="2" charset="0"/>
               </a:rPr>
-              <a:t>                              v                  v</a:t>
+              <a:t>                               v                  v</a:t>
             </a:r>
           </a:p>
           <a:p>
@@ -11204,7 +11219,7 @@
               <a:rPr lang="en-CA" sz="1100" dirty="0">
                 <a:latin typeface="Courier" pitchFamily="2" charset="0"/>
               </a:rPr>
-              <a:t>                          +-------+           +-------+</a:t>
+              <a:t>                           +-------+          +-------+</a:t>
             </a:r>
           </a:p>
           <a:p>
@@ -11212,7 +11227,7 @@
               <a:rPr lang="en-CA" sz="1100" dirty="0">
                 <a:latin typeface="Courier" pitchFamily="2" charset="0"/>
               </a:rPr>
-              <a:t>                          |       |           |       |</a:t>
+              <a:t>                           |       |          |       |</a:t>
             </a:r>
           </a:p>
           <a:p>
@@ -11220,7 +11235,7 @@
               <a:rPr lang="en-CA" sz="1100" dirty="0">
                 <a:latin typeface="Courier" pitchFamily="2" charset="0"/>
               </a:rPr>
-              <a:t>                          |   R1  |===========|   R3  |</a:t>
+              <a:t>                           |   R1  |==========|   R3  |</a:t>
             </a:r>
           </a:p>
           <a:p>
@@ -11228,7 +11243,7 @@
               <a:rPr lang="en-CA" sz="1100" dirty="0">
                 <a:latin typeface="Courier" pitchFamily="2" charset="0"/>
               </a:rPr>
-              <a:t>                          |       |           |       |</a:t>
+              <a:t>                           |       |          |       |</a:t>
             </a:r>
           </a:p>
           <a:p>
@@ -11236,7 +11251,7 @@
               <a:rPr lang="en-CA" sz="1100" dirty="0">
                 <a:latin typeface="Courier" pitchFamily="2" charset="0"/>
               </a:rPr>
-              <a:t>                          +-------+           +-------+</a:t>
+              <a:t>                           +-------+          +-------+</a:t>
             </a:r>
           </a:p>
           <a:p>
@@ -11244,7 +11259,7 @@
               <a:rPr lang="en-CA" sz="1100" dirty="0">
                 <a:latin typeface="Courier" pitchFamily="2" charset="0"/>
               </a:rPr>
-              <a:t> </a:t>
+              <a:t>                         </a:t>
             </a:r>
           </a:p>
           <a:p>
@@ -11252,7 +11267,7 @@
               <a:rPr lang="en-CA" sz="1100" dirty="0">
                 <a:latin typeface="Courier" pitchFamily="2" charset="0"/>
               </a:rPr>
-              <a:t>                       Session-Sender      Session-Reflector</a:t>
+              <a:t>                        Session-Sender      Session-Reflector</a:t>
             </a:r>
           </a:p>
           <a:p>
@@ -11260,7 +11275,7 @@
               <a:rPr lang="en-CA" sz="1100" dirty="0">
                 <a:latin typeface="Courier" pitchFamily="2" charset="0"/>
               </a:rPr>
-              <a:t> </a:t>
+              <a:t>   </a:t>
             </a:r>
           </a:p>
           <a:p>
@@ -11268,7 +11283,7 @@
               <a:rPr lang="en-CA" sz="1100" dirty="0">
                 <a:latin typeface="Courier" pitchFamily="2" charset="0"/>
               </a:rPr>
-              <a:t>                        Figure: Example Provisioning Model</a:t>
+              <a:t>                         Figure: Example Provisioning Model</a:t>
             </a:r>
           </a:p>
         </p:txBody>

--- a/draft-gandhi-spring-sr-enhanced-plm-04.pptx
+++ b/draft-gandhi-spring-sr-enhanced-plm-04.pptx
@@ -10324,7 +10324,7 @@
                 <a:latin typeface="Courier" pitchFamily="2" charset="0"/>
                 <a:cs typeface="Times New Roman" panose="02020603050405020304" pitchFamily="18" charset="0"/>
               </a:rPr>
-              <a:t>              </a:t>
+              <a:t>            </a:t>
             </a:r>
             <a:r>
               <a:rPr lang="en-CA" sz="1100" dirty="0">

--- a/draft-gandhi-spring-sr-enhanced-plm-04.pptx
+++ b/draft-gandhi-spring-sr-enhanced-plm-04.pptx
@@ -260,7 +260,7 @@
           <a:p>
             <a:fld id="{E8FA3DB5-7722-3F4F-947D-12B203669AD7}" type="datetimeFigureOut">
               <a:rPr lang="en-US" smtClean="0"/>
-              <a:t>2/8/21</a:t>
+              <a:t>2/9/21</a:t>
             </a:fld>
             <a:endParaRPr lang="en-US"/>
           </a:p>
@@ -9937,16 +9937,6 @@
             </a:r>
           </a:p>
           <a:p>
-            <a:pPr lvl="2">
-              <a:buFont typeface="Wingdings" pitchFamily="2" charset="2"/>
-              <a:buChar char="ü"/>
-            </a:pPr>
-            <a:r>
-              <a:rPr lang="en-CA" sz="1600" dirty="0"/>
-              <a:t>test packets, consistent terms for MPLS Timestamp Label and SRv6 Timestamp Endpoint</a:t>
-            </a:r>
-          </a:p>
-          <a:p>
             <a:pPr lvl="1">
               <a:buFont typeface="Wingdings" pitchFamily="2" charset="2"/>
               <a:buChar char="ü"/>
@@ -10608,8 +10598,8 @@
         </p:nvSpPr>
         <p:spPr>
           <a:xfrm>
-            <a:off x="304800" y="2910252"/>
-            <a:ext cx="8534400" cy="2139112"/>
+            <a:off x="304800" y="3028950"/>
+            <a:ext cx="8534400" cy="1905000"/>
           </a:xfrm>
         </p:spPr>
         <p:txBody>
@@ -10618,98 +10608,98 @@
           <a:p>
             <a:pPr lvl="0">
               <a:lnSpc>
-                <a:spcPts val="1380"/>
+                <a:spcPts val="1280"/>
               </a:lnSpc>
               <a:spcBef>
                 <a:spcPts val="600"/>
               </a:spcBef>
             </a:pPr>
             <a:r>
-              <a:rPr lang="en-CA" sz="1200" dirty="0"/>
+              <a:rPr lang="en-CA" sz="1100" dirty="0"/>
               <a:t>PLM test packets transmitted in loopback mode enabled with network programming function</a:t>
             </a:r>
           </a:p>
           <a:p>
             <a:pPr lvl="1">
               <a:lnSpc>
-                <a:spcPts val="1380"/>
+                <a:spcPts val="1280"/>
               </a:lnSpc>
               <a:spcBef>
                 <a:spcPts val="600"/>
               </a:spcBef>
             </a:pPr>
             <a:r>
-              <a:rPr lang="en-CA" sz="1200" dirty="0"/>
+              <a:rPr lang="en-CA" sz="1100" dirty="0"/>
               <a:t>The network programming function optimizes the "operations of punt and generate the test packet" on Session-Reflector</a:t>
             </a:r>
           </a:p>
           <a:p>
             <a:pPr lvl="1">
               <a:lnSpc>
-                <a:spcPts val="1380"/>
+                <a:spcPts val="1280"/>
               </a:lnSpc>
               <a:spcBef>
                 <a:spcPts val="600"/>
               </a:spcBef>
             </a:pPr>
             <a:r>
-              <a:rPr lang="en-CA" sz="1200" dirty="0"/>
+              <a:rPr lang="en-CA" sz="1100" dirty="0"/>
               <a:t>As PLM test packets are forwarded in fast-path, higher session scale with faster failure detection interval is achieved</a:t>
             </a:r>
           </a:p>
           <a:p>
             <a:pPr lvl="0">
               <a:lnSpc>
-                <a:spcPts val="1380"/>
+                <a:spcPts val="1280"/>
               </a:lnSpc>
               <a:spcBef>
                 <a:spcPts val="600"/>
               </a:spcBef>
             </a:pPr>
             <a:r>
-              <a:rPr lang="en-CA" sz="1200" dirty="0"/>
+              <a:rPr lang="en-CA" sz="1100" dirty="0"/>
               <a:t>Session-Reflector adds receive timestamp at a specific location in the payload of the received test packet in fast-path</a:t>
             </a:r>
           </a:p>
           <a:p>
             <a:pPr lvl="1">
               <a:lnSpc>
-                <a:spcPts val="1380"/>
+                <a:spcPts val="1280"/>
               </a:lnSpc>
               <a:spcBef>
                 <a:spcPts val="600"/>
               </a:spcBef>
             </a:pPr>
             <a:r>
-              <a:rPr lang="en-CA" sz="1200" dirty="0"/>
+              <a:rPr lang="en-CA" sz="1100" dirty="0"/>
               <a:t>Only adds the receive timestamp if the source address or destination address in the received test packet matches the local node address</a:t>
             </a:r>
           </a:p>
           <a:p>
             <a:pPr lvl="1">
               <a:lnSpc>
-                <a:spcPts val="1380"/>
+                <a:spcPts val="1280"/>
               </a:lnSpc>
               <a:spcBef>
                 <a:spcPts val="600"/>
               </a:spcBef>
             </a:pPr>
             <a:r>
-              <a:rPr lang="en-CA" sz="1200" dirty="0"/>
+              <a:rPr lang="en-CA" sz="1100" dirty="0"/>
               <a:t>Ensure loopback PLM test packets return from the intended Session-Reflector</a:t>
             </a:r>
           </a:p>
           <a:p>
             <a:pPr>
               <a:lnSpc>
-                <a:spcPts val="1380"/>
+                <a:spcPts val="1280"/>
               </a:lnSpc>
               <a:spcBef>
                 <a:spcPts val="600"/>
               </a:spcBef>
             </a:pPr>
             <a:r>
-              <a:rPr lang="en-CA" sz="1200" dirty="0"/>
+              <a:rPr lang="en-CA" sz="1100" dirty="0"/>
               <a:t>One-way delay = (T2 – T1)</a:t>
             </a:r>
           </a:p>
@@ -11127,17 +11117,8 @@
               <a:rPr lang="en-CA" sz="1100" dirty="0">
                 <a:latin typeface="Courier" pitchFamily="2" charset="0"/>
               </a:rPr>
-              <a:t>   Loopback or Enhanced Mode         /      \       Timestamp </a:t>
-            </a:r>
-            <a:r>
-              <a:rPr lang="en-CA" sz="1100" dirty="0" err="1">
-                <a:latin typeface="Courier" pitchFamily="2" charset="0"/>
-              </a:rPr>
-              <a:t>Offse</a:t>
-            </a:r>
-            <a:endParaRPr lang="en-CA" sz="1100" dirty="0">
-              <a:latin typeface="Courier" pitchFamily="2" charset="0"/>
-            </a:endParaRPr>
+              <a:t>   Loopback or Enhanced Mode         /      \       Timestamp Offset</a:t>
+            </a:r>
           </a:p>
           <a:p>
             <a:r>
@@ -11535,8 +11516,8 @@
         </p:nvSpPr>
         <p:spPr>
           <a:xfrm>
-            <a:off x="311381" y="2495550"/>
-            <a:ext cx="4242226" cy="2554545"/>
+            <a:off x="314952" y="2525034"/>
+            <a:ext cx="3987058" cy="2516073"/>
           </a:xfrm>
           <a:prstGeom prst="rect">
             <a:avLst/>
@@ -11555,7 +11536,7 @@
           <a:lstStyle/>
           <a:p>
             <a:r>
-              <a:rPr lang="en-CA" sz="800" dirty="0">
+              <a:rPr lang="en-CA" sz="750" dirty="0">
                 <a:latin typeface="Courier" pitchFamily="2" charset="0"/>
               </a:rPr>
               <a:t> +-+-+-+-+-+-+-+-+-+-+-+-+-+-+-+-+-+-+-+-+-+-+-+-+-+-+-+-+-+-+-+-+</a:t>
@@ -11563,7 +11544,7 @@
           </a:p>
           <a:p>
             <a:r>
-              <a:rPr lang="en-CA" sz="800" dirty="0">
+              <a:rPr lang="en-CA" sz="750" dirty="0">
                 <a:latin typeface="Courier" pitchFamily="2" charset="0"/>
               </a:rPr>
               <a:t> |                     Sequence Number                           |</a:t>
@@ -11571,7 +11552,7 @@
           </a:p>
           <a:p>
             <a:r>
-              <a:rPr lang="en-CA" sz="800" dirty="0">
+              <a:rPr lang="en-CA" sz="750" dirty="0">
                 <a:latin typeface="Courier" pitchFamily="2" charset="0"/>
               </a:rPr>
               <a:t> +-+-+-+-+-+-+-+-+-+-+-+-+-+-+-+-+-+-+-+-+-+-+-+-+-+-+-+-+-+-+-+-+</a:t>
@@ -11579,7 +11560,7 @@
           </a:p>
           <a:p>
             <a:r>
-              <a:rPr lang="en-CA" sz="800" dirty="0">
+              <a:rPr lang="en-CA" sz="750" dirty="0">
                 <a:latin typeface="Courier" pitchFamily="2" charset="0"/>
               </a:rPr>
               <a:t> |                     Transmit Timestamp (T1)                   |</a:t>
@@ -11587,7 +11568,7 @@
           </a:p>
           <a:p>
             <a:r>
-              <a:rPr lang="en-CA" sz="800" dirty="0">
+              <a:rPr lang="en-CA" sz="750" dirty="0">
                 <a:latin typeface="Courier" pitchFamily="2" charset="0"/>
               </a:rPr>
               <a:t> |                                                               |</a:t>
@@ -11595,7 +11576,7 @@
           </a:p>
           <a:p>
             <a:r>
-              <a:rPr lang="en-CA" sz="800" dirty="0">
+              <a:rPr lang="en-CA" sz="750" dirty="0">
                 <a:latin typeface="Courier" pitchFamily="2" charset="0"/>
               </a:rPr>
               <a:t> +-+-+-+-+-+-+-+-+-+-+-+-+-+-+-+-+-+-+-+-+-+-+-+-+-+-+-+-+-+-+-+-+</a:t>
@@ -11603,7 +11584,7 @@
           </a:p>
           <a:p>
             <a:r>
-              <a:rPr lang="en-CA" sz="800" dirty="0">
+              <a:rPr lang="en-CA" sz="750" dirty="0">
                 <a:latin typeface="Courier" pitchFamily="2" charset="0"/>
               </a:rPr>
               <a:t> |  Transmit Error Estimate      |  SSID                         |</a:t>
@@ -11611,7 +11592,7 @@
           </a:p>
           <a:p>
             <a:r>
-              <a:rPr lang="en-CA" sz="800" dirty="0">
+              <a:rPr lang="en-CA" sz="750" dirty="0">
                 <a:latin typeface="Courier" pitchFamily="2" charset="0"/>
               </a:rPr>
               <a:t> +-+-+-+-+-+-+-+-+-+-+-+-+-+-+-+-+-+-+-+-+-+-+-+-+-+-+-+-+-+-+-+-+</a:t>
@@ -11619,7 +11600,7 @@
           </a:p>
           <a:p>
             <a:r>
-              <a:rPr lang="en-CA" sz="800" dirty="0">
+              <a:rPr lang="en-CA" sz="750" dirty="0">
                 <a:latin typeface="Courier" pitchFamily="2" charset="0"/>
               </a:rPr>
               <a:t> |                     Receive Timestamp (T2)                    |</a:t>
@@ -11627,7 +11608,7 @@
           </a:p>
           <a:p>
             <a:r>
-              <a:rPr lang="en-CA" sz="800" dirty="0">
+              <a:rPr lang="en-CA" sz="750" dirty="0">
                 <a:latin typeface="Courier" pitchFamily="2" charset="0"/>
               </a:rPr>
               <a:t> |                                                               |</a:t>
@@ -11635,7 +11616,7 @@
           </a:p>
           <a:p>
             <a:r>
-              <a:rPr lang="en-CA" sz="800" dirty="0">
+              <a:rPr lang="en-CA" sz="750" dirty="0">
                 <a:latin typeface="Courier" pitchFamily="2" charset="0"/>
               </a:rPr>
               <a:t> +-+-+-+-+-+-+-+-+-+-+-+-+-+-+-+-+-+-+-+-+-+-+-+-+-+-+-+-+-+-+-+-+</a:t>
@@ -11643,7 +11624,39 @@
           </a:p>
           <a:p>
             <a:r>
-              <a:rPr lang="en-CA" sz="800" dirty="0">
+              <a:rPr lang="en-CA" sz="750" dirty="0">
+                <a:latin typeface="Courier" pitchFamily="2" charset="0"/>
+              </a:rPr>
+              <a:t> |                     MBZ (12 Octets)                           |</a:t>
+            </a:r>
+          </a:p>
+          <a:p>
+            <a:r>
+              <a:rPr lang="en-CA" sz="750" dirty="0">
+                <a:latin typeface="Courier" pitchFamily="2" charset="0"/>
+              </a:rPr>
+              <a:t> |                                                               |</a:t>
+            </a:r>
+          </a:p>
+          <a:p>
+            <a:r>
+              <a:rPr lang="en-CA" sz="750" dirty="0">
+                <a:latin typeface="Courier" pitchFamily="2" charset="0"/>
+              </a:rPr>
+              <a:t> |                                                               |</a:t>
+            </a:r>
+          </a:p>
+          <a:p>
+            <a:r>
+              <a:rPr lang="en-CA" sz="750" dirty="0">
+                <a:latin typeface="Courier" pitchFamily="2" charset="0"/>
+              </a:rPr>
+              <a:t> +-+-+-+-+-+-+-+-+-+-+-+-+-+-+-+-+-+-+-+-+-+-+-+-+-+-+-+-+-+-+-+-+</a:t>
+            </a:r>
+          </a:p>
+          <a:p>
+            <a:r>
+              <a:rPr lang="en-CA" sz="750" dirty="0">
                 <a:latin typeface="Courier" pitchFamily="2" charset="0"/>
               </a:rPr>
               <a:t> |  Receive Error Estimate       |  MBZ                          |</a:t>
@@ -11651,7 +11664,7 @@
           </a:p>
           <a:p>
             <a:r>
-              <a:rPr lang="en-CA" sz="800" dirty="0">
+              <a:rPr lang="en-CA" sz="750" dirty="0">
                 <a:latin typeface="Courier" pitchFamily="2" charset="0"/>
               </a:rPr>
               <a:t> +-+-+-+-+-+-+-+-+-+-+-+-+-+-+-+-+-+-+-+-+-+-+-+-+-+-+-+-+-+-+-+-+</a:t>
@@ -11659,39 +11672,15 @@
           </a:p>
           <a:p>
             <a:r>
-              <a:rPr lang="en-CA" sz="800" dirty="0">
-                <a:latin typeface="Courier" pitchFamily="2" charset="0"/>
-              </a:rPr>
-              <a:t> |                     MBZ (16 Octets)                           |</a:t>
-            </a:r>
-          </a:p>
-          <a:p>
-            <a:r>
-              <a:rPr lang="en-CA" sz="800" dirty="0">
-                <a:latin typeface="Courier" pitchFamily="2" charset="0"/>
-              </a:rPr>
-              <a:t> |                                                               |</a:t>
-            </a:r>
-          </a:p>
-          <a:p>
-            <a:r>
-              <a:rPr lang="en-CA" sz="800" dirty="0">
-                <a:latin typeface="Courier" pitchFamily="2" charset="0"/>
-              </a:rPr>
-              <a:t> |                                                               |</a:t>
-            </a:r>
-          </a:p>
-          <a:p>
-            <a:r>
-              <a:rPr lang="en-CA" sz="800" dirty="0">
-                <a:latin typeface="Courier" pitchFamily="2" charset="0"/>
-              </a:rPr>
-              <a:t> |                                                               |</a:t>
-            </a:r>
-          </a:p>
-          <a:p>
-            <a:r>
-              <a:rPr lang="en-CA" sz="800" dirty="0">
+              <a:rPr lang="en-CA" sz="750" dirty="0">
+                <a:latin typeface="Courier" pitchFamily="2" charset="0"/>
+              </a:rPr>
+              <a:t> |                      MBZ (4 Octets)                           |</a:t>
+            </a:r>
+          </a:p>
+          <a:p>
+            <a:r>
+              <a:rPr lang="en-CA" sz="750" dirty="0">
                 <a:latin typeface="Courier" pitchFamily="2" charset="0"/>
               </a:rPr>
               <a:t> +-+-+-+-+-+-+-+-+-+-+-+-+-+-+-+-+-+-+-+-+-+-+-+-+-+-+-+-+-+-+-+-+</a:t>
@@ -11699,17 +11688,17 @@
           </a:p>
           <a:p>
             <a:br>
-              <a:rPr lang="en-CA" sz="800" dirty="0">
+              <a:rPr lang="en-CA" sz="750" dirty="0">
                 <a:latin typeface="Courier" pitchFamily="2" charset="0"/>
               </a:rPr>
             </a:br>
             <a:r>
-              <a:rPr lang="en-CA" sz="800" dirty="0">
+              <a:rPr lang="en-CA" sz="750" dirty="0">
                 <a:latin typeface="Courier" pitchFamily="2" charset="0"/>
               </a:rPr>
               <a:t>         PLM Test Packet Format in Unauthentication Mode</a:t>
             </a:r>
-            <a:endParaRPr lang="en-US" sz="800" dirty="0">
+            <a:endParaRPr lang="en-US" sz="750" dirty="0">
               <a:latin typeface="Courier" pitchFamily="2" charset="0"/>
             </a:endParaRPr>
           </a:p>
@@ -11729,8 +11718,8 @@
         </p:nvSpPr>
         <p:spPr>
           <a:xfrm>
-            <a:off x="4875693" y="496074"/>
-            <a:ext cx="4242226" cy="4647426"/>
+            <a:off x="5097712" y="633404"/>
+            <a:ext cx="3734907" cy="4293483"/>
           </a:xfrm>
           <a:prstGeom prst="rect">
             <a:avLst/>
@@ -11749,367 +11738,319 @@
           <a:lstStyle/>
           <a:p>
             <a:r>
-              <a:rPr lang="en-CA" sz="800" dirty="0">
-                <a:latin typeface="Courier" pitchFamily="2" charset="0"/>
-                <a:ea typeface="Calibri" panose="020F0502020204030204" pitchFamily="34" charset="0"/>
-                <a:cs typeface="Consolas" panose="020B0609020204030204" pitchFamily="49" charset="0"/>
-              </a:rPr>
-              <a:t> +-+-+-+-+-+-+-+-+-+-+-+-+-+-+-+-+-+-+-+-+-+-+-+-+-+-+-+-+-+-+-+-+</a:t>
-            </a:r>
-          </a:p>
-          <a:p>
-            <a:r>
-              <a:rPr lang="en-CA" sz="800" dirty="0">
-                <a:latin typeface="Courier" pitchFamily="2" charset="0"/>
-                <a:ea typeface="Calibri" panose="020F0502020204030204" pitchFamily="34" charset="0"/>
-                <a:cs typeface="Consolas" panose="020B0609020204030204" pitchFamily="49" charset="0"/>
-              </a:rPr>
-              <a:t> |                        Sequence Number                        |</a:t>
-            </a:r>
-          </a:p>
-          <a:p>
-            <a:r>
-              <a:rPr lang="en-CA" sz="800" dirty="0">
-                <a:latin typeface="Courier" pitchFamily="2" charset="0"/>
-                <a:ea typeface="Calibri" panose="020F0502020204030204" pitchFamily="34" charset="0"/>
-                <a:cs typeface="Consolas" panose="020B0609020204030204" pitchFamily="49" charset="0"/>
-              </a:rPr>
-              <a:t> +-+-+-+-+-+-+-+-+-+-+-+-+-+-+-+-+-+-+-+-+-+-+-+-+-+-+-+-+-+-+-+-+</a:t>
-            </a:r>
-          </a:p>
-          <a:p>
-            <a:r>
-              <a:rPr lang="en-CA" sz="800" dirty="0">
-                <a:latin typeface="Courier" pitchFamily="2" charset="0"/>
-                <a:ea typeface="Calibri" panose="020F0502020204030204" pitchFamily="34" charset="0"/>
-                <a:cs typeface="Consolas" panose="020B0609020204030204" pitchFamily="49" charset="0"/>
-              </a:rPr>
-              <a:t> |                        MBZ (12 octets)                        |</a:t>
-            </a:r>
-          </a:p>
-          <a:p>
-            <a:r>
-              <a:rPr lang="en-CA" sz="800" dirty="0">
-                <a:latin typeface="Courier" pitchFamily="2" charset="0"/>
-                <a:ea typeface="Calibri" panose="020F0502020204030204" pitchFamily="34" charset="0"/>
-                <a:cs typeface="Consolas" panose="020B0609020204030204" pitchFamily="49" charset="0"/>
-              </a:rPr>
-              <a:t> |                                                               |</a:t>
-            </a:r>
-          </a:p>
-          <a:p>
-            <a:r>
-              <a:rPr lang="en-CA" sz="800" dirty="0">
-                <a:latin typeface="Courier" pitchFamily="2" charset="0"/>
-                <a:ea typeface="Calibri" panose="020F0502020204030204" pitchFamily="34" charset="0"/>
-                <a:cs typeface="Consolas" panose="020B0609020204030204" pitchFamily="49" charset="0"/>
-              </a:rPr>
-              <a:t> |                                                               |</a:t>
-            </a:r>
-          </a:p>
-          <a:p>
-            <a:r>
-              <a:rPr lang="en-CA" sz="800" dirty="0">
-                <a:latin typeface="Courier" pitchFamily="2" charset="0"/>
-                <a:ea typeface="Calibri" panose="020F0502020204030204" pitchFamily="34" charset="0"/>
-                <a:cs typeface="Consolas" panose="020B0609020204030204" pitchFamily="49" charset="0"/>
-              </a:rPr>
-              <a:t> +-+-+-+-+-+-+-+-+-+-+-+-+-+-+-+-+-+-+-+-+-+-+-+-+-+-+-+-+-+-+-+-+</a:t>
-            </a:r>
-          </a:p>
-          <a:p>
-            <a:r>
-              <a:rPr lang="en-CA" sz="800" dirty="0">
-                <a:latin typeface="Courier" pitchFamily="2" charset="0"/>
-                <a:ea typeface="Calibri" panose="020F0502020204030204" pitchFamily="34" charset="0"/>
-                <a:cs typeface="Consolas" panose="020B0609020204030204" pitchFamily="49" charset="0"/>
-              </a:rPr>
-              <a:t> |                        Transmit Timestamp (T1)                |</a:t>
-            </a:r>
-          </a:p>
-          <a:p>
-            <a:r>
-              <a:rPr lang="en-CA" sz="800" dirty="0">
-                <a:latin typeface="Courier" pitchFamily="2" charset="0"/>
-                <a:ea typeface="Calibri" panose="020F0502020204030204" pitchFamily="34" charset="0"/>
-                <a:cs typeface="Consolas" panose="020B0609020204030204" pitchFamily="49" charset="0"/>
-              </a:rPr>
-              <a:t> |                                                               |</a:t>
-            </a:r>
-          </a:p>
-          <a:p>
-            <a:r>
-              <a:rPr lang="en-CA" sz="800" dirty="0">
-                <a:latin typeface="Courier" pitchFamily="2" charset="0"/>
-                <a:ea typeface="Calibri" panose="020F0502020204030204" pitchFamily="34" charset="0"/>
-                <a:cs typeface="Consolas" panose="020B0609020204030204" pitchFamily="49" charset="0"/>
-              </a:rPr>
-              <a:t> +-+-+-+-+-+-+-+-+-+-+-+-+-+-+-+-+-+-+-+-+-+-+-+-+-+-+-+-+-+-+-+-+</a:t>
-            </a:r>
-          </a:p>
-          <a:p>
-            <a:r>
-              <a:rPr lang="en-CA" sz="800" dirty="0">
-                <a:latin typeface="Courier" pitchFamily="2" charset="0"/>
-                <a:ea typeface="Calibri" panose="020F0502020204030204" pitchFamily="34" charset="0"/>
-                <a:cs typeface="Consolas" panose="020B0609020204030204" pitchFamily="49" charset="0"/>
-              </a:rPr>
-              <a:t> |  Transmit Error Estimate      |  SSID                         |</a:t>
-            </a:r>
-          </a:p>
-          <a:p>
-            <a:r>
-              <a:rPr lang="en-CA" sz="800" dirty="0">
-                <a:latin typeface="Courier" pitchFamily="2" charset="0"/>
-                <a:ea typeface="Calibri" panose="020F0502020204030204" pitchFamily="34" charset="0"/>
-                <a:cs typeface="Consolas" panose="020B0609020204030204" pitchFamily="49" charset="0"/>
-              </a:rPr>
-              <a:t> +-+-+-+-+-+-+-+-+-+-+-+-+-+-+-+-+-+-+-+-+-+-+-+-+-+-+-+-+-+-+-+-+</a:t>
-            </a:r>
-          </a:p>
-          <a:p>
-            <a:r>
-              <a:rPr lang="en-CA" sz="800" dirty="0">
-                <a:latin typeface="Courier" pitchFamily="2" charset="0"/>
-                <a:ea typeface="Calibri" panose="020F0502020204030204" pitchFamily="34" charset="0"/>
-                <a:cs typeface="Consolas" panose="020B0609020204030204" pitchFamily="49" charset="0"/>
-              </a:rPr>
-              <a:t> |                        MBZ (4 octets)                         |</a:t>
-            </a:r>
-          </a:p>
-          <a:p>
-            <a:r>
-              <a:rPr lang="en-CA" sz="800" dirty="0">
-                <a:latin typeface="Courier" pitchFamily="2" charset="0"/>
-                <a:ea typeface="Calibri" panose="020F0502020204030204" pitchFamily="34" charset="0"/>
-                <a:cs typeface="Consolas" panose="020B0609020204030204" pitchFamily="49" charset="0"/>
-              </a:rPr>
-              <a:t> +-+-+-+-+-+-+-+-+-+-+-+-+-+-+-+-+-+-+-+-+-+-+-+-+-+-+-+-+-+-+-+-+</a:t>
-            </a:r>
-          </a:p>
-          <a:p>
-            <a:r>
-              <a:rPr lang="en-CA" sz="800" dirty="0">
-                <a:latin typeface="Courier" pitchFamily="2" charset="0"/>
-                <a:ea typeface="Calibri" panose="020F0502020204030204" pitchFamily="34" charset="0"/>
-                <a:cs typeface="Consolas" panose="020B0609020204030204" pitchFamily="49" charset="0"/>
-              </a:rPr>
-              <a:t> |                        Receive Timestamp (T2)                 |</a:t>
-            </a:r>
-          </a:p>
-          <a:p>
-            <a:r>
-              <a:rPr lang="en-CA" sz="800" dirty="0">
-                <a:latin typeface="Courier" pitchFamily="2" charset="0"/>
-                <a:ea typeface="Calibri" panose="020F0502020204030204" pitchFamily="34" charset="0"/>
-                <a:cs typeface="Consolas" panose="020B0609020204030204" pitchFamily="49" charset="0"/>
-              </a:rPr>
-              <a:t> |                                                               |</a:t>
-            </a:r>
-          </a:p>
-          <a:p>
-            <a:r>
-              <a:rPr lang="en-CA" sz="800" dirty="0">
-                <a:latin typeface="Courier" pitchFamily="2" charset="0"/>
-                <a:ea typeface="Calibri" panose="020F0502020204030204" pitchFamily="34" charset="0"/>
-                <a:cs typeface="Consolas" panose="020B0609020204030204" pitchFamily="49" charset="0"/>
-              </a:rPr>
-              <a:t> +-+-+-+-+-+-+-+-+-+-+-+-+-+-+-+-+-+-+-+-+-+-+-+-+-+-+-+-+-+-+-+-+</a:t>
-            </a:r>
-          </a:p>
-          <a:p>
-            <a:r>
-              <a:rPr lang="en-CA" sz="800" dirty="0">
-                <a:latin typeface="Courier" pitchFamily="2" charset="0"/>
-                <a:ea typeface="Calibri" panose="020F0502020204030204" pitchFamily="34" charset="0"/>
-                <a:cs typeface="Consolas" panose="020B0609020204030204" pitchFamily="49" charset="0"/>
-              </a:rPr>
-              <a:t> |  Receive Error Estimate       |  MBZ                          |</a:t>
-            </a:r>
-          </a:p>
-          <a:p>
-            <a:r>
-              <a:rPr lang="en-CA" sz="800" dirty="0">
-                <a:latin typeface="Courier" pitchFamily="2" charset="0"/>
-                <a:ea typeface="Calibri" panose="020F0502020204030204" pitchFamily="34" charset="0"/>
-                <a:cs typeface="Consolas" panose="020B0609020204030204" pitchFamily="49" charset="0"/>
-              </a:rPr>
-              <a:t> +-+-+-+-+-+-+-+-+-+-+-+-+-+-+-+-+-+-+-+-+-+-+-+-+-+-+-+-+-+-+-+-+</a:t>
-            </a:r>
-          </a:p>
-          <a:p>
-            <a:r>
-              <a:rPr lang="en-CA" sz="800" dirty="0">
-                <a:latin typeface="Courier" pitchFamily="2" charset="0"/>
-                <a:ea typeface="Calibri" panose="020F0502020204030204" pitchFamily="34" charset="0"/>
-                <a:cs typeface="Consolas" panose="020B0609020204030204" pitchFamily="49" charset="0"/>
-              </a:rPr>
-              <a:t> |                        MBZ (4 Octets)                         |</a:t>
-            </a:r>
-          </a:p>
-          <a:p>
-            <a:r>
-              <a:rPr lang="en-CA" sz="800" dirty="0">
-                <a:latin typeface="Courier" pitchFamily="2" charset="0"/>
-                <a:ea typeface="Calibri" panose="020F0502020204030204" pitchFamily="34" charset="0"/>
-                <a:cs typeface="Consolas" panose="020B0609020204030204" pitchFamily="49" charset="0"/>
-              </a:rPr>
-              <a:t> |                                                               |</a:t>
-            </a:r>
-          </a:p>
-          <a:p>
-            <a:r>
-              <a:rPr lang="en-CA" sz="800" dirty="0">
-                <a:latin typeface="Courier" pitchFamily="2" charset="0"/>
-                <a:ea typeface="Calibri" panose="020F0502020204030204" pitchFamily="34" charset="0"/>
-                <a:cs typeface="Consolas" panose="020B0609020204030204" pitchFamily="49" charset="0"/>
-              </a:rPr>
-              <a:t> +-+-+-+-+-+-+-+-+-+-+-+-+-+-+-+-+-+-+-+-+-+-+-+-+-+-+-+-+-+-+-+-+</a:t>
-            </a:r>
-          </a:p>
-          <a:p>
-            <a:r>
-              <a:rPr lang="en-CA" sz="800" dirty="0">
-                <a:latin typeface="Courier" pitchFamily="2" charset="0"/>
-                <a:ea typeface="Calibri" panose="020F0502020204030204" pitchFamily="34" charset="0"/>
-                <a:cs typeface="Consolas" panose="020B0609020204030204" pitchFamily="49" charset="0"/>
-              </a:rPr>
-              <a:t> |                                                               |</a:t>
-            </a:r>
-          </a:p>
-          <a:p>
-            <a:r>
-              <a:rPr lang="en-CA" sz="800" dirty="0">
-                <a:latin typeface="Courier" pitchFamily="2" charset="0"/>
-                <a:ea typeface="Calibri" panose="020F0502020204030204" pitchFamily="34" charset="0"/>
-                <a:cs typeface="Consolas" panose="020B0609020204030204" pitchFamily="49" charset="0"/>
-              </a:rPr>
-              <a:t> |                        MBZ (48 octets)                        |</a:t>
-            </a:r>
-          </a:p>
-          <a:p>
-            <a:r>
-              <a:rPr lang="en-CA" sz="800" dirty="0">
-                <a:latin typeface="Courier" pitchFamily="2" charset="0"/>
-                <a:ea typeface="Calibri" panose="020F0502020204030204" pitchFamily="34" charset="0"/>
-                <a:cs typeface="Consolas" panose="020B0609020204030204" pitchFamily="49" charset="0"/>
-              </a:rPr>
-              <a:t> |                                                               |</a:t>
-            </a:r>
-          </a:p>
-          <a:p>
-            <a:r>
-              <a:rPr lang="en-CA" sz="800" dirty="0">
-                <a:latin typeface="Courier" pitchFamily="2" charset="0"/>
-                <a:ea typeface="Calibri" panose="020F0502020204030204" pitchFamily="34" charset="0"/>
-                <a:cs typeface="Consolas" panose="020B0609020204030204" pitchFamily="49" charset="0"/>
-              </a:rPr>
-              <a:t> |                                                               |</a:t>
-            </a:r>
-          </a:p>
-          <a:p>
-            <a:r>
-              <a:rPr lang="en-CA" sz="800" dirty="0">
-                <a:latin typeface="Courier" pitchFamily="2" charset="0"/>
-                <a:ea typeface="Calibri" panose="020F0502020204030204" pitchFamily="34" charset="0"/>
-                <a:cs typeface="Consolas" panose="020B0609020204030204" pitchFamily="49" charset="0"/>
-              </a:rPr>
-              <a:t> |                                                               |</a:t>
-            </a:r>
-          </a:p>
-          <a:p>
-            <a:r>
-              <a:rPr lang="en-CA" sz="800" dirty="0">
-                <a:latin typeface="Courier" pitchFamily="2" charset="0"/>
-                <a:ea typeface="Calibri" panose="020F0502020204030204" pitchFamily="34" charset="0"/>
-                <a:cs typeface="Consolas" panose="020B0609020204030204" pitchFamily="49" charset="0"/>
-              </a:rPr>
-              <a:t> |                                                               |</a:t>
-            </a:r>
-          </a:p>
-          <a:p>
-            <a:r>
-              <a:rPr lang="en-CA" sz="800" dirty="0">
-                <a:latin typeface="Courier" pitchFamily="2" charset="0"/>
-                <a:ea typeface="Calibri" panose="020F0502020204030204" pitchFamily="34" charset="0"/>
-                <a:cs typeface="Consolas" panose="020B0609020204030204" pitchFamily="49" charset="0"/>
-              </a:rPr>
-              <a:t> |                                                               |</a:t>
-            </a:r>
-          </a:p>
-          <a:p>
-            <a:r>
-              <a:rPr lang="en-CA" sz="800" dirty="0">
-                <a:latin typeface="Courier" pitchFamily="2" charset="0"/>
-                <a:ea typeface="Calibri" panose="020F0502020204030204" pitchFamily="34" charset="0"/>
-                <a:cs typeface="Consolas" panose="020B0609020204030204" pitchFamily="49" charset="0"/>
-              </a:rPr>
-              <a:t> |                                                               |</a:t>
-            </a:r>
-          </a:p>
-          <a:p>
-            <a:r>
-              <a:rPr lang="en-CA" sz="800" dirty="0">
-                <a:latin typeface="Courier" pitchFamily="2" charset="0"/>
-                <a:ea typeface="Calibri" panose="020F0502020204030204" pitchFamily="34" charset="0"/>
-                <a:cs typeface="Consolas" panose="020B0609020204030204" pitchFamily="49" charset="0"/>
-              </a:rPr>
-              <a:t> |                                                               |</a:t>
-            </a:r>
-          </a:p>
-          <a:p>
-            <a:r>
-              <a:rPr lang="en-CA" sz="800" dirty="0">
-                <a:latin typeface="Courier" pitchFamily="2" charset="0"/>
-                <a:ea typeface="Calibri" panose="020F0502020204030204" pitchFamily="34" charset="0"/>
-                <a:cs typeface="Consolas" panose="020B0609020204030204" pitchFamily="49" charset="0"/>
-              </a:rPr>
-              <a:t> |                                                               |</a:t>
-            </a:r>
-          </a:p>
-          <a:p>
-            <a:r>
-              <a:rPr lang="en-CA" sz="800" dirty="0">
-                <a:latin typeface="Courier" pitchFamily="2" charset="0"/>
-                <a:ea typeface="Calibri" panose="020F0502020204030204" pitchFamily="34" charset="0"/>
-                <a:cs typeface="Consolas" panose="020B0609020204030204" pitchFamily="49" charset="0"/>
-              </a:rPr>
-              <a:t> |                                                               |</a:t>
-            </a:r>
-          </a:p>
-          <a:p>
-            <a:r>
-              <a:rPr lang="en-CA" sz="800" dirty="0">
-                <a:latin typeface="Courier" pitchFamily="2" charset="0"/>
-                <a:ea typeface="Calibri" panose="020F0502020204030204" pitchFamily="34" charset="0"/>
-                <a:cs typeface="Consolas" panose="020B0609020204030204" pitchFamily="49" charset="0"/>
-              </a:rPr>
-              <a:t> |                                                               |</a:t>
-            </a:r>
-          </a:p>
-          <a:p>
-            <a:r>
-              <a:rPr lang="en-CA" sz="800" dirty="0">
-                <a:latin typeface="Courier" pitchFamily="2" charset="0"/>
-                <a:ea typeface="Calibri" panose="020F0502020204030204" pitchFamily="34" charset="0"/>
-                <a:cs typeface="Consolas" panose="020B0609020204030204" pitchFamily="49" charset="0"/>
-              </a:rPr>
-              <a:t> +-+-+-+-+-+-+-+-+-+-+-+-+-+-+-+-+-+-+-+-+-+-+-+-+-+-+-+-+-+-+-+-+</a:t>
-            </a:r>
-          </a:p>
-          <a:p>
+              <a:rPr lang="en-CA" sz="700" dirty="0">
+                <a:latin typeface="Courier" pitchFamily="2" charset="0"/>
+              </a:rPr>
+              <a:t>+-+-+-+-+-+-+-+-+-+-+-+-+-+-+-+-+-+-+-+-+-+-+-+-+-+-+-+-+-+-+-+-+</a:t>
+            </a:r>
+          </a:p>
+          <a:p>
+            <a:r>
+              <a:rPr lang="en-CA" sz="700" dirty="0">
+                <a:latin typeface="Courier" pitchFamily="2" charset="0"/>
+              </a:rPr>
+              <a:t>|                        Sequence Number                        |</a:t>
+            </a:r>
+          </a:p>
+          <a:p>
+            <a:r>
+              <a:rPr lang="en-CA" sz="700" dirty="0">
+                <a:latin typeface="Courier" pitchFamily="2" charset="0"/>
+              </a:rPr>
+              <a:t>+-+-+-+-+-+-+-+-+-+-+-+-+-+-+-+-+-+-+-+-+-+-+-+-+-+-+-+-+-+-+-+-+</a:t>
+            </a:r>
+          </a:p>
+          <a:p>
+            <a:r>
+              <a:rPr lang="en-CA" sz="700" dirty="0">
+                <a:latin typeface="Courier" pitchFamily="2" charset="0"/>
+              </a:rPr>
+              <a:t>|                        MBZ (12 octets)                        |</a:t>
+            </a:r>
+          </a:p>
+          <a:p>
+            <a:r>
+              <a:rPr lang="en-CA" sz="700" dirty="0">
+                <a:latin typeface="Courier" pitchFamily="2" charset="0"/>
+              </a:rPr>
+              <a:t>|                                                               |</a:t>
+            </a:r>
+          </a:p>
+          <a:p>
+            <a:r>
+              <a:rPr lang="en-CA" sz="700" dirty="0">
+                <a:latin typeface="Courier" pitchFamily="2" charset="0"/>
+              </a:rPr>
+              <a:t>|                                                               |</a:t>
+            </a:r>
+          </a:p>
+          <a:p>
+            <a:r>
+              <a:rPr lang="en-CA" sz="700" dirty="0">
+                <a:latin typeface="Courier" pitchFamily="2" charset="0"/>
+              </a:rPr>
+              <a:t>+-+-+-+-+-+-+-+-+-+-+-+-+-+-+-+-+-+-+-+-+-+-+-+-+-+-+-+-+-+-+-+-+</a:t>
+            </a:r>
+          </a:p>
+          <a:p>
+            <a:r>
+              <a:rPr lang="en-CA" sz="700" dirty="0">
+                <a:latin typeface="Courier" pitchFamily="2" charset="0"/>
+              </a:rPr>
+              <a:t>|                        Transmit Timestamp (T1)                |</a:t>
+            </a:r>
+          </a:p>
+          <a:p>
+            <a:r>
+              <a:rPr lang="en-CA" sz="700" dirty="0">
+                <a:latin typeface="Courier" pitchFamily="2" charset="0"/>
+              </a:rPr>
+              <a:t>|                                                               |</a:t>
+            </a:r>
+          </a:p>
+          <a:p>
+            <a:r>
+              <a:rPr lang="en-CA" sz="700" dirty="0">
+                <a:latin typeface="Courier" pitchFamily="2" charset="0"/>
+              </a:rPr>
+              <a:t>+-+-+-+-+-+-+-+-+-+-+-+-+-+-+-+-+-+-+-+-+-+-+-+-+-+-+-+-+-+-+-+-+</a:t>
+            </a:r>
+          </a:p>
+          <a:p>
+            <a:r>
+              <a:rPr lang="en-CA" sz="700" dirty="0">
+                <a:latin typeface="Courier" pitchFamily="2" charset="0"/>
+              </a:rPr>
+              <a:t>|  Transmit Error Estimate      |  SSID                         |</a:t>
+            </a:r>
+          </a:p>
+          <a:p>
+            <a:r>
+              <a:rPr lang="en-CA" sz="700" dirty="0">
+                <a:latin typeface="Courier" pitchFamily="2" charset="0"/>
+              </a:rPr>
+              <a:t>+-+-+-+-+-+-+-+-+-+-+-+-+-+-+-+-+-+-+-+-+-+-+-+-+-+-+-+-+-+-+-+-+</a:t>
+            </a:r>
+          </a:p>
+          <a:p>
+            <a:r>
+              <a:rPr lang="en-CA" sz="700" dirty="0">
+                <a:latin typeface="Courier" pitchFamily="2" charset="0"/>
+              </a:rPr>
+              <a:t>|                        MBZ (4 octets)                         |</a:t>
+            </a:r>
+          </a:p>
+          <a:p>
+            <a:r>
+              <a:rPr lang="en-CA" sz="700" dirty="0">
+                <a:latin typeface="Courier" pitchFamily="2" charset="0"/>
+              </a:rPr>
+              <a:t>+-+-+-+-+-+-+-+-+-+-+-+-+-+-+-+-+-+-+-+-+-+-+-+-+-+-+-+-+-+-+-+-+</a:t>
+            </a:r>
+          </a:p>
+          <a:p>
+            <a:r>
+              <a:rPr lang="en-CA" sz="700" dirty="0">
+                <a:latin typeface="Courier" pitchFamily="2" charset="0"/>
+              </a:rPr>
+              <a:t>|                        Receive Timestamp (T2)                 |</a:t>
+            </a:r>
+          </a:p>
+          <a:p>
+            <a:r>
+              <a:rPr lang="en-CA" sz="700" dirty="0">
+                <a:latin typeface="Courier" pitchFamily="2" charset="0"/>
+              </a:rPr>
+              <a:t>|                                                               |</a:t>
+            </a:r>
+          </a:p>
+          <a:p>
+            <a:r>
+              <a:rPr lang="en-CA" sz="700" dirty="0">
+                <a:latin typeface="Courier" pitchFamily="2" charset="0"/>
+              </a:rPr>
+              <a:t>+-+-+-+-+-+-+-+-+-+-+-+-+-+-+-+-+-+-+-+-+-+-+-+-+-+-+-+-+-+-+-+-+</a:t>
+            </a:r>
+          </a:p>
+          <a:p>
+            <a:r>
+              <a:rPr lang="en-CA" sz="700" dirty="0">
+                <a:latin typeface="Courier" pitchFamily="2" charset="0"/>
+              </a:rPr>
+              <a:t>|                                                               |</a:t>
+            </a:r>
+          </a:p>
+          <a:p>
+            <a:r>
+              <a:rPr lang="en-CA" sz="700" dirty="0">
+                <a:latin typeface="Courier" pitchFamily="2" charset="0"/>
+              </a:rPr>
+              <a:t>|                        MBZ (32 octets)                        |</a:t>
+            </a:r>
+          </a:p>
+          <a:p>
+            <a:r>
+              <a:rPr lang="en-CA" sz="700" dirty="0">
+                <a:latin typeface="Courier" pitchFamily="2" charset="0"/>
+              </a:rPr>
+              <a:t>|                                                               |</a:t>
+            </a:r>
+          </a:p>
+          <a:p>
+            <a:r>
+              <a:rPr lang="en-CA" sz="700" dirty="0">
+                <a:latin typeface="Courier" pitchFamily="2" charset="0"/>
+              </a:rPr>
+              <a:t>|                                                               |</a:t>
+            </a:r>
+          </a:p>
+          <a:p>
+            <a:r>
+              <a:rPr lang="en-CA" sz="700" dirty="0">
+                <a:latin typeface="Courier" pitchFamily="2" charset="0"/>
+              </a:rPr>
+              <a:t>|                                                               |</a:t>
+            </a:r>
+          </a:p>
+          <a:p>
+            <a:r>
+              <a:rPr lang="en-CA" sz="700" dirty="0">
+                <a:latin typeface="Courier" pitchFamily="2" charset="0"/>
+              </a:rPr>
+              <a:t>+-+-+-+-+-+-+-+-+-+-+-+-+-+-+-+-+-+-+-+-+-+-+-+-+-+-+-+-+-+-+-+-+</a:t>
+            </a:r>
+          </a:p>
+          <a:p>
+            <a:r>
+              <a:rPr lang="en-CA" sz="700" dirty="0">
+                <a:latin typeface="Courier" pitchFamily="2" charset="0"/>
+              </a:rPr>
+              <a:t>|  Receive Error Estimate       |                               |</a:t>
+            </a:r>
+          </a:p>
+          <a:p>
+            <a:r>
+              <a:rPr lang="en-CA" sz="700" dirty="0">
+                <a:latin typeface="Courier" pitchFamily="2" charset="0"/>
+              </a:rPr>
+              <a:t>+-+-+-+-+-+-+-+-+-+-+-+-+-+-+-+-+                               +</a:t>
+            </a:r>
+          </a:p>
+          <a:p>
+            <a:r>
+              <a:rPr lang="en-CA" sz="700" dirty="0">
+                <a:latin typeface="Courier" pitchFamily="2" charset="0"/>
+              </a:rPr>
+              <a:t>|                        MBZ (6 octets)                         |</a:t>
+            </a:r>
+          </a:p>
+          <a:p>
+            <a:r>
+              <a:rPr lang="en-CA" sz="700" dirty="0">
+                <a:latin typeface="Courier" pitchFamily="2" charset="0"/>
+              </a:rPr>
+              <a:t>+-+-+-+-+-+-+-+-+-+-+-+-+-+-+-+-+-+-+-+-+-+-+-+-+-+-+-+-+-+-+-+-+</a:t>
+            </a:r>
+          </a:p>
+          <a:p>
+            <a:r>
+              <a:rPr lang="en-CA" sz="700" dirty="0">
+                <a:latin typeface="Courier" pitchFamily="2" charset="0"/>
+              </a:rPr>
+              <a:t>|                                                               |</a:t>
+            </a:r>
+          </a:p>
+          <a:p>
+            <a:r>
+              <a:rPr lang="en-CA" sz="700" dirty="0">
+                <a:latin typeface="Courier" pitchFamily="2" charset="0"/>
+              </a:rPr>
+              <a:t>|                        MBZ (16 octets)                        |</a:t>
+            </a:r>
+          </a:p>
+          <a:p>
+            <a:r>
+              <a:rPr lang="en-CA" sz="700" dirty="0">
+                <a:latin typeface="Courier" pitchFamily="2" charset="0"/>
+              </a:rPr>
+              <a:t>|                                                               |</a:t>
+            </a:r>
+          </a:p>
+          <a:p>
+            <a:r>
+              <a:rPr lang="en-CA" sz="700" dirty="0">
+                <a:latin typeface="Courier" pitchFamily="2" charset="0"/>
+              </a:rPr>
+              <a:t>|                                                               |</a:t>
+            </a:r>
+          </a:p>
+          <a:p>
+            <a:r>
+              <a:rPr lang="en-CA" sz="700" dirty="0">
+                <a:latin typeface="Courier" pitchFamily="2" charset="0"/>
+              </a:rPr>
+              <a:t>+-+-+-+-+-+-+-+-+-+-+-+-+-+-+-+-+-+-+-+-+-+-+-+-+-+-+-+-+-+-+-+-+</a:t>
+            </a:r>
+          </a:p>
+          <a:p>
+            <a:r>
+              <a:rPr lang="en-CA" sz="700" dirty="0">
+                <a:latin typeface="Courier" pitchFamily="2" charset="0"/>
+              </a:rPr>
+              <a:t>|                                                               |</a:t>
+            </a:r>
+          </a:p>
+          <a:p>
+            <a:r>
+              <a:rPr lang="en-CA" sz="700" dirty="0">
+                <a:latin typeface="Courier" pitchFamily="2" charset="0"/>
+              </a:rPr>
+              <a:t>|                        HMAC (16 octets)                       |</a:t>
+            </a:r>
+          </a:p>
+          <a:p>
+            <a:r>
+              <a:rPr lang="en-CA" sz="700" dirty="0">
+                <a:latin typeface="Courier" pitchFamily="2" charset="0"/>
+              </a:rPr>
+              <a:t>|                                                               |</a:t>
+            </a:r>
+          </a:p>
+          <a:p>
+            <a:r>
+              <a:rPr lang="en-CA" sz="700" dirty="0">
+                <a:latin typeface="Courier" pitchFamily="2" charset="0"/>
+              </a:rPr>
+              <a:t>|                                                               |</a:t>
+            </a:r>
+          </a:p>
+          <a:p>
+            <a:r>
+              <a:rPr lang="en-CA" sz="700" dirty="0">
+                <a:latin typeface="Courier" pitchFamily="2" charset="0"/>
+              </a:rPr>
+              <a:t>+-+-+-+-+-+-+-+-+-+-+-+-+-+-+-+-+-+-+-+-+-+-+-+-+-+-+-+-+-+-+-+-+</a:t>
+            </a:r>
             <a:br>
-              <a:rPr lang="en-CA" sz="800" dirty="0">
+              <a:rPr lang="en-CA" sz="700" dirty="0">
                 <a:latin typeface="Courier" pitchFamily="2" charset="0"/>
               </a:rPr>
             </a:br>
             <a:r>
-              <a:rPr lang="en-CA" sz="800" dirty="0">
-                <a:latin typeface="Courier" pitchFamily="2" charset="0"/>
-              </a:rPr>
-              <a:t>           PLM Test Packet Format in Authentication Mode</a:t>
-            </a:r>
-            <a:endParaRPr lang="en-US" sz="800" dirty="0">
+              <a:rPr lang="en-CA" sz="700" dirty="0">
+                <a:latin typeface="Courier" pitchFamily="2" charset="0"/>
+              </a:rPr>
+              <a:t>           </a:t>
+            </a:r>
+          </a:p>
+          <a:p>
+            <a:r>
+              <a:rPr lang="en-CA" sz="700" dirty="0">
+                <a:latin typeface="Courier" pitchFamily="2" charset="0"/>
+              </a:rPr>
+              <a:t>          PLM Test Packet Format in Authentication Mode</a:t>
+            </a:r>
+            <a:endParaRPr lang="en-US" sz="700" dirty="0">
               <a:latin typeface="Courier" pitchFamily="2" charset="0"/>
             </a:endParaRPr>
           </a:p>

--- a/draft-gandhi-spring-sr-enhanced-plm-04.pptx
+++ b/draft-gandhi-spring-sr-enhanced-plm-04.pptx
@@ -9426,7 +9426,7 @@
             </a:pPr>
             <a:r>
               <a:rPr lang="en-US" sz="1400" dirty="0"/>
-              <a:t>Performance and Liveness Monitoring (PLM) in SR networks</a:t>
+              <a:t>In-band Performance and Liveness Monitoring (PLM) in SR networks</a:t>
             </a:r>
           </a:p>
           <a:p>

--- a/draft-gandhi-spring-sr-enhanced-plm-04.pptx
+++ b/draft-gandhi-spring-sr-enhanced-plm-04.pptx
@@ -260,7 +260,7 @@
           <a:p>
             <a:fld id="{E8FA3DB5-7722-3F4F-947D-12B203669AD7}" type="datetimeFigureOut">
               <a:rPr lang="en-US" smtClean="0"/>
-              <a:t>2/9/21</a:t>
+              <a:t>2/10/21</a:t>
             </a:fld>
             <a:endParaRPr lang="en-US"/>
           </a:p>
@@ -6154,7 +6154,7 @@
           <a:p>
             <a:r>
               <a:rPr lang="en-US" sz="1600" dirty="0"/>
-              <a:t>Timestamp label (TBA1) is defined for Timestamp, Pop and Forward function</a:t>
+              <a:t>Timestamp labels (TBA1 and TBA2) are defined for Timestamp, Pop and Forward function</a:t>
             </a:r>
           </a:p>
           <a:p>
@@ -6616,7 +6616,7 @@
           <a:p>
             <a:r>
               <a:rPr lang="en-US" sz="1400" dirty="0"/>
-              <a:t>Timestamp Endpoint Function </a:t>
+              <a:t>Timestamp Endpoint Functions </a:t>
             </a:r>
             <a:r>
               <a:rPr lang="en-US" sz="1400" dirty="0" err="1"/>
@@ -6624,7 +6624,7 @@
             </a:r>
             <a:r>
               <a:rPr lang="en-US" sz="1400" dirty="0"/>
-              <a:t> (TBA3) is defined for Timestamp and Forward and is carried with the Session-Reflector node SID</a:t>
+              <a:t> (TBA3 and TBA4) is defined for Timestamp and Forward and is carried with the Session-Reflector node SID</a:t>
             </a:r>
           </a:p>
           <a:p>

--- a/draft-gandhi-spring-sr-enhanced-plm-04.pptx
+++ b/draft-gandhi-spring-sr-enhanced-plm-04.pptx
@@ -5,10 +5,10 @@
     <p:sldMasterId id="2147483648" r:id="rId1"/>
   </p:sldMasterIdLst>
   <p:notesMasterIdLst>
-    <p:notesMasterId r:id="rId19"/>
+    <p:notesMasterId r:id="rId17"/>
   </p:notesMasterIdLst>
   <p:handoutMasterIdLst>
-    <p:handoutMasterId r:id="rId20"/>
+    <p:handoutMasterId r:id="rId18"/>
   </p:handoutMasterIdLst>
   <p:sldIdLst>
     <p:sldId id="256" r:id="rId2"/>
@@ -21,13 +21,11 @@
     <p:sldId id="1663" r:id="rId9"/>
     <p:sldId id="1662" r:id="rId10"/>
     <p:sldId id="1674" r:id="rId11"/>
-    <p:sldId id="1669" r:id="rId12"/>
-    <p:sldId id="1675" r:id="rId13"/>
-    <p:sldId id="318" r:id="rId14"/>
-    <p:sldId id="303" r:id="rId15"/>
-    <p:sldId id="1672" r:id="rId16"/>
-    <p:sldId id="1664" r:id="rId17"/>
-    <p:sldId id="1654" r:id="rId18"/>
+    <p:sldId id="1664" r:id="rId12"/>
+    <p:sldId id="1669" r:id="rId13"/>
+    <p:sldId id="1675" r:id="rId14"/>
+    <p:sldId id="318" r:id="rId15"/>
+    <p:sldId id="303" r:id="rId16"/>
   </p:sldIdLst>
   <p:sldSz cx="9144000" cy="5143500" type="screen16x9"/>
   <p:notesSz cx="6858000" cy="9144000"/>
@@ -260,7 +258,7 @@
           <a:p>
             <a:fld id="{E8FA3DB5-7722-3F4F-947D-12B203669AD7}" type="datetimeFigureOut">
               <a:rPr lang="en-US" smtClean="0"/>
-              <a:t>2/10/21</a:t>
+              <a:t>2/23/21</a:t>
             </a:fld>
             <a:endParaRPr lang="en-US"/>
           </a:p>
@@ -921,18 +919,35 @@
           <a:bodyPr/>
           <a:lstStyle/>
           <a:p>
-            <a:endParaRPr lang="en-CA" dirty="0"/>
-          </a:p>
-        </p:txBody>
-      </p:sp>
-      <p:sp>
-        <p:nvSpPr>
-          <p:cNvPr id="4" name="Slide Number Placeholder 3"/>
+            <a:pPr marL="171450" marR="0" lvl="0" indent="-171450" algn="l" defTabSz="457200" rtl="0" eaLnBrk="0" fontAlgn="base" latinLnBrk="0" hangingPunct="0">
+              <a:lnSpc>
+                <a:spcPct val="100000"/>
+              </a:lnSpc>
+              <a:spcBef>
+                <a:spcPct val="30000"/>
+              </a:spcBef>
+              <a:spcAft>
+                <a:spcPct val="0"/>
+              </a:spcAft>
+              <a:buClrTx/>
+              <a:buSzTx/>
+              <a:buFont typeface="Arial" charset="0"/>
+              <a:buNone/>
+              <a:tabLst/>
+              <a:defRPr/>
+            </a:pPr>
+            <a:endParaRPr lang="en-US" dirty="0"/>
+          </a:p>
+        </p:txBody>
+      </p:sp>
+      <p:sp>
+        <p:nvSpPr>
+          <p:cNvPr id="4" name="Header Placeholder 3"/>
           <p:cNvSpPr>
             <a:spLocks noGrp="1"/>
           </p:cNvSpPr>
           <p:nvPr>
-            <p:ph type="sldNum" sz="quarter" idx="10"/>
+            <p:ph type="hdr" sz="quarter" idx="10"/>
           </p:nvPr>
         </p:nvSpPr>
         <p:spPr/>
@@ -943,21 +958,65 @@
             <a:pPr>
               <a:defRPr/>
             </a:pPr>
-            <a:fld id="{100938BD-FD70-4535-B0C2-13FC38CDF1BE}" type="slidenum">
-              <a:rPr lang="en-US" altLang="zh-CN" smtClean="0"/>
+            <a:endParaRPr lang="en-US"/>
+          </a:p>
+        </p:txBody>
+      </p:sp>
+      <p:sp>
+        <p:nvSpPr>
+          <p:cNvPr id="5" name="Footer Placeholder 4"/>
+          <p:cNvSpPr>
+            <a:spLocks noGrp="1"/>
+          </p:cNvSpPr>
+          <p:nvPr>
+            <p:ph type="ftr" sz="quarter" idx="11"/>
+          </p:nvPr>
+        </p:nvSpPr>
+        <p:spPr/>
+        <p:txBody>
+          <a:bodyPr/>
+          <a:lstStyle/>
+          <a:p>
+            <a:pPr>
+              <a:defRPr/>
+            </a:pPr>
+            <a:endParaRPr lang="en-US"/>
+          </a:p>
+        </p:txBody>
+      </p:sp>
+      <p:sp>
+        <p:nvSpPr>
+          <p:cNvPr id="6" name="Slide Number Placeholder 5"/>
+          <p:cNvSpPr>
+            <a:spLocks noGrp="1"/>
+          </p:cNvSpPr>
+          <p:nvPr>
+            <p:ph type="sldNum" sz="quarter" idx="12"/>
+          </p:nvPr>
+        </p:nvSpPr>
+        <p:spPr/>
+        <p:txBody>
+          <a:bodyPr/>
+          <a:lstStyle/>
+          <a:p>
+            <a:pPr>
+              <a:defRPr/>
+            </a:pPr>
+            <a:fld id="{F97A1FA6-25DE-9E4E-A34D-CF67DE7DBDC7}" type="slidenum">
+              <a:rPr lang="en-US" smtClean="0"/>
               <a:pPr>
                 <a:defRPr/>
               </a:pPr>
               <a:t>11</a:t>
             </a:fld>
-            <a:endParaRPr lang="en-US" altLang="zh-CN"/>
+            <a:endParaRPr lang="en-US"/>
           </a:p>
         </p:txBody>
       </p:sp>
     </p:spTree>
     <p:extLst>
       <p:ext uri="{BB962C8B-B14F-4D97-AF65-F5344CB8AC3E}">
-        <p14:creationId xmlns:p14="http://schemas.microsoft.com/office/powerpoint/2010/main" val="1667011172"/>
+        <p14:creationId xmlns:p14="http://schemas.microsoft.com/office/powerpoint/2010/main" val="2863912807"/>
       </p:ext>
     </p:extLst>
   </p:cSld>
@@ -1011,7 +1070,7 @@
           <a:bodyPr/>
           <a:lstStyle/>
           <a:p>
-            <a:endParaRPr lang="en-US" dirty="0"/>
+            <a:endParaRPr lang="en-CA" dirty="0"/>
           </a:p>
         </p:txBody>
       </p:sp>
@@ -1047,7 +1106,7 @@
     </p:spTree>
     <p:extLst>
       <p:ext uri="{BB962C8B-B14F-4D97-AF65-F5344CB8AC3E}">
-        <p14:creationId xmlns:p14="http://schemas.microsoft.com/office/powerpoint/2010/main" val="1381437362"/>
+        <p14:creationId xmlns:p14="http://schemas.microsoft.com/office/powerpoint/2010/main" val="1667011172"/>
       </p:ext>
     </p:extLst>
   </p:cSld>
@@ -1101,7 +1160,7 @@
           <a:bodyPr/>
           <a:lstStyle/>
           <a:p>
-            <a:endParaRPr lang="en-CA" dirty="0"/>
+            <a:endParaRPr lang="en-US" dirty="0"/>
           </a:p>
         </p:txBody>
       </p:sp>
@@ -1137,7 +1196,7 @@
     </p:spTree>
     <p:extLst>
       <p:ext uri="{BB962C8B-B14F-4D97-AF65-F5344CB8AC3E}">
-        <p14:creationId xmlns:p14="http://schemas.microsoft.com/office/powerpoint/2010/main" val="1422079827"/>
+        <p14:creationId xmlns:p14="http://schemas.microsoft.com/office/powerpoint/2010/main" val="1381437362"/>
       </p:ext>
     </p:extLst>
   </p:cSld>
@@ -1191,7 +1250,7 @@
           <a:bodyPr/>
           <a:lstStyle/>
           <a:p>
-            <a:endParaRPr lang="en-US" dirty="0"/>
+            <a:endParaRPr lang="en-CA" dirty="0"/>
           </a:p>
         </p:txBody>
       </p:sp>
@@ -1227,7 +1286,7 @@
     </p:spTree>
     <p:extLst>
       <p:ext uri="{BB962C8B-B14F-4D97-AF65-F5344CB8AC3E}">
-        <p14:creationId xmlns:p14="http://schemas.microsoft.com/office/powerpoint/2010/main" val="383772479"/>
+        <p14:creationId xmlns:p14="http://schemas.microsoft.com/office/powerpoint/2010/main" val="1422079827"/>
       </p:ext>
     </p:extLst>
   </p:cSld>
@@ -1281,7 +1340,7 @@
           <a:bodyPr/>
           <a:lstStyle/>
           <a:p>
-            <a:endParaRPr lang="en-CA" dirty="0"/>
+            <a:endParaRPr lang="en-US" dirty="0"/>
           </a:p>
         </p:txBody>
       </p:sp>
@@ -1317,248 +1376,7 @@
     </p:spTree>
     <p:extLst>
       <p:ext uri="{BB962C8B-B14F-4D97-AF65-F5344CB8AC3E}">
-        <p14:creationId xmlns:p14="http://schemas.microsoft.com/office/powerpoint/2010/main" val="3615763183"/>
-      </p:ext>
-    </p:extLst>
-  </p:cSld>
-  <p:clrMapOvr>
-    <a:masterClrMapping/>
-  </p:clrMapOvr>
-</p:notes>
-</file>
-
-<file path=ppt/notesSlides/notesSlide15.xml><?xml version="1.0" encoding="utf-8"?>
-<p:notes xmlns:a="http://schemas.openxmlformats.org/drawingml/2006/main" xmlns:r="http://schemas.openxmlformats.org/officeDocument/2006/relationships" xmlns:p="http://schemas.openxmlformats.org/presentationml/2006/main">
-  <p:cSld>
-    <p:spTree>
-      <p:nvGrpSpPr>
-        <p:cNvPr id="1" name=""/>
-        <p:cNvGrpSpPr/>
-        <p:nvPr/>
-      </p:nvGrpSpPr>
-      <p:grpSpPr>
-        <a:xfrm>
-          <a:off x="0" y="0"/>
-          <a:ext cx="0" cy="0"/>
-          <a:chOff x="0" y="0"/>
-          <a:chExt cx="0" cy="0"/>
-        </a:xfrm>
-      </p:grpSpPr>
-      <p:sp>
-        <p:nvSpPr>
-          <p:cNvPr id="2" name="Slide Image Placeholder 1"/>
-          <p:cNvSpPr>
-            <a:spLocks noGrp="1" noRot="1" noChangeAspect="1"/>
-          </p:cNvSpPr>
-          <p:nvPr>
-            <p:ph type="sldImg"/>
-          </p:nvPr>
-        </p:nvSpPr>
-        <p:spPr/>
-      </p:sp>
-      <p:sp>
-        <p:nvSpPr>
-          <p:cNvPr id="3" name="Notes Placeholder 2"/>
-          <p:cNvSpPr>
-            <a:spLocks noGrp="1"/>
-          </p:cNvSpPr>
-          <p:nvPr>
-            <p:ph type="body" idx="1"/>
-          </p:nvPr>
-        </p:nvSpPr>
-        <p:spPr/>
-        <p:txBody>
-          <a:bodyPr/>
-          <a:lstStyle/>
-          <a:p>
-            <a:pPr marL="171450" marR="0" lvl="0" indent="-171450" algn="l" defTabSz="457200" rtl="0" eaLnBrk="0" fontAlgn="base" latinLnBrk="0" hangingPunct="0">
-              <a:lnSpc>
-                <a:spcPct val="100000"/>
-              </a:lnSpc>
-              <a:spcBef>
-                <a:spcPct val="30000"/>
-              </a:spcBef>
-              <a:spcAft>
-                <a:spcPct val="0"/>
-              </a:spcAft>
-              <a:buClrTx/>
-              <a:buSzTx/>
-              <a:buFont typeface="Arial" charset="0"/>
-              <a:buNone/>
-              <a:tabLst/>
-              <a:defRPr/>
-            </a:pPr>
-            <a:endParaRPr lang="en-US" dirty="0"/>
-          </a:p>
-        </p:txBody>
-      </p:sp>
-      <p:sp>
-        <p:nvSpPr>
-          <p:cNvPr id="4" name="Header Placeholder 3"/>
-          <p:cNvSpPr>
-            <a:spLocks noGrp="1"/>
-          </p:cNvSpPr>
-          <p:nvPr>
-            <p:ph type="hdr" sz="quarter" idx="10"/>
-          </p:nvPr>
-        </p:nvSpPr>
-        <p:spPr/>
-        <p:txBody>
-          <a:bodyPr/>
-          <a:lstStyle/>
-          <a:p>
-            <a:pPr>
-              <a:defRPr/>
-            </a:pPr>
-            <a:endParaRPr lang="en-US"/>
-          </a:p>
-        </p:txBody>
-      </p:sp>
-      <p:sp>
-        <p:nvSpPr>
-          <p:cNvPr id="5" name="Footer Placeholder 4"/>
-          <p:cNvSpPr>
-            <a:spLocks noGrp="1"/>
-          </p:cNvSpPr>
-          <p:nvPr>
-            <p:ph type="ftr" sz="quarter" idx="11"/>
-          </p:nvPr>
-        </p:nvSpPr>
-        <p:spPr/>
-        <p:txBody>
-          <a:bodyPr/>
-          <a:lstStyle/>
-          <a:p>
-            <a:pPr>
-              <a:defRPr/>
-            </a:pPr>
-            <a:endParaRPr lang="en-US"/>
-          </a:p>
-        </p:txBody>
-      </p:sp>
-      <p:sp>
-        <p:nvSpPr>
-          <p:cNvPr id="6" name="Slide Number Placeholder 5"/>
-          <p:cNvSpPr>
-            <a:spLocks noGrp="1"/>
-          </p:cNvSpPr>
-          <p:nvPr>
-            <p:ph type="sldNum" sz="quarter" idx="12"/>
-          </p:nvPr>
-        </p:nvSpPr>
-        <p:spPr/>
-        <p:txBody>
-          <a:bodyPr/>
-          <a:lstStyle/>
-          <a:p>
-            <a:pPr>
-              <a:defRPr/>
-            </a:pPr>
-            <a:fld id="{F97A1FA6-25DE-9E4E-A34D-CF67DE7DBDC7}" type="slidenum">
-              <a:rPr lang="en-US" smtClean="0"/>
-              <a:pPr>
-                <a:defRPr/>
-              </a:pPr>
-              <a:t>16</a:t>
-            </a:fld>
-            <a:endParaRPr lang="en-US"/>
-          </a:p>
-        </p:txBody>
-      </p:sp>
-    </p:spTree>
-    <p:extLst>
-      <p:ext uri="{BB962C8B-B14F-4D97-AF65-F5344CB8AC3E}">
-        <p14:creationId xmlns:p14="http://schemas.microsoft.com/office/powerpoint/2010/main" val="890828642"/>
-      </p:ext>
-    </p:extLst>
-  </p:cSld>
-  <p:clrMapOvr>
-    <a:masterClrMapping/>
-  </p:clrMapOvr>
-</p:notes>
-</file>
-
-<file path=ppt/notesSlides/notesSlide16.xml><?xml version="1.0" encoding="utf-8"?>
-<p:notes xmlns:a="http://schemas.openxmlformats.org/drawingml/2006/main" xmlns:r="http://schemas.openxmlformats.org/officeDocument/2006/relationships" xmlns:p="http://schemas.openxmlformats.org/presentationml/2006/main">
-  <p:cSld>
-    <p:spTree>
-      <p:nvGrpSpPr>
-        <p:cNvPr id="1" name=""/>
-        <p:cNvGrpSpPr/>
-        <p:nvPr/>
-      </p:nvGrpSpPr>
-      <p:grpSpPr>
-        <a:xfrm>
-          <a:off x="0" y="0"/>
-          <a:ext cx="0" cy="0"/>
-          <a:chOff x="0" y="0"/>
-          <a:chExt cx="0" cy="0"/>
-        </a:xfrm>
-      </p:grpSpPr>
-      <p:sp>
-        <p:nvSpPr>
-          <p:cNvPr id="2" name="Slide Image Placeholder 1"/>
-          <p:cNvSpPr>
-            <a:spLocks noGrp="1" noRot="1" noChangeAspect="1"/>
-          </p:cNvSpPr>
-          <p:nvPr>
-            <p:ph type="sldImg"/>
-          </p:nvPr>
-        </p:nvSpPr>
-        <p:spPr/>
-      </p:sp>
-      <p:sp>
-        <p:nvSpPr>
-          <p:cNvPr id="3" name="Notes Placeholder 2"/>
-          <p:cNvSpPr>
-            <a:spLocks noGrp="1"/>
-          </p:cNvSpPr>
-          <p:nvPr>
-            <p:ph type="body" idx="1"/>
-          </p:nvPr>
-        </p:nvSpPr>
-        <p:spPr/>
-        <p:txBody>
-          <a:bodyPr/>
-          <a:lstStyle/>
-          <a:p>
-            <a:endParaRPr lang="en-US" dirty="0"/>
-          </a:p>
-        </p:txBody>
-      </p:sp>
-      <p:sp>
-        <p:nvSpPr>
-          <p:cNvPr id="4" name="Slide Number Placeholder 3"/>
-          <p:cNvSpPr>
-            <a:spLocks noGrp="1"/>
-          </p:cNvSpPr>
-          <p:nvPr>
-            <p:ph type="sldNum" sz="quarter" idx="10"/>
-          </p:nvPr>
-        </p:nvSpPr>
-        <p:spPr/>
-        <p:txBody>
-          <a:bodyPr/>
-          <a:lstStyle/>
-          <a:p>
-            <a:pPr>
-              <a:defRPr/>
-            </a:pPr>
-            <a:fld id="{100938BD-FD70-4535-B0C2-13FC38CDF1BE}" type="slidenum">
-              <a:rPr lang="en-US" altLang="zh-CN" smtClean="0"/>
-              <a:pPr>
-                <a:defRPr/>
-              </a:pPr>
-              <a:t>17</a:t>
-            </a:fld>
-            <a:endParaRPr lang="en-US" altLang="zh-CN"/>
-          </a:p>
-        </p:txBody>
-      </p:sp>
-    </p:spTree>
-    <p:extLst>
-      <p:ext uri="{BB962C8B-B14F-4D97-AF65-F5344CB8AC3E}">
-        <p14:creationId xmlns:p14="http://schemas.microsoft.com/office/powerpoint/2010/main" val="192177404"/>
+        <p14:creationId xmlns:p14="http://schemas.microsoft.com/office/powerpoint/2010/main" val="383772479"/>
       </p:ext>
     </p:extLst>
   </p:cSld>
@@ -6216,1333 +6034,6 @@
         </p:nvSpPr>
         <p:spPr>
           <a:xfrm>
-            <a:off x="0" y="0"/>
-            <a:ext cx="9144000" cy="640642"/>
-          </a:xfrm>
-        </p:spPr>
-        <p:txBody>
-          <a:bodyPr/>
-          <a:lstStyle/>
-          <a:p>
-            <a:r>
-              <a:rPr lang="en-US" sz="3200" dirty="0">
-                <a:solidFill>
-                  <a:srgbClr val="0070C0"/>
-                </a:solidFill>
-                <a:latin typeface="Calibri Light" panose="020F0302020204030204" pitchFamily="34" charset="0"/>
-                <a:cs typeface="Calibri Light" panose="020F0302020204030204" pitchFamily="34" charset="0"/>
-              </a:rPr>
-              <a:t>SRv6 with Timestamp Endpoint Function</a:t>
-            </a:r>
-          </a:p>
-        </p:txBody>
-      </p:sp>
-      <p:sp>
-        <p:nvSpPr>
-          <p:cNvPr id="4" name="Footer Placeholder 3"/>
-          <p:cNvSpPr>
-            <a:spLocks noGrp="1"/>
-          </p:cNvSpPr>
-          <p:nvPr>
-            <p:ph type="ftr" sz="quarter" idx="11"/>
-          </p:nvPr>
-        </p:nvSpPr>
-        <p:spPr>
-          <a:xfrm>
-            <a:off x="2836126" y="4786312"/>
-            <a:ext cx="2895600" cy="357188"/>
-          </a:xfrm>
-        </p:spPr>
-        <p:txBody>
-          <a:bodyPr/>
-          <a:lstStyle/>
-          <a:p>
-            <a:r>
-              <a:rPr lang="en-CA" dirty="0"/>
-              <a:t>110</a:t>
-            </a:r>
-            <a:r>
-              <a:rPr lang="en-CA" baseline="30000" dirty="0"/>
-              <a:t>th</a:t>
-            </a:r>
-            <a:r>
-              <a:rPr lang="en-CA" dirty="0"/>
-              <a:t> IETF Online</a:t>
-            </a:r>
-          </a:p>
-        </p:txBody>
-      </p:sp>
-      <p:sp>
-        <p:nvSpPr>
-          <p:cNvPr id="5" name="Slide Number Placeholder 4"/>
-          <p:cNvSpPr>
-            <a:spLocks noGrp="1"/>
-          </p:cNvSpPr>
-          <p:nvPr>
-            <p:ph type="sldNum" sz="quarter" idx="12"/>
-          </p:nvPr>
-        </p:nvSpPr>
-        <p:spPr/>
-        <p:txBody>
-          <a:bodyPr/>
-          <a:lstStyle/>
-          <a:p>
-            <a:pPr>
-              <a:defRPr/>
-            </a:pPr>
-            <a:fld id="{BD6E0F59-1DD8-40FC-9C92-B6295CBA6CCA}" type="slidenum">
-              <a:rPr lang="en-US" altLang="zh-CN" smtClean="0"/>
-              <a:pPr>
-                <a:defRPr/>
-              </a:pPr>
-              <a:t>11</a:t>
-            </a:fld>
-            <a:endParaRPr lang="en-US" altLang="zh-CN"/>
-          </a:p>
-        </p:txBody>
-      </p:sp>
-      <p:sp>
-        <p:nvSpPr>
-          <p:cNvPr id="6" name="Rectangle 5">
-            <a:extLst>
-              <a:ext uri="{FF2B5EF4-FFF2-40B4-BE49-F238E27FC236}">
-                <a16:creationId xmlns:a16="http://schemas.microsoft.com/office/drawing/2014/main" id="{4C15A4CE-6545-5142-97A8-EDA8B07CB60B}"/>
-              </a:ext>
-            </a:extLst>
-          </p:cNvPr>
-          <p:cNvSpPr/>
-          <p:nvPr/>
-        </p:nvSpPr>
-        <p:spPr>
-          <a:xfrm>
-            <a:off x="381000" y="742949"/>
-            <a:ext cx="4674030" cy="3831818"/>
-          </a:xfrm>
-          <a:prstGeom prst="rect">
-            <a:avLst/>
-          </a:prstGeom>
-          <a:solidFill>
-            <a:schemeClr val="accent6">
-              <a:lumMod val="20000"/>
-              <a:lumOff val="80000"/>
-            </a:schemeClr>
-          </a:solidFill>
-        </p:spPr>
-        <p:txBody>
-          <a:bodyPr wrap="square">
-            <a:spAutoFit/>
-          </a:bodyPr>
-          <a:lstStyle/>
-          <a:p>
-            <a:r>
-              <a:rPr lang="en-CA" sz="900" dirty="0">
-                <a:latin typeface="Courier" pitchFamily="2" charset="0"/>
-              </a:rPr>
-              <a:t>+---------------------------------------------------------------+</a:t>
-            </a:r>
-          </a:p>
-          <a:p>
-            <a:r>
-              <a:rPr lang="en-CA" sz="900" dirty="0">
-                <a:latin typeface="Courier" pitchFamily="2" charset="0"/>
-              </a:rPr>
-              <a:t>| IP Header                                                     |</a:t>
-            </a:r>
-          </a:p>
-          <a:p>
-            <a:r>
-              <a:rPr lang="en-CA" sz="900" dirty="0">
-                <a:latin typeface="Courier" pitchFamily="2" charset="0"/>
-              </a:rPr>
-              <a:t>.  Source IP Address = Session-Sender IPv6 Address              .</a:t>
-            </a:r>
-          </a:p>
-          <a:p>
-            <a:r>
-              <a:rPr lang="en-CA" sz="900" dirty="0">
-                <a:latin typeface="Courier" pitchFamily="2" charset="0"/>
-              </a:rPr>
-              <a:t>.  Destination IP Address = Destination IPv6 Address            .</a:t>
-            </a:r>
-          </a:p>
-          <a:p>
-            <a:r>
-              <a:rPr lang="en-CA" sz="900" dirty="0">
-                <a:latin typeface="Courier" pitchFamily="2" charset="0"/>
-              </a:rPr>
-              <a:t>.                                                               .</a:t>
-            </a:r>
-          </a:p>
-          <a:p>
-            <a:r>
-              <a:rPr lang="en-CA" sz="900" dirty="0">
-                <a:latin typeface="Courier" pitchFamily="2" charset="0"/>
-              </a:rPr>
-              <a:t>+---------------------------------------------------------------+</a:t>
-            </a:r>
-          </a:p>
-          <a:p>
-            <a:r>
-              <a:rPr lang="en-CA" sz="900" dirty="0">
-                <a:latin typeface="Courier" pitchFamily="2" charset="0"/>
-              </a:rPr>
-              <a:t>| SRH as specified in RFC 8754                                  |</a:t>
-            </a:r>
-          </a:p>
-          <a:p>
-            <a:r>
-              <a:rPr lang="en-CA" sz="900" dirty="0">
-                <a:latin typeface="Courier" pitchFamily="2" charset="0"/>
-              </a:rPr>
-              <a:t>.  &lt;Segment List&gt;                                               .</a:t>
-            </a:r>
-          </a:p>
-          <a:p>
-            <a:r>
-              <a:rPr lang="en-CA" sz="900" dirty="0">
-                <a:latin typeface="Courier" pitchFamily="2" charset="0"/>
-              </a:rPr>
-              <a:t>.  </a:t>
-            </a:r>
-            <a:r>
-              <a:rPr lang="en-CA" sz="900" b="1" dirty="0" err="1">
-                <a:latin typeface="Courier" pitchFamily="2" charset="0"/>
-              </a:rPr>
-              <a:t>End.TSF</a:t>
-            </a:r>
-            <a:r>
-              <a:rPr lang="en-CA" sz="900" b="1" dirty="0">
-                <a:latin typeface="Courier" pitchFamily="2" charset="0"/>
-              </a:rPr>
-              <a:t> (TBA3 or TBA4) with Session-Reflector SID            </a:t>
-            </a:r>
-            <a:r>
-              <a:rPr lang="en-CA" sz="900" dirty="0">
-                <a:latin typeface="Courier" pitchFamily="2" charset="0"/>
-              </a:rPr>
-              <a:t>.</a:t>
-            </a:r>
-          </a:p>
-          <a:p>
-            <a:r>
-              <a:rPr lang="en-CA" sz="900" dirty="0">
-                <a:latin typeface="Courier" pitchFamily="2" charset="0"/>
-              </a:rPr>
-              <a:t>.                                                               .</a:t>
-            </a:r>
-          </a:p>
-          <a:p>
-            <a:r>
-              <a:rPr lang="en-CA" sz="900" dirty="0">
-                <a:latin typeface="Courier" pitchFamily="2" charset="0"/>
-              </a:rPr>
-              <a:t>+---------------------------------------------------------------+</a:t>
-            </a:r>
-          </a:p>
-          <a:p>
-            <a:r>
-              <a:rPr lang="en-CA" sz="900" dirty="0">
-                <a:latin typeface="Courier" pitchFamily="2" charset="0"/>
-              </a:rPr>
-              <a:t>| IP Header                                                     |</a:t>
-            </a:r>
-          </a:p>
-          <a:p>
-            <a:r>
-              <a:rPr lang="en-CA" sz="900" dirty="0">
-                <a:latin typeface="Courier" pitchFamily="2" charset="0"/>
-              </a:rPr>
-              <a:t>.  Source IP Address = </a:t>
-            </a:r>
-            <a:r>
-              <a:rPr lang="en-CA" sz="900" b="1" dirty="0">
-                <a:latin typeface="Courier" pitchFamily="2" charset="0"/>
-              </a:rPr>
-              <a:t>Session-Reflector</a:t>
-            </a:r>
-            <a:r>
-              <a:rPr lang="en-CA" sz="900" dirty="0">
-                <a:latin typeface="Courier" pitchFamily="2" charset="0"/>
-              </a:rPr>
-              <a:t> IPv6 Address           .</a:t>
-            </a:r>
-          </a:p>
-          <a:p>
-            <a:r>
-              <a:rPr lang="en-CA" sz="900" dirty="0">
-                <a:latin typeface="Courier" pitchFamily="2" charset="0"/>
-              </a:rPr>
-              <a:t>.  Destination IP Address = </a:t>
-            </a:r>
-            <a:r>
-              <a:rPr lang="en-CA" sz="900" b="1" dirty="0">
-                <a:latin typeface="Courier" pitchFamily="2" charset="0"/>
-              </a:rPr>
-              <a:t>Session-Sender</a:t>
-            </a:r>
-            <a:r>
-              <a:rPr lang="en-CA" sz="900" dirty="0">
-                <a:latin typeface="Courier" pitchFamily="2" charset="0"/>
-              </a:rPr>
-              <a:t> IPv6 Address         .</a:t>
-            </a:r>
-          </a:p>
-          <a:p>
-            <a:r>
-              <a:rPr lang="en-CA" sz="900" dirty="0">
-                <a:latin typeface="Courier" pitchFamily="2" charset="0"/>
-              </a:rPr>
-              <a:t>.                                                               .</a:t>
-            </a:r>
-          </a:p>
-          <a:p>
-            <a:r>
-              <a:rPr lang="en-CA" sz="900" dirty="0">
-                <a:latin typeface="Courier" pitchFamily="2" charset="0"/>
-              </a:rPr>
-              <a:t>+---------------------------------------------------------------+</a:t>
-            </a:r>
-          </a:p>
-          <a:p>
-            <a:r>
-              <a:rPr lang="en-CA" sz="900" dirty="0">
-                <a:latin typeface="Courier" pitchFamily="2" charset="0"/>
-              </a:rPr>
-              <a:t>| UDP Header                                                    |</a:t>
-            </a:r>
-          </a:p>
-          <a:p>
-            <a:r>
-              <a:rPr lang="en-CA" sz="900" dirty="0">
-                <a:latin typeface="Courier" pitchFamily="2" charset="0"/>
-              </a:rPr>
-              <a:t>.  Source Port = As chosen by Session-Sender                    . </a:t>
-            </a:r>
-          </a:p>
-          <a:p>
-            <a:r>
-              <a:rPr lang="en-CA" sz="900" dirty="0">
-                <a:latin typeface="Courier" pitchFamily="2" charset="0"/>
-              </a:rPr>
-              <a:t>.  Destination Port = As chosen by Session-Sender               .</a:t>
-            </a:r>
-          </a:p>
-          <a:p>
-            <a:r>
-              <a:rPr lang="en-CA" sz="900" dirty="0">
-                <a:latin typeface="Courier" pitchFamily="2" charset="0"/>
-              </a:rPr>
-              <a:t>.                                                               .</a:t>
-            </a:r>
-          </a:p>
-          <a:p>
-            <a:r>
-              <a:rPr lang="en-CA" sz="900" dirty="0">
-                <a:latin typeface="Courier" pitchFamily="2" charset="0"/>
-              </a:rPr>
-              <a:t>+---------------------------------------------------------------+</a:t>
-            </a:r>
-          </a:p>
-          <a:p>
-            <a:r>
-              <a:rPr lang="en-CA" sz="900" dirty="0">
-                <a:latin typeface="Courier" pitchFamily="2" charset="0"/>
-              </a:rPr>
-              <a:t>| PLM Test Packet                                               |</a:t>
-            </a:r>
-          </a:p>
-          <a:p>
-            <a:r>
-              <a:rPr lang="en-CA" sz="900" dirty="0">
-                <a:latin typeface="Courier" pitchFamily="2" charset="0"/>
-              </a:rPr>
-              <a:t>.                                                               .</a:t>
-            </a:r>
-          </a:p>
-          <a:p>
-            <a:r>
-              <a:rPr lang="en-CA" sz="900" dirty="0">
-                <a:latin typeface="Courier" pitchFamily="2" charset="0"/>
-              </a:rPr>
-              <a:t>+---------------------------------------------------------------+</a:t>
-            </a:r>
-          </a:p>
-          <a:p>
-            <a:r>
-              <a:rPr lang="en-CA" sz="900" dirty="0">
-                <a:latin typeface="Courier" pitchFamily="2" charset="0"/>
-              </a:rPr>
-              <a:t> </a:t>
-            </a:r>
-          </a:p>
-          <a:p>
-            <a:r>
-              <a:rPr lang="en-CA" sz="900" dirty="0">
-                <a:latin typeface="Courier" pitchFamily="2" charset="0"/>
-              </a:rPr>
-              <a:t>Example PLM Test Packet with Timestamp Endpoint Function for SRv6</a:t>
-            </a:r>
-            <a:endParaRPr lang="en-US" sz="900" dirty="0">
-              <a:latin typeface="Courier" pitchFamily="2" charset="0"/>
-            </a:endParaRPr>
-          </a:p>
-        </p:txBody>
-      </p:sp>
-      <p:sp>
-        <p:nvSpPr>
-          <p:cNvPr id="8" name="Content Placeholder 7">
-            <a:extLst>
-              <a:ext uri="{FF2B5EF4-FFF2-40B4-BE49-F238E27FC236}">
-                <a16:creationId xmlns:a16="http://schemas.microsoft.com/office/drawing/2014/main" id="{FC6E1890-536D-9D49-8207-C42BBF301FF3}"/>
-              </a:ext>
-            </a:extLst>
-          </p:cNvPr>
-          <p:cNvSpPr>
-            <a:spLocks noGrp="1"/>
-          </p:cNvSpPr>
-          <p:nvPr>
-            <p:ph idx="1"/>
-          </p:nvPr>
-        </p:nvSpPr>
-        <p:spPr>
-          <a:xfrm>
-            <a:off x="5135688" y="933449"/>
-            <a:ext cx="3678973" cy="3276600"/>
-          </a:xfrm>
-        </p:spPr>
-        <p:txBody>
-          <a:bodyPr/>
-          <a:lstStyle/>
-          <a:p>
-            <a:r>
-              <a:rPr lang="en-US" sz="1400" dirty="0"/>
-              <a:t>Timestamp Endpoint Functions </a:t>
-            </a:r>
-            <a:r>
-              <a:rPr lang="en-US" sz="1400" dirty="0" err="1"/>
-              <a:t>End.TSF</a:t>
-            </a:r>
-            <a:r>
-              <a:rPr lang="en-US" sz="1400" dirty="0"/>
-              <a:t> (TBA3 and TBA4) is defined for Timestamp and Forward and is carried with the Session-Reflector node SID</a:t>
-            </a:r>
-          </a:p>
-          <a:p>
-            <a:r>
-              <a:rPr lang="en-US" sz="1400" dirty="0"/>
-              <a:t>Reverse path can be IP</a:t>
-            </a:r>
-          </a:p>
-          <a:p>
-            <a:pPr lvl="1"/>
-            <a:r>
-              <a:rPr lang="en-US" sz="1400" dirty="0"/>
-              <a:t>Session-Reflector removes SRH</a:t>
-            </a:r>
-          </a:p>
-          <a:p>
-            <a:r>
-              <a:rPr lang="en-US" sz="1400" dirty="0"/>
-              <a:t>Reverse path can be SR</a:t>
-            </a:r>
-          </a:p>
-          <a:p>
-            <a:pPr lvl="1"/>
-            <a:r>
-              <a:rPr lang="en-US" sz="1400" dirty="0"/>
-              <a:t>Reverse direction SR path Segment-list carried in SRH</a:t>
-            </a:r>
-          </a:p>
-          <a:p>
-            <a:pPr lvl="1"/>
-            <a:r>
-              <a:rPr lang="en-US" sz="1400" dirty="0"/>
-              <a:t>Session-Reflector does not remove the SRH</a:t>
-            </a:r>
-          </a:p>
-          <a:p>
-            <a:r>
-              <a:rPr lang="en-US" sz="1400" dirty="0"/>
-              <a:t>Source and Destination Addresses are swapped that represent the Reverse direction path in the inner IPv6 header</a:t>
-            </a:r>
-          </a:p>
-          <a:p>
-            <a:endParaRPr lang="en-US" sz="1400" dirty="0"/>
-          </a:p>
-        </p:txBody>
-      </p:sp>
-    </p:spTree>
-    <p:extLst>
-      <p:ext uri="{BB962C8B-B14F-4D97-AF65-F5344CB8AC3E}">
-        <p14:creationId xmlns:p14="http://schemas.microsoft.com/office/powerpoint/2010/main" val="3310436608"/>
-      </p:ext>
-    </p:extLst>
-  </p:cSld>
-  <p:clrMapOvr>
-    <a:masterClrMapping/>
-  </p:clrMapOvr>
-</p:sld>
-</file>
-
-<file path=ppt/slides/slide12.xml><?xml version="1.0" encoding="utf-8"?>
-<p:sld xmlns:a="http://schemas.openxmlformats.org/drawingml/2006/main" xmlns:r="http://schemas.openxmlformats.org/officeDocument/2006/relationships" xmlns:p="http://schemas.openxmlformats.org/presentationml/2006/main">
-  <p:cSld>
-    <p:spTree>
-      <p:nvGrpSpPr>
-        <p:cNvPr id="1" name=""/>
-        <p:cNvGrpSpPr/>
-        <p:nvPr/>
-      </p:nvGrpSpPr>
-      <p:grpSpPr>
-        <a:xfrm>
-          <a:off x="0" y="0"/>
-          <a:ext cx="0" cy="0"/>
-          <a:chOff x="0" y="0"/>
-          <a:chExt cx="0" cy="0"/>
-        </a:xfrm>
-      </p:grpSpPr>
-      <p:sp>
-        <p:nvSpPr>
-          <p:cNvPr id="2" name="Title 1"/>
-          <p:cNvSpPr>
-            <a:spLocks noGrp="1"/>
-          </p:cNvSpPr>
-          <p:nvPr>
-            <p:ph type="title"/>
-          </p:nvPr>
-        </p:nvSpPr>
-        <p:spPr>
-          <a:xfrm>
-            <a:off x="57149" y="76090"/>
-            <a:ext cx="9029700" cy="710446"/>
-          </a:xfrm>
-        </p:spPr>
-        <p:txBody>
-          <a:bodyPr/>
-          <a:lstStyle/>
-          <a:p>
-            <a:r>
-              <a:rPr lang="en-US" sz="3200" dirty="0">
-                <a:solidFill>
-                  <a:srgbClr val="0070C0"/>
-                </a:solidFill>
-                <a:latin typeface="Calibri Light" panose="020F0302020204030204" pitchFamily="34" charset="0"/>
-                <a:cs typeface="Calibri Light" panose="020F0302020204030204" pitchFamily="34" charset="0"/>
-              </a:rPr>
-              <a:t>Performance Metric Notifications</a:t>
-            </a:r>
-          </a:p>
-        </p:txBody>
-      </p:sp>
-      <p:sp>
-        <p:nvSpPr>
-          <p:cNvPr id="4" name="Footer Placeholder 3"/>
-          <p:cNvSpPr>
-            <a:spLocks noGrp="1"/>
-          </p:cNvSpPr>
-          <p:nvPr>
-            <p:ph type="ftr" sz="quarter" idx="11"/>
-          </p:nvPr>
-        </p:nvSpPr>
-        <p:spPr>
-          <a:xfrm>
-            <a:off x="3124199" y="4786312"/>
-            <a:ext cx="2895600" cy="357188"/>
-          </a:xfrm>
-        </p:spPr>
-        <p:txBody>
-          <a:bodyPr/>
-          <a:lstStyle/>
-          <a:p>
-            <a:r>
-              <a:rPr lang="en-CA" dirty="0"/>
-              <a:t>110</a:t>
-            </a:r>
-            <a:r>
-              <a:rPr lang="en-CA" baseline="30000" dirty="0"/>
-              <a:t>th</a:t>
-            </a:r>
-            <a:r>
-              <a:rPr lang="en-CA" dirty="0"/>
-              <a:t> IETF Online</a:t>
-            </a:r>
-          </a:p>
-        </p:txBody>
-      </p:sp>
-      <p:sp>
-        <p:nvSpPr>
-          <p:cNvPr id="6" name="Content Placeholder 2"/>
-          <p:cNvSpPr>
-            <a:spLocks noGrp="1"/>
-          </p:cNvSpPr>
-          <p:nvPr>
-            <p:ph idx="1"/>
-          </p:nvPr>
-        </p:nvSpPr>
-        <p:spPr>
-          <a:xfrm>
-            <a:off x="609600" y="921645"/>
-            <a:ext cx="7734299" cy="3524772"/>
-          </a:xfrm>
-        </p:spPr>
-        <p:txBody>
-          <a:bodyPr/>
-          <a:lstStyle/>
-          <a:p>
-            <a:pPr>
-              <a:lnSpc>
-                <a:spcPts val="2180"/>
-              </a:lnSpc>
-              <a:spcBef>
-                <a:spcPts val="600"/>
-              </a:spcBef>
-            </a:pPr>
-            <a:r>
-              <a:rPr lang="en-US" sz="1600" dirty="0"/>
-              <a:t>Liveness success (success of heart beats) initially is notified as soon as one or more PLM return test packets are received at the Session-Sender</a:t>
-            </a:r>
-          </a:p>
-          <a:p>
-            <a:pPr>
-              <a:lnSpc>
-                <a:spcPts val="2180"/>
-              </a:lnSpc>
-              <a:spcBef>
-                <a:spcPts val="600"/>
-              </a:spcBef>
-            </a:pPr>
-            <a:r>
-              <a:rPr lang="en-US" sz="1600" dirty="0"/>
-              <a:t>Liveness failure (loss of heart beats) is notified when consecutive N number of PLM return test packets are not received at the Session-Sender</a:t>
-            </a:r>
-          </a:p>
-          <a:p>
-            <a:pPr>
-              <a:lnSpc>
-                <a:spcPts val="2180"/>
-              </a:lnSpc>
-              <a:spcBef>
-                <a:spcPts val="600"/>
-              </a:spcBef>
-            </a:pPr>
-            <a:r>
-              <a:rPr lang="en-US" sz="1600" dirty="0"/>
-              <a:t>Synthetic packet loss is notified when X number of PLM return test packets not received at the Session-Sender out of last Y PLM test packets transmitted (with configured </a:t>
-            </a:r>
-            <a:r>
-              <a:rPr lang="en-US" sz="1600" dirty="0" err="1"/>
-              <a:t>XofY</a:t>
-            </a:r>
-            <a:r>
-              <a:rPr lang="en-US" sz="1600" dirty="0"/>
-              <a:t> threshold)</a:t>
-            </a:r>
-          </a:p>
-          <a:p>
-            <a:pPr>
-              <a:lnSpc>
-                <a:spcPts val="2180"/>
-              </a:lnSpc>
-              <a:spcBef>
-                <a:spcPts val="600"/>
-              </a:spcBef>
-            </a:pPr>
-            <a:r>
-              <a:rPr lang="en-US" sz="1600" dirty="0"/>
-              <a:t>Delay metrics are notified as an example, when consecutive M number of PLM test packets have delay values exceed the configured thresholds (absolute/percentage)</a:t>
-            </a:r>
-          </a:p>
-          <a:p>
-            <a:pPr>
-              <a:lnSpc>
-                <a:spcPts val="2180"/>
-              </a:lnSpc>
-              <a:spcBef>
-                <a:spcPts val="600"/>
-              </a:spcBef>
-            </a:pPr>
-            <a:endParaRPr lang="en-US" sz="1600" dirty="0"/>
-          </a:p>
-          <a:p>
-            <a:pPr>
-              <a:lnSpc>
-                <a:spcPts val="2180"/>
-              </a:lnSpc>
-              <a:spcBef>
-                <a:spcPts val="600"/>
-              </a:spcBef>
-            </a:pPr>
-            <a:endParaRPr lang="en-CA" sz="1600" dirty="0"/>
-          </a:p>
-          <a:p>
-            <a:pPr>
-              <a:lnSpc>
-                <a:spcPts val="2180"/>
-              </a:lnSpc>
-              <a:spcBef>
-                <a:spcPts val="600"/>
-              </a:spcBef>
-            </a:pPr>
-            <a:endParaRPr lang="en-US" sz="1600" dirty="0"/>
-          </a:p>
-        </p:txBody>
-      </p:sp>
-      <p:sp>
-        <p:nvSpPr>
-          <p:cNvPr id="7" name="Slide Number Placeholder 4">
-            <a:extLst>
-              <a:ext uri="{FF2B5EF4-FFF2-40B4-BE49-F238E27FC236}">
-                <a16:creationId xmlns:a16="http://schemas.microsoft.com/office/drawing/2014/main" id="{23B8A35F-BB55-F94F-9CE5-879C79FDD88D}"/>
-              </a:ext>
-            </a:extLst>
-          </p:cNvPr>
-          <p:cNvSpPr>
-            <a:spLocks noGrp="1"/>
-          </p:cNvSpPr>
-          <p:nvPr>
-            <p:ph type="sldNum" sz="quarter" idx="12"/>
-          </p:nvPr>
-        </p:nvSpPr>
-        <p:spPr>
-          <a:xfrm>
-            <a:off x="6553200" y="4683919"/>
-            <a:ext cx="2133600" cy="357188"/>
-          </a:xfrm>
-        </p:spPr>
-        <p:txBody>
-          <a:bodyPr/>
-          <a:lstStyle/>
-          <a:p>
-            <a:pPr>
-              <a:defRPr/>
-            </a:pPr>
-            <a:fld id="{BD6E0F59-1DD8-40FC-9C92-B6295CBA6CCA}" type="slidenum">
-              <a:rPr lang="en-US" altLang="zh-CN" smtClean="0"/>
-              <a:pPr>
-                <a:defRPr/>
-              </a:pPr>
-              <a:t>12</a:t>
-            </a:fld>
-            <a:endParaRPr lang="en-US" altLang="zh-CN" dirty="0"/>
-          </a:p>
-        </p:txBody>
-      </p:sp>
-    </p:spTree>
-    <p:extLst>
-      <p:ext uri="{BB962C8B-B14F-4D97-AF65-F5344CB8AC3E}">
-        <p14:creationId xmlns:p14="http://schemas.microsoft.com/office/powerpoint/2010/main" val="2176312737"/>
-      </p:ext>
-    </p:extLst>
-  </p:cSld>
-  <p:clrMapOvr>
-    <a:masterClrMapping/>
-  </p:clrMapOvr>
-</p:sld>
-</file>
-
-<file path=ppt/slides/slide13.xml><?xml version="1.0" encoding="utf-8"?>
-<p:sld xmlns:a="http://schemas.openxmlformats.org/drawingml/2006/main" xmlns:r="http://schemas.openxmlformats.org/officeDocument/2006/relationships" xmlns:p="http://schemas.openxmlformats.org/presentationml/2006/main">
-  <p:cSld>
-    <p:spTree>
-      <p:nvGrpSpPr>
-        <p:cNvPr id="1" name=""/>
-        <p:cNvGrpSpPr/>
-        <p:nvPr/>
-      </p:nvGrpSpPr>
-      <p:grpSpPr>
-        <a:xfrm>
-          <a:off x="0" y="0"/>
-          <a:ext cx="0" cy="0"/>
-          <a:chOff x="0" y="0"/>
-          <a:chExt cx="0" cy="0"/>
-        </a:xfrm>
-      </p:grpSpPr>
-      <p:sp>
-        <p:nvSpPr>
-          <p:cNvPr id="2" name="Title 1"/>
-          <p:cNvSpPr>
-            <a:spLocks noGrp="1"/>
-          </p:cNvSpPr>
-          <p:nvPr>
-            <p:ph type="title"/>
-          </p:nvPr>
-        </p:nvSpPr>
-        <p:spPr>
-          <a:xfrm>
-            <a:off x="457200" y="0"/>
-            <a:ext cx="8229600" cy="857250"/>
-          </a:xfrm>
-        </p:spPr>
-        <p:txBody>
-          <a:bodyPr/>
-          <a:lstStyle/>
-          <a:p>
-            <a:r>
-              <a:rPr lang="en-US" sz="3200" dirty="0">
-                <a:solidFill>
-                  <a:srgbClr val="0070C0"/>
-                </a:solidFill>
-                <a:latin typeface="Calibri Light" panose="020F0302020204030204" pitchFamily="34" charset="0"/>
-                <a:cs typeface="Calibri Light" panose="020F0302020204030204" pitchFamily="34" charset="0"/>
-              </a:rPr>
-              <a:t>Next Steps</a:t>
-            </a:r>
-          </a:p>
-        </p:txBody>
-      </p:sp>
-      <p:sp>
-        <p:nvSpPr>
-          <p:cNvPr id="3" name="Content Placeholder 2"/>
-          <p:cNvSpPr>
-            <a:spLocks noGrp="1"/>
-          </p:cNvSpPr>
-          <p:nvPr>
-            <p:ph idx="1"/>
-          </p:nvPr>
-        </p:nvSpPr>
-        <p:spPr>
-          <a:xfrm>
-            <a:off x="685800" y="1123950"/>
-            <a:ext cx="8001000" cy="2514599"/>
-          </a:xfrm>
-        </p:spPr>
-        <p:txBody>
-          <a:bodyPr/>
-          <a:lstStyle/>
-          <a:p>
-            <a:pPr lvl="0"/>
-            <a:r>
-              <a:rPr lang="en-US" sz="2400" dirty="0">
-                <a:latin typeface="Calibri" charset="0"/>
-                <a:ea typeface="Calibri" charset="0"/>
-                <a:cs typeface="Calibri" charset="0"/>
-              </a:rPr>
-              <a:t>Welcome your comments and suggestions</a:t>
-            </a:r>
-          </a:p>
-          <a:p>
-            <a:r>
-              <a:rPr lang="en-US" sz="2400" dirty="0">
-                <a:latin typeface="Calibri" charset="0"/>
-                <a:ea typeface="Calibri" charset="0"/>
-                <a:cs typeface="Calibri" charset="0"/>
-              </a:rPr>
-              <a:t>Requesting SPRING WG adoption</a:t>
-            </a:r>
-          </a:p>
-        </p:txBody>
-      </p:sp>
-      <p:sp>
-        <p:nvSpPr>
-          <p:cNvPr id="4" name="Footer Placeholder 3"/>
-          <p:cNvSpPr>
-            <a:spLocks noGrp="1"/>
-          </p:cNvSpPr>
-          <p:nvPr>
-            <p:ph type="ftr" sz="quarter" idx="11"/>
-          </p:nvPr>
-        </p:nvSpPr>
-        <p:spPr>
-          <a:xfrm>
-            <a:off x="3124200" y="4786312"/>
-            <a:ext cx="2895600" cy="357188"/>
-          </a:xfrm>
-        </p:spPr>
-        <p:txBody>
-          <a:bodyPr/>
-          <a:lstStyle/>
-          <a:p>
-            <a:r>
-              <a:rPr lang="en-CA" dirty="0"/>
-              <a:t>110</a:t>
-            </a:r>
-            <a:r>
-              <a:rPr lang="en-CA" baseline="30000" dirty="0"/>
-              <a:t>th</a:t>
-            </a:r>
-            <a:r>
-              <a:rPr lang="en-CA" dirty="0"/>
-              <a:t> IETF Online</a:t>
-            </a:r>
-          </a:p>
-        </p:txBody>
-      </p:sp>
-      <p:sp>
-        <p:nvSpPr>
-          <p:cNvPr id="5" name="Slide Number Placeholder 4"/>
-          <p:cNvSpPr>
-            <a:spLocks noGrp="1"/>
-          </p:cNvSpPr>
-          <p:nvPr>
-            <p:ph type="sldNum" sz="quarter" idx="12"/>
-          </p:nvPr>
-        </p:nvSpPr>
-        <p:spPr/>
-        <p:txBody>
-          <a:bodyPr/>
-          <a:lstStyle/>
-          <a:p>
-            <a:pPr>
-              <a:defRPr/>
-            </a:pPr>
-            <a:fld id="{BD6E0F59-1DD8-40FC-9C92-B6295CBA6CCA}" type="slidenum">
-              <a:rPr lang="en-US" altLang="zh-CN" smtClean="0"/>
-              <a:pPr>
-                <a:defRPr/>
-              </a:pPr>
-              <a:t>13</a:t>
-            </a:fld>
-            <a:endParaRPr lang="en-US" altLang="zh-CN"/>
-          </a:p>
-        </p:txBody>
-      </p:sp>
-    </p:spTree>
-    <p:extLst>
-      <p:ext uri="{BB962C8B-B14F-4D97-AF65-F5344CB8AC3E}">
-        <p14:creationId xmlns:p14="http://schemas.microsoft.com/office/powerpoint/2010/main" val="2309160477"/>
-      </p:ext>
-    </p:extLst>
-  </p:cSld>
-  <p:clrMapOvr>
-    <a:masterClrMapping/>
-  </p:clrMapOvr>
-</p:sld>
-</file>
-
-<file path=ppt/slides/slide14.xml><?xml version="1.0" encoding="utf-8"?>
-<p:sld xmlns:a="http://schemas.openxmlformats.org/drawingml/2006/main" xmlns:r="http://schemas.openxmlformats.org/officeDocument/2006/relationships" xmlns:p="http://schemas.openxmlformats.org/presentationml/2006/main">
-  <p:cSld>
-    <p:spTree>
-      <p:nvGrpSpPr>
-        <p:cNvPr id="1" name=""/>
-        <p:cNvGrpSpPr/>
-        <p:nvPr/>
-      </p:nvGrpSpPr>
-      <p:grpSpPr>
-        <a:xfrm>
-          <a:off x="0" y="0"/>
-          <a:ext cx="0" cy="0"/>
-          <a:chOff x="0" y="0"/>
-          <a:chExt cx="0" cy="0"/>
-        </a:xfrm>
-      </p:grpSpPr>
-      <p:sp>
-        <p:nvSpPr>
-          <p:cNvPr id="4" name="Footer Placeholder 3"/>
-          <p:cNvSpPr>
-            <a:spLocks noGrp="1"/>
-          </p:cNvSpPr>
-          <p:nvPr>
-            <p:ph type="ftr" sz="quarter" idx="11"/>
-          </p:nvPr>
-        </p:nvSpPr>
-        <p:spPr>
-          <a:xfrm>
-            <a:off x="3124200" y="4786312"/>
-            <a:ext cx="2895600" cy="357188"/>
-          </a:xfrm>
-        </p:spPr>
-        <p:txBody>
-          <a:bodyPr/>
-          <a:lstStyle/>
-          <a:p>
-            <a:r>
-              <a:rPr lang="en-CA" dirty="0"/>
-              <a:t>110</a:t>
-            </a:r>
-            <a:r>
-              <a:rPr lang="en-CA" baseline="30000" dirty="0"/>
-              <a:t>th</a:t>
-            </a:r>
-            <a:r>
-              <a:rPr lang="en-CA" dirty="0"/>
-              <a:t> IETF Online</a:t>
-            </a:r>
-          </a:p>
-        </p:txBody>
-      </p:sp>
-      <p:sp>
-        <p:nvSpPr>
-          <p:cNvPr id="5" name="Rectangle 2"/>
-          <p:cNvSpPr txBox="1">
-            <a:spLocks noChangeArrowheads="1"/>
-          </p:cNvSpPr>
-          <p:nvPr/>
-        </p:nvSpPr>
-        <p:spPr bwMode="auto">
-          <a:xfrm>
-            <a:off x="685800" y="1657350"/>
-            <a:ext cx="7772400" cy="1102519"/>
-          </a:xfrm>
-          <a:prstGeom prst="rect">
-            <a:avLst/>
-          </a:prstGeom>
-          <a:noFill/>
-          <a:ln w="9525">
-            <a:noFill/>
-            <a:miter lim="800000"/>
-            <a:headEnd/>
-            <a:tailEnd/>
-          </a:ln>
-          <a:effectLst/>
-        </p:spPr>
-        <p:txBody>
-          <a:bodyPr vert="horz" wrap="square" lIns="91440" tIns="45720" rIns="91440" bIns="45720" numCol="1" anchor="ctr" anchorCtr="0" compatLnSpc="1">
-            <a:prstTxWarp prst="textNoShape">
-              <a:avLst/>
-            </a:prstTxWarp>
-          </a:bodyPr>
-          <a:lstStyle>
-            <a:lvl1pPr algn="ctr" rtl="0" eaLnBrk="0" fontAlgn="base" hangingPunct="0">
-              <a:spcBef>
-                <a:spcPct val="0"/>
-              </a:spcBef>
-              <a:spcAft>
-                <a:spcPct val="0"/>
-              </a:spcAft>
-              <a:defRPr sz="4400">
-                <a:solidFill>
-                  <a:schemeClr val="tx2"/>
-                </a:solidFill>
-                <a:latin typeface="+mj-lt"/>
-                <a:ea typeface="+mj-ea"/>
-                <a:cs typeface="+mj-cs"/>
-              </a:defRPr>
-            </a:lvl1pPr>
-            <a:lvl2pPr algn="ctr" rtl="0" eaLnBrk="0" fontAlgn="base" hangingPunct="0">
-              <a:spcBef>
-                <a:spcPct val="0"/>
-              </a:spcBef>
-              <a:spcAft>
-                <a:spcPct val="0"/>
-              </a:spcAft>
-              <a:defRPr sz="4400">
-                <a:solidFill>
-                  <a:schemeClr val="tx2"/>
-                </a:solidFill>
-                <a:latin typeface="Arial" charset="0"/>
-                <a:ea typeface="宋体" pitchFamily="2" charset="-122"/>
-              </a:defRPr>
-            </a:lvl2pPr>
-            <a:lvl3pPr algn="ctr" rtl="0" eaLnBrk="0" fontAlgn="base" hangingPunct="0">
-              <a:spcBef>
-                <a:spcPct val="0"/>
-              </a:spcBef>
-              <a:spcAft>
-                <a:spcPct val="0"/>
-              </a:spcAft>
-              <a:defRPr sz="4400">
-                <a:solidFill>
-                  <a:schemeClr val="tx2"/>
-                </a:solidFill>
-                <a:latin typeface="Arial" charset="0"/>
-                <a:ea typeface="宋体" pitchFamily="2" charset="-122"/>
-              </a:defRPr>
-            </a:lvl3pPr>
-            <a:lvl4pPr algn="ctr" rtl="0" eaLnBrk="0" fontAlgn="base" hangingPunct="0">
-              <a:spcBef>
-                <a:spcPct val="0"/>
-              </a:spcBef>
-              <a:spcAft>
-                <a:spcPct val="0"/>
-              </a:spcAft>
-              <a:defRPr sz="4400">
-                <a:solidFill>
-                  <a:schemeClr val="tx2"/>
-                </a:solidFill>
-                <a:latin typeface="Arial" charset="0"/>
-                <a:ea typeface="宋体" pitchFamily="2" charset="-122"/>
-              </a:defRPr>
-            </a:lvl4pPr>
-            <a:lvl5pPr algn="ctr" rtl="0" eaLnBrk="0" fontAlgn="base" hangingPunct="0">
-              <a:spcBef>
-                <a:spcPct val="0"/>
-              </a:spcBef>
-              <a:spcAft>
-                <a:spcPct val="0"/>
-              </a:spcAft>
-              <a:defRPr sz="4400">
-                <a:solidFill>
-                  <a:schemeClr val="tx2"/>
-                </a:solidFill>
-                <a:latin typeface="Arial" charset="0"/>
-                <a:ea typeface="宋体" pitchFamily="2" charset="-122"/>
-              </a:defRPr>
-            </a:lvl5pPr>
-            <a:lvl6pPr marL="457200" algn="ctr" rtl="0" fontAlgn="base">
-              <a:spcBef>
-                <a:spcPct val="0"/>
-              </a:spcBef>
-              <a:spcAft>
-                <a:spcPct val="0"/>
-              </a:spcAft>
-              <a:defRPr sz="4400">
-                <a:solidFill>
-                  <a:schemeClr val="tx2"/>
-                </a:solidFill>
-                <a:latin typeface="Arial" charset="0"/>
-                <a:ea typeface="宋体" pitchFamily="2" charset="-122"/>
-              </a:defRPr>
-            </a:lvl6pPr>
-            <a:lvl7pPr marL="914400" algn="ctr" rtl="0" fontAlgn="base">
-              <a:spcBef>
-                <a:spcPct val="0"/>
-              </a:spcBef>
-              <a:spcAft>
-                <a:spcPct val="0"/>
-              </a:spcAft>
-              <a:defRPr sz="4400">
-                <a:solidFill>
-                  <a:schemeClr val="tx2"/>
-                </a:solidFill>
-                <a:latin typeface="Arial" charset="0"/>
-                <a:ea typeface="宋体" pitchFamily="2" charset="-122"/>
-              </a:defRPr>
-            </a:lvl7pPr>
-            <a:lvl8pPr marL="1371600" algn="ctr" rtl="0" fontAlgn="base">
-              <a:spcBef>
-                <a:spcPct val="0"/>
-              </a:spcBef>
-              <a:spcAft>
-                <a:spcPct val="0"/>
-              </a:spcAft>
-              <a:defRPr sz="4400">
-                <a:solidFill>
-                  <a:schemeClr val="tx2"/>
-                </a:solidFill>
-                <a:latin typeface="Arial" charset="0"/>
-                <a:ea typeface="宋体" pitchFamily="2" charset="-122"/>
-              </a:defRPr>
-            </a:lvl8pPr>
-            <a:lvl9pPr marL="1828800" algn="ctr" rtl="0" fontAlgn="base">
-              <a:spcBef>
-                <a:spcPct val="0"/>
-              </a:spcBef>
-              <a:spcAft>
-                <a:spcPct val="0"/>
-              </a:spcAft>
-              <a:defRPr sz="4400">
-                <a:solidFill>
-                  <a:schemeClr val="tx2"/>
-                </a:solidFill>
-                <a:latin typeface="Arial" charset="0"/>
-                <a:ea typeface="宋体" pitchFamily="2" charset="-122"/>
-              </a:defRPr>
-            </a:lvl9pPr>
-          </a:lstStyle>
-          <a:p>
-            <a:pPr eaLnBrk="1" hangingPunct="1">
-              <a:defRPr/>
-            </a:pPr>
-            <a:r>
-              <a:rPr lang="en-US" altLang="zh-CN" sz="4000" kern="0" dirty="0">
-                <a:effectLst>
-                  <a:outerShdw blurRad="38100" dist="38100" dir="2700000" algn="tl">
-                    <a:srgbClr val="C0C0C0"/>
-                  </a:outerShdw>
-                </a:effectLst>
-                <a:latin typeface="Calibri" charset="0"/>
-                <a:ea typeface="Calibri" charset="0"/>
-                <a:cs typeface="Calibri" charset="0"/>
-              </a:rPr>
-              <a:t>Thank you</a:t>
-            </a:r>
-          </a:p>
-        </p:txBody>
-      </p:sp>
-      <p:sp>
-        <p:nvSpPr>
-          <p:cNvPr id="2" name="Slide Number Placeholder 1"/>
-          <p:cNvSpPr>
-            <a:spLocks noGrp="1"/>
-          </p:cNvSpPr>
-          <p:nvPr>
-            <p:ph type="sldNum" sz="quarter" idx="12"/>
-          </p:nvPr>
-        </p:nvSpPr>
-        <p:spPr/>
-        <p:txBody>
-          <a:bodyPr/>
-          <a:lstStyle/>
-          <a:p>
-            <a:pPr>
-              <a:defRPr/>
-            </a:pPr>
-            <a:fld id="{BD6E0F59-1DD8-40FC-9C92-B6295CBA6CCA}" type="slidenum">
-              <a:rPr lang="en-US" altLang="zh-CN" smtClean="0"/>
-              <a:pPr>
-                <a:defRPr/>
-              </a:pPr>
-              <a:t>14</a:t>
-            </a:fld>
-            <a:endParaRPr lang="en-US" altLang="zh-CN" dirty="0"/>
-          </a:p>
-        </p:txBody>
-      </p:sp>
-    </p:spTree>
-    <p:extLst>
-      <p:ext uri="{BB962C8B-B14F-4D97-AF65-F5344CB8AC3E}">
-        <p14:creationId xmlns:p14="http://schemas.microsoft.com/office/powerpoint/2010/main" val="15840811"/>
-      </p:ext>
-    </p:extLst>
-  </p:cSld>
-  <p:clrMapOvr>
-    <a:masterClrMapping/>
-  </p:clrMapOvr>
-</p:sld>
-</file>
-
-<file path=ppt/slides/slide15.xml><?xml version="1.0" encoding="utf-8"?>
-<p:sld xmlns:a="http://schemas.openxmlformats.org/drawingml/2006/main" xmlns:r="http://schemas.openxmlformats.org/officeDocument/2006/relationships" xmlns:p="http://schemas.openxmlformats.org/presentationml/2006/main">
-  <p:cSld>
-    <p:spTree>
-      <p:nvGrpSpPr>
-        <p:cNvPr id="1" name=""/>
-        <p:cNvGrpSpPr/>
-        <p:nvPr/>
-      </p:nvGrpSpPr>
-      <p:grpSpPr>
-        <a:xfrm>
-          <a:off x="0" y="0"/>
-          <a:ext cx="0" cy="0"/>
-          <a:chOff x="0" y="0"/>
-          <a:chExt cx="0" cy="0"/>
-        </a:xfrm>
-      </p:grpSpPr>
-      <p:sp>
-        <p:nvSpPr>
-          <p:cNvPr id="6" name="Footer Placeholder 3"/>
-          <p:cNvSpPr>
-            <a:spLocks noGrp="1"/>
-          </p:cNvSpPr>
-          <p:nvPr>
-            <p:ph type="ftr" sz="quarter" idx="11"/>
-          </p:nvPr>
-        </p:nvSpPr>
-        <p:spPr>
-          <a:xfrm>
-            <a:off x="3124200" y="4786312"/>
-            <a:ext cx="2895600" cy="357188"/>
-          </a:xfrm>
-        </p:spPr>
-        <p:txBody>
-          <a:bodyPr/>
-          <a:lstStyle/>
-          <a:p>
-            <a:r>
-              <a:rPr lang="en-CA" dirty="0"/>
-              <a:t>110</a:t>
-            </a:r>
-            <a:r>
-              <a:rPr lang="en-CA" baseline="30000" dirty="0"/>
-              <a:t>th</a:t>
-            </a:r>
-            <a:r>
-              <a:rPr lang="en-CA" dirty="0"/>
-              <a:t> IETF Online</a:t>
-            </a:r>
-          </a:p>
-        </p:txBody>
-      </p:sp>
-      <p:sp>
-        <p:nvSpPr>
-          <p:cNvPr id="3" name="Slide Number Placeholder 2"/>
-          <p:cNvSpPr>
-            <a:spLocks noGrp="1"/>
-          </p:cNvSpPr>
-          <p:nvPr>
-            <p:ph type="sldNum" sz="quarter" idx="12"/>
-          </p:nvPr>
-        </p:nvSpPr>
-        <p:spPr/>
-        <p:txBody>
-          <a:bodyPr/>
-          <a:lstStyle/>
-          <a:p>
-            <a:pPr>
-              <a:defRPr/>
-            </a:pPr>
-            <a:fld id="{D5EE1D1A-EEC2-4D53-94A7-85D62C853479}" type="slidenum">
-              <a:rPr lang="en-US" altLang="zh-CN" smtClean="0"/>
-              <a:pPr>
-                <a:defRPr/>
-              </a:pPr>
-              <a:t>15</a:t>
-            </a:fld>
-            <a:endParaRPr lang="en-US" altLang="zh-CN"/>
-          </a:p>
-        </p:txBody>
-      </p:sp>
-      <p:sp>
-        <p:nvSpPr>
-          <p:cNvPr id="8" name="Title 7">
-            <a:extLst>
-              <a:ext uri="{FF2B5EF4-FFF2-40B4-BE49-F238E27FC236}">
-                <a16:creationId xmlns:a16="http://schemas.microsoft.com/office/drawing/2014/main" id="{EAE0D9DC-8575-A84F-A04B-3BD8C30794A3}"/>
-              </a:ext>
-            </a:extLst>
-          </p:cNvPr>
-          <p:cNvSpPr>
-            <a:spLocks noGrp="1"/>
-          </p:cNvSpPr>
-          <p:nvPr>
-            <p:ph type="ctrTitle"/>
-          </p:nvPr>
-        </p:nvSpPr>
-        <p:spPr/>
-        <p:txBody>
-          <a:bodyPr/>
-          <a:lstStyle/>
-          <a:p>
-            <a:r>
-              <a:rPr lang="en-US" dirty="0"/>
-              <a:t>Backup</a:t>
-            </a:r>
-          </a:p>
-        </p:txBody>
-      </p:sp>
-    </p:spTree>
-    <p:extLst>
-      <p:ext uri="{BB962C8B-B14F-4D97-AF65-F5344CB8AC3E}">
-        <p14:creationId xmlns:p14="http://schemas.microsoft.com/office/powerpoint/2010/main" val="3906884845"/>
-      </p:ext>
-    </p:extLst>
-  </p:cSld>
-  <p:clrMapOvr>
-    <a:masterClrMapping/>
-  </p:clrMapOvr>
-</p:sld>
-</file>
-
-<file path=ppt/slides/slide16.xml><?xml version="1.0" encoding="utf-8"?>
-<p:sld xmlns:a="http://schemas.openxmlformats.org/drawingml/2006/main" xmlns:r="http://schemas.openxmlformats.org/officeDocument/2006/relationships" xmlns:p="http://schemas.openxmlformats.org/presentationml/2006/main">
-  <p:cSld>
-    <p:spTree>
-      <p:nvGrpSpPr>
-        <p:cNvPr id="1" name=""/>
-        <p:cNvGrpSpPr/>
-        <p:nvPr/>
-      </p:nvGrpSpPr>
-      <p:grpSpPr>
-        <a:xfrm>
-          <a:off x="0" y="0"/>
-          <a:ext cx="0" cy="0"/>
-          <a:chOff x="0" y="0"/>
-          <a:chExt cx="0" cy="0"/>
-        </a:xfrm>
-      </p:grpSpPr>
-      <p:sp>
-        <p:nvSpPr>
-          <p:cNvPr id="2" name="Title 1"/>
-          <p:cNvSpPr>
-            <a:spLocks noGrp="1"/>
-          </p:cNvSpPr>
-          <p:nvPr>
-            <p:ph type="title"/>
-          </p:nvPr>
-        </p:nvSpPr>
-        <p:spPr>
-          <a:xfrm>
             <a:off x="57878" y="-7749"/>
             <a:ext cx="8988754" cy="764281"/>
           </a:xfrm>
@@ -8124,13 +6615,7 @@
           <p:cNvGraphicFramePr>
             <a:graphicFrameLocks noGrp="1"/>
           </p:cNvGraphicFramePr>
-          <p:nvPr>
-            <p:extLst>
-              <p:ext uri="{D42A27DB-BD31-4B8C-83A1-F6EECF244321}">
-                <p14:modId xmlns:p14="http://schemas.microsoft.com/office/powerpoint/2010/main" val="1185338998"/>
-              </p:ext>
-            </p:extLst>
-          </p:nvPr>
+          <p:nvPr/>
         </p:nvGraphicFramePr>
         <p:xfrm>
           <a:off x="1897581" y="941070"/>
@@ -8321,13 +6806,7 @@
           <p:cNvGraphicFramePr>
             <a:graphicFrameLocks noGrp="1"/>
           </p:cNvGraphicFramePr>
-          <p:nvPr>
-            <p:extLst>
-              <p:ext uri="{D42A27DB-BD31-4B8C-83A1-F6EECF244321}">
-                <p14:modId xmlns:p14="http://schemas.microsoft.com/office/powerpoint/2010/main" val="2950306970"/>
-              </p:ext>
-            </p:extLst>
-          </p:nvPr>
+          <p:nvPr/>
         </p:nvGraphicFramePr>
         <p:xfrm>
           <a:off x="4973133" y="1200150"/>
@@ -8487,13 +6966,7 @@
           <p:cNvGraphicFramePr>
             <a:graphicFrameLocks noGrp="1"/>
           </p:cNvGraphicFramePr>
-          <p:nvPr>
-            <p:extLst>
-              <p:ext uri="{D42A27DB-BD31-4B8C-83A1-F6EECF244321}">
-                <p14:modId xmlns:p14="http://schemas.microsoft.com/office/powerpoint/2010/main" val="637532799"/>
-              </p:ext>
-            </p:extLst>
-          </p:nvPr>
+          <p:nvPr/>
         </p:nvGraphicFramePr>
         <p:xfrm>
           <a:off x="2906850" y="3001875"/>
@@ -8615,13 +7088,7 @@
           <p:cNvGraphicFramePr>
             <a:graphicFrameLocks noGrp="1"/>
           </p:cNvGraphicFramePr>
-          <p:nvPr>
-            <p:extLst>
-              <p:ext uri="{D42A27DB-BD31-4B8C-83A1-F6EECF244321}">
-                <p14:modId xmlns:p14="http://schemas.microsoft.com/office/powerpoint/2010/main" val="1197819412"/>
-              </p:ext>
-            </p:extLst>
-          </p:nvPr>
+          <p:nvPr/>
         </p:nvGraphicFramePr>
         <p:xfrm>
           <a:off x="6042743" y="3001875"/>
@@ -8867,7 +7334,7 @@
               <a:pPr>
                 <a:defRPr/>
               </a:pPr>
-              <a:t>16</a:t>
+              <a:t>11</a:t>
             </a:fld>
             <a:endParaRPr lang="en-US" altLang="zh-CN" dirty="0"/>
           </a:p>
@@ -8876,7 +7343,7 @@
     </p:spTree>
     <p:extLst>
       <p:ext uri="{BB962C8B-B14F-4D97-AF65-F5344CB8AC3E}">
-        <p14:creationId xmlns:p14="http://schemas.microsoft.com/office/powerpoint/2010/main" val="3776922927"/>
+        <p14:creationId xmlns:p14="http://schemas.microsoft.com/office/powerpoint/2010/main" val="3864310556"/>
       </p:ext>
     </p:extLst>
   </p:cSld>
@@ -8886,7 +7353,896 @@
 </p:sld>
 </file>
 
-<file path=ppt/slides/slide17.xml><?xml version="1.0" encoding="utf-8"?>
+<file path=ppt/slides/slide12.xml><?xml version="1.0" encoding="utf-8"?>
+<p:sld xmlns:a="http://schemas.openxmlformats.org/drawingml/2006/main" xmlns:r="http://schemas.openxmlformats.org/officeDocument/2006/relationships" xmlns:p="http://schemas.openxmlformats.org/presentationml/2006/main">
+  <p:cSld>
+    <p:spTree>
+      <p:nvGrpSpPr>
+        <p:cNvPr id="1" name=""/>
+        <p:cNvGrpSpPr/>
+        <p:nvPr/>
+      </p:nvGrpSpPr>
+      <p:grpSpPr>
+        <a:xfrm>
+          <a:off x="0" y="0"/>
+          <a:ext cx="0" cy="0"/>
+          <a:chOff x="0" y="0"/>
+          <a:chExt cx="0" cy="0"/>
+        </a:xfrm>
+      </p:grpSpPr>
+      <p:sp>
+        <p:nvSpPr>
+          <p:cNvPr id="2" name="Title 1"/>
+          <p:cNvSpPr>
+            <a:spLocks noGrp="1"/>
+          </p:cNvSpPr>
+          <p:nvPr>
+            <p:ph type="title"/>
+          </p:nvPr>
+        </p:nvSpPr>
+        <p:spPr>
+          <a:xfrm>
+            <a:off x="0" y="0"/>
+            <a:ext cx="9144000" cy="640642"/>
+          </a:xfrm>
+        </p:spPr>
+        <p:txBody>
+          <a:bodyPr/>
+          <a:lstStyle/>
+          <a:p>
+            <a:r>
+              <a:rPr lang="en-US" sz="3200" dirty="0">
+                <a:solidFill>
+                  <a:srgbClr val="0070C0"/>
+                </a:solidFill>
+                <a:latin typeface="Calibri Light" panose="020F0302020204030204" pitchFamily="34" charset="0"/>
+                <a:cs typeface="Calibri Light" panose="020F0302020204030204" pitchFamily="34" charset="0"/>
+              </a:rPr>
+              <a:t>SRv6 with Timestamp Endpoint Function</a:t>
+            </a:r>
+          </a:p>
+        </p:txBody>
+      </p:sp>
+      <p:sp>
+        <p:nvSpPr>
+          <p:cNvPr id="4" name="Footer Placeholder 3"/>
+          <p:cNvSpPr>
+            <a:spLocks noGrp="1"/>
+          </p:cNvSpPr>
+          <p:nvPr>
+            <p:ph type="ftr" sz="quarter" idx="11"/>
+          </p:nvPr>
+        </p:nvSpPr>
+        <p:spPr>
+          <a:xfrm>
+            <a:off x="2836126" y="4786312"/>
+            <a:ext cx="2895600" cy="357188"/>
+          </a:xfrm>
+        </p:spPr>
+        <p:txBody>
+          <a:bodyPr/>
+          <a:lstStyle/>
+          <a:p>
+            <a:r>
+              <a:rPr lang="en-CA" dirty="0"/>
+              <a:t>110</a:t>
+            </a:r>
+            <a:r>
+              <a:rPr lang="en-CA" baseline="30000" dirty="0"/>
+              <a:t>th</a:t>
+            </a:r>
+            <a:r>
+              <a:rPr lang="en-CA" dirty="0"/>
+              <a:t> IETF Online</a:t>
+            </a:r>
+          </a:p>
+        </p:txBody>
+      </p:sp>
+      <p:sp>
+        <p:nvSpPr>
+          <p:cNvPr id="5" name="Slide Number Placeholder 4"/>
+          <p:cNvSpPr>
+            <a:spLocks noGrp="1"/>
+          </p:cNvSpPr>
+          <p:nvPr>
+            <p:ph type="sldNum" sz="quarter" idx="12"/>
+          </p:nvPr>
+        </p:nvSpPr>
+        <p:spPr/>
+        <p:txBody>
+          <a:bodyPr/>
+          <a:lstStyle/>
+          <a:p>
+            <a:pPr>
+              <a:defRPr/>
+            </a:pPr>
+            <a:fld id="{BD6E0F59-1DD8-40FC-9C92-B6295CBA6CCA}" type="slidenum">
+              <a:rPr lang="en-US" altLang="zh-CN" smtClean="0"/>
+              <a:pPr>
+                <a:defRPr/>
+              </a:pPr>
+              <a:t>12</a:t>
+            </a:fld>
+            <a:endParaRPr lang="en-US" altLang="zh-CN"/>
+          </a:p>
+        </p:txBody>
+      </p:sp>
+      <p:sp>
+        <p:nvSpPr>
+          <p:cNvPr id="6" name="Rectangle 5">
+            <a:extLst>
+              <a:ext uri="{FF2B5EF4-FFF2-40B4-BE49-F238E27FC236}">
+                <a16:creationId xmlns:a16="http://schemas.microsoft.com/office/drawing/2014/main" id="{4C15A4CE-6545-5142-97A8-EDA8B07CB60B}"/>
+              </a:ext>
+            </a:extLst>
+          </p:cNvPr>
+          <p:cNvSpPr/>
+          <p:nvPr/>
+        </p:nvSpPr>
+        <p:spPr>
+          <a:xfrm>
+            <a:off x="381000" y="742949"/>
+            <a:ext cx="4674030" cy="3831818"/>
+          </a:xfrm>
+          <a:prstGeom prst="rect">
+            <a:avLst/>
+          </a:prstGeom>
+          <a:solidFill>
+            <a:schemeClr val="accent6">
+              <a:lumMod val="20000"/>
+              <a:lumOff val="80000"/>
+            </a:schemeClr>
+          </a:solidFill>
+        </p:spPr>
+        <p:txBody>
+          <a:bodyPr wrap="square">
+            <a:spAutoFit/>
+          </a:bodyPr>
+          <a:lstStyle/>
+          <a:p>
+            <a:r>
+              <a:rPr lang="en-CA" sz="900" dirty="0">
+                <a:latin typeface="Courier" pitchFamily="2" charset="0"/>
+              </a:rPr>
+              <a:t>+---------------------------------------------------------------+</a:t>
+            </a:r>
+          </a:p>
+          <a:p>
+            <a:r>
+              <a:rPr lang="en-CA" sz="900" dirty="0">
+                <a:latin typeface="Courier" pitchFamily="2" charset="0"/>
+              </a:rPr>
+              <a:t>| IP Header                                                     |</a:t>
+            </a:r>
+          </a:p>
+          <a:p>
+            <a:r>
+              <a:rPr lang="en-CA" sz="900" dirty="0">
+                <a:latin typeface="Courier" pitchFamily="2" charset="0"/>
+              </a:rPr>
+              <a:t>.  Source IP Address = Session-Sender IPv6 Address              .</a:t>
+            </a:r>
+          </a:p>
+          <a:p>
+            <a:r>
+              <a:rPr lang="en-CA" sz="900" dirty="0">
+                <a:latin typeface="Courier" pitchFamily="2" charset="0"/>
+              </a:rPr>
+              <a:t>.  Destination IP Address = Destination IPv6 Address            .</a:t>
+            </a:r>
+          </a:p>
+          <a:p>
+            <a:r>
+              <a:rPr lang="en-CA" sz="900" dirty="0">
+                <a:latin typeface="Courier" pitchFamily="2" charset="0"/>
+              </a:rPr>
+              <a:t>.                                                               .</a:t>
+            </a:r>
+          </a:p>
+          <a:p>
+            <a:r>
+              <a:rPr lang="en-CA" sz="900" dirty="0">
+                <a:latin typeface="Courier" pitchFamily="2" charset="0"/>
+              </a:rPr>
+              <a:t>+---------------------------------------------------------------+</a:t>
+            </a:r>
+          </a:p>
+          <a:p>
+            <a:r>
+              <a:rPr lang="en-CA" sz="900" dirty="0">
+                <a:latin typeface="Courier" pitchFamily="2" charset="0"/>
+              </a:rPr>
+              <a:t>| SRH as specified in RFC 8754                                  |</a:t>
+            </a:r>
+          </a:p>
+          <a:p>
+            <a:r>
+              <a:rPr lang="en-CA" sz="900" dirty="0">
+                <a:latin typeface="Courier" pitchFamily="2" charset="0"/>
+              </a:rPr>
+              <a:t>.  &lt;Segment List&gt;                                               .</a:t>
+            </a:r>
+          </a:p>
+          <a:p>
+            <a:r>
+              <a:rPr lang="en-CA" sz="900" dirty="0">
+                <a:latin typeface="Courier" pitchFamily="2" charset="0"/>
+              </a:rPr>
+              <a:t>.  </a:t>
+            </a:r>
+            <a:r>
+              <a:rPr lang="en-CA" sz="900" b="1" dirty="0" err="1">
+                <a:latin typeface="Courier" pitchFamily="2" charset="0"/>
+              </a:rPr>
+              <a:t>End.TSF</a:t>
+            </a:r>
+            <a:r>
+              <a:rPr lang="en-CA" sz="900" b="1" dirty="0">
+                <a:latin typeface="Courier" pitchFamily="2" charset="0"/>
+              </a:rPr>
+              <a:t> (TBA3 or TBA4) with Session-Reflector SID            </a:t>
+            </a:r>
+            <a:r>
+              <a:rPr lang="en-CA" sz="900" dirty="0">
+                <a:latin typeface="Courier" pitchFamily="2" charset="0"/>
+              </a:rPr>
+              <a:t>.</a:t>
+            </a:r>
+          </a:p>
+          <a:p>
+            <a:r>
+              <a:rPr lang="en-CA" sz="900" dirty="0">
+                <a:latin typeface="Courier" pitchFamily="2" charset="0"/>
+              </a:rPr>
+              <a:t>.                                                               .</a:t>
+            </a:r>
+          </a:p>
+          <a:p>
+            <a:r>
+              <a:rPr lang="en-CA" sz="900" dirty="0">
+                <a:latin typeface="Courier" pitchFamily="2" charset="0"/>
+              </a:rPr>
+              <a:t>+---------------------------------------------------------------+</a:t>
+            </a:r>
+          </a:p>
+          <a:p>
+            <a:r>
+              <a:rPr lang="en-CA" sz="900" dirty="0">
+                <a:latin typeface="Courier" pitchFamily="2" charset="0"/>
+              </a:rPr>
+              <a:t>| IP Header                                                     |</a:t>
+            </a:r>
+          </a:p>
+          <a:p>
+            <a:r>
+              <a:rPr lang="en-CA" sz="900" dirty="0">
+                <a:latin typeface="Courier" pitchFamily="2" charset="0"/>
+              </a:rPr>
+              <a:t>.  Source IP Address = </a:t>
+            </a:r>
+            <a:r>
+              <a:rPr lang="en-CA" sz="900" b="1" dirty="0">
+                <a:latin typeface="Courier" pitchFamily="2" charset="0"/>
+              </a:rPr>
+              <a:t>Session-Reflector</a:t>
+            </a:r>
+            <a:r>
+              <a:rPr lang="en-CA" sz="900" dirty="0">
+                <a:latin typeface="Courier" pitchFamily="2" charset="0"/>
+              </a:rPr>
+              <a:t> IPv6 Address           .</a:t>
+            </a:r>
+          </a:p>
+          <a:p>
+            <a:r>
+              <a:rPr lang="en-CA" sz="900" dirty="0">
+                <a:latin typeface="Courier" pitchFamily="2" charset="0"/>
+              </a:rPr>
+              <a:t>.  Destination IP Address = </a:t>
+            </a:r>
+            <a:r>
+              <a:rPr lang="en-CA" sz="900" b="1" dirty="0">
+                <a:latin typeface="Courier" pitchFamily="2" charset="0"/>
+              </a:rPr>
+              <a:t>Session-Sender</a:t>
+            </a:r>
+            <a:r>
+              <a:rPr lang="en-CA" sz="900" dirty="0">
+                <a:latin typeface="Courier" pitchFamily="2" charset="0"/>
+              </a:rPr>
+              <a:t> IPv6 Address         .</a:t>
+            </a:r>
+          </a:p>
+          <a:p>
+            <a:r>
+              <a:rPr lang="en-CA" sz="900" dirty="0">
+                <a:latin typeface="Courier" pitchFamily="2" charset="0"/>
+              </a:rPr>
+              <a:t>.                                                               .</a:t>
+            </a:r>
+          </a:p>
+          <a:p>
+            <a:r>
+              <a:rPr lang="en-CA" sz="900" dirty="0">
+                <a:latin typeface="Courier" pitchFamily="2" charset="0"/>
+              </a:rPr>
+              <a:t>+---------------------------------------------------------------+</a:t>
+            </a:r>
+          </a:p>
+          <a:p>
+            <a:r>
+              <a:rPr lang="en-CA" sz="900" dirty="0">
+                <a:latin typeface="Courier" pitchFamily="2" charset="0"/>
+              </a:rPr>
+              <a:t>| UDP Header                                                    |</a:t>
+            </a:r>
+          </a:p>
+          <a:p>
+            <a:r>
+              <a:rPr lang="en-CA" sz="900" dirty="0">
+                <a:latin typeface="Courier" pitchFamily="2" charset="0"/>
+              </a:rPr>
+              <a:t>.  Source Port = As chosen by Session-Sender                    . </a:t>
+            </a:r>
+          </a:p>
+          <a:p>
+            <a:r>
+              <a:rPr lang="en-CA" sz="900" dirty="0">
+                <a:latin typeface="Courier" pitchFamily="2" charset="0"/>
+              </a:rPr>
+              <a:t>.  Destination Port = As chosen by Session-Sender               .</a:t>
+            </a:r>
+          </a:p>
+          <a:p>
+            <a:r>
+              <a:rPr lang="en-CA" sz="900" dirty="0">
+                <a:latin typeface="Courier" pitchFamily="2" charset="0"/>
+              </a:rPr>
+              <a:t>.                                                               .</a:t>
+            </a:r>
+          </a:p>
+          <a:p>
+            <a:r>
+              <a:rPr lang="en-CA" sz="900" dirty="0">
+                <a:latin typeface="Courier" pitchFamily="2" charset="0"/>
+              </a:rPr>
+              <a:t>+---------------------------------------------------------------+</a:t>
+            </a:r>
+          </a:p>
+          <a:p>
+            <a:r>
+              <a:rPr lang="en-CA" sz="900" dirty="0">
+                <a:latin typeface="Courier" pitchFamily="2" charset="0"/>
+              </a:rPr>
+              <a:t>| PLM Test Packet                                               |</a:t>
+            </a:r>
+          </a:p>
+          <a:p>
+            <a:r>
+              <a:rPr lang="en-CA" sz="900" dirty="0">
+                <a:latin typeface="Courier" pitchFamily="2" charset="0"/>
+              </a:rPr>
+              <a:t>.                                                               .</a:t>
+            </a:r>
+          </a:p>
+          <a:p>
+            <a:r>
+              <a:rPr lang="en-CA" sz="900" dirty="0">
+                <a:latin typeface="Courier" pitchFamily="2" charset="0"/>
+              </a:rPr>
+              <a:t>+---------------------------------------------------------------+</a:t>
+            </a:r>
+          </a:p>
+          <a:p>
+            <a:r>
+              <a:rPr lang="en-CA" sz="900" dirty="0">
+                <a:latin typeface="Courier" pitchFamily="2" charset="0"/>
+              </a:rPr>
+              <a:t> </a:t>
+            </a:r>
+          </a:p>
+          <a:p>
+            <a:r>
+              <a:rPr lang="en-CA" sz="900" dirty="0">
+                <a:latin typeface="Courier" pitchFamily="2" charset="0"/>
+              </a:rPr>
+              <a:t>Example PLM Test Packet with Timestamp Endpoint Function for SRv6</a:t>
+            </a:r>
+            <a:endParaRPr lang="en-US" sz="900" dirty="0">
+              <a:latin typeface="Courier" pitchFamily="2" charset="0"/>
+            </a:endParaRPr>
+          </a:p>
+        </p:txBody>
+      </p:sp>
+      <p:sp>
+        <p:nvSpPr>
+          <p:cNvPr id="8" name="Content Placeholder 7">
+            <a:extLst>
+              <a:ext uri="{FF2B5EF4-FFF2-40B4-BE49-F238E27FC236}">
+                <a16:creationId xmlns:a16="http://schemas.microsoft.com/office/drawing/2014/main" id="{FC6E1890-536D-9D49-8207-C42BBF301FF3}"/>
+              </a:ext>
+            </a:extLst>
+          </p:cNvPr>
+          <p:cNvSpPr>
+            <a:spLocks noGrp="1"/>
+          </p:cNvSpPr>
+          <p:nvPr>
+            <p:ph idx="1"/>
+          </p:nvPr>
+        </p:nvSpPr>
+        <p:spPr>
+          <a:xfrm>
+            <a:off x="5135688" y="933449"/>
+            <a:ext cx="3678973" cy="3276600"/>
+          </a:xfrm>
+        </p:spPr>
+        <p:txBody>
+          <a:bodyPr/>
+          <a:lstStyle/>
+          <a:p>
+            <a:r>
+              <a:rPr lang="en-US" sz="1400" dirty="0"/>
+              <a:t>Timestamp Endpoint Functions </a:t>
+            </a:r>
+            <a:r>
+              <a:rPr lang="en-US" sz="1400" dirty="0" err="1"/>
+              <a:t>End.TSF</a:t>
+            </a:r>
+            <a:r>
+              <a:rPr lang="en-US" sz="1400" dirty="0"/>
+              <a:t> (TBA3 and TBA4) is defined for Timestamp and Forward and is carried with the Session-Reflector node SID</a:t>
+            </a:r>
+          </a:p>
+          <a:p>
+            <a:r>
+              <a:rPr lang="en-US" sz="1400" dirty="0"/>
+              <a:t>Reverse path can be IP</a:t>
+            </a:r>
+          </a:p>
+          <a:p>
+            <a:pPr lvl="1"/>
+            <a:r>
+              <a:rPr lang="en-US" sz="1400" dirty="0"/>
+              <a:t>Session-Reflector removes SRH</a:t>
+            </a:r>
+          </a:p>
+          <a:p>
+            <a:r>
+              <a:rPr lang="en-US" sz="1400" dirty="0"/>
+              <a:t>Reverse path can be SR</a:t>
+            </a:r>
+          </a:p>
+          <a:p>
+            <a:pPr lvl="1"/>
+            <a:r>
+              <a:rPr lang="en-US" sz="1400" dirty="0"/>
+              <a:t>Reverse direction SR path Segment-list carried in SRH</a:t>
+            </a:r>
+          </a:p>
+          <a:p>
+            <a:pPr lvl="1"/>
+            <a:r>
+              <a:rPr lang="en-US" sz="1400" dirty="0"/>
+              <a:t>Session-Reflector does not remove the SRH</a:t>
+            </a:r>
+          </a:p>
+          <a:p>
+            <a:r>
+              <a:rPr lang="en-US" sz="1400" dirty="0"/>
+              <a:t>Source and Destination Addresses are swapped that represent the Reverse direction path in the inner IPv6 header</a:t>
+            </a:r>
+          </a:p>
+          <a:p>
+            <a:endParaRPr lang="en-US" sz="1400" dirty="0"/>
+          </a:p>
+        </p:txBody>
+      </p:sp>
+    </p:spTree>
+    <p:extLst>
+      <p:ext uri="{BB962C8B-B14F-4D97-AF65-F5344CB8AC3E}">
+        <p14:creationId xmlns:p14="http://schemas.microsoft.com/office/powerpoint/2010/main" val="3310436608"/>
+      </p:ext>
+    </p:extLst>
+  </p:cSld>
+  <p:clrMapOvr>
+    <a:masterClrMapping/>
+  </p:clrMapOvr>
+</p:sld>
+</file>
+
+<file path=ppt/slides/slide13.xml><?xml version="1.0" encoding="utf-8"?>
+<p:sld xmlns:a="http://schemas.openxmlformats.org/drawingml/2006/main" xmlns:r="http://schemas.openxmlformats.org/officeDocument/2006/relationships" xmlns:p="http://schemas.openxmlformats.org/presentationml/2006/main">
+  <p:cSld>
+    <p:spTree>
+      <p:nvGrpSpPr>
+        <p:cNvPr id="1" name=""/>
+        <p:cNvGrpSpPr/>
+        <p:nvPr/>
+      </p:nvGrpSpPr>
+      <p:grpSpPr>
+        <a:xfrm>
+          <a:off x="0" y="0"/>
+          <a:ext cx="0" cy="0"/>
+          <a:chOff x="0" y="0"/>
+          <a:chExt cx="0" cy="0"/>
+        </a:xfrm>
+      </p:grpSpPr>
+      <p:sp>
+        <p:nvSpPr>
+          <p:cNvPr id="2" name="Title 1"/>
+          <p:cNvSpPr>
+            <a:spLocks noGrp="1"/>
+          </p:cNvSpPr>
+          <p:nvPr>
+            <p:ph type="title"/>
+          </p:nvPr>
+        </p:nvSpPr>
+        <p:spPr>
+          <a:xfrm>
+            <a:off x="57149" y="76090"/>
+            <a:ext cx="9029700" cy="710446"/>
+          </a:xfrm>
+        </p:spPr>
+        <p:txBody>
+          <a:bodyPr/>
+          <a:lstStyle/>
+          <a:p>
+            <a:r>
+              <a:rPr lang="en-US" sz="3200" dirty="0">
+                <a:solidFill>
+                  <a:srgbClr val="0070C0"/>
+                </a:solidFill>
+                <a:latin typeface="Calibri Light" panose="020F0302020204030204" pitchFamily="34" charset="0"/>
+                <a:cs typeface="Calibri Light" panose="020F0302020204030204" pitchFamily="34" charset="0"/>
+              </a:rPr>
+              <a:t>Performance Metric Notifications</a:t>
+            </a:r>
+          </a:p>
+        </p:txBody>
+      </p:sp>
+      <p:sp>
+        <p:nvSpPr>
+          <p:cNvPr id="4" name="Footer Placeholder 3"/>
+          <p:cNvSpPr>
+            <a:spLocks noGrp="1"/>
+          </p:cNvSpPr>
+          <p:nvPr>
+            <p:ph type="ftr" sz="quarter" idx="11"/>
+          </p:nvPr>
+        </p:nvSpPr>
+        <p:spPr>
+          <a:xfrm>
+            <a:off x="3124199" y="4786312"/>
+            <a:ext cx="2895600" cy="357188"/>
+          </a:xfrm>
+        </p:spPr>
+        <p:txBody>
+          <a:bodyPr/>
+          <a:lstStyle/>
+          <a:p>
+            <a:r>
+              <a:rPr lang="en-CA" dirty="0"/>
+              <a:t>110</a:t>
+            </a:r>
+            <a:r>
+              <a:rPr lang="en-CA" baseline="30000" dirty="0"/>
+              <a:t>th</a:t>
+            </a:r>
+            <a:r>
+              <a:rPr lang="en-CA" dirty="0"/>
+              <a:t> IETF Online</a:t>
+            </a:r>
+          </a:p>
+        </p:txBody>
+      </p:sp>
+      <p:sp>
+        <p:nvSpPr>
+          <p:cNvPr id="6" name="Content Placeholder 2"/>
+          <p:cNvSpPr>
+            <a:spLocks noGrp="1"/>
+          </p:cNvSpPr>
+          <p:nvPr>
+            <p:ph idx="1"/>
+          </p:nvPr>
+        </p:nvSpPr>
+        <p:spPr>
+          <a:xfrm>
+            <a:off x="609600" y="921645"/>
+            <a:ext cx="7734299" cy="3524772"/>
+          </a:xfrm>
+        </p:spPr>
+        <p:txBody>
+          <a:bodyPr/>
+          <a:lstStyle/>
+          <a:p>
+            <a:pPr>
+              <a:lnSpc>
+                <a:spcPts val="2180"/>
+              </a:lnSpc>
+              <a:spcBef>
+                <a:spcPts val="600"/>
+              </a:spcBef>
+            </a:pPr>
+            <a:r>
+              <a:rPr lang="en-US" sz="1600" dirty="0"/>
+              <a:t>Liveness success (success of heart beats) is initially notified as soon as one or more PLM return test packets are received at the Session-Sender</a:t>
+            </a:r>
+          </a:p>
+          <a:p>
+            <a:pPr>
+              <a:lnSpc>
+                <a:spcPts val="2180"/>
+              </a:lnSpc>
+              <a:spcBef>
+                <a:spcPts val="600"/>
+              </a:spcBef>
+            </a:pPr>
+            <a:r>
+              <a:rPr lang="en-US" sz="1600" dirty="0"/>
+              <a:t>Liveness failure (loss of heart beats) is notified when consecutive N number of PLM return test packets are not received at the Session-Sender</a:t>
+            </a:r>
+          </a:p>
+          <a:p>
+            <a:pPr>
+              <a:lnSpc>
+                <a:spcPts val="2180"/>
+              </a:lnSpc>
+              <a:spcBef>
+                <a:spcPts val="600"/>
+              </a:spcBef>
+            </a:pPr>
+            <a:r>
+              <a:rPr lang="en-US" sz="1600" dirty="0"/>
+              <a:t>Synthetic packet loss is notified when X number of PLM return test packets not received at the Session-Sender out of last Y PLM test packets transmitted (with configured </a:t>
+            </a:r>
+            <a:r>
+              <a:rPr lang="en-US" sz="1600" dirty="0" err="1"/>
+              <a:t>XofY</a:t>
+            </a:r>
+            <a:r>
+              <a:rPr lang="en-US" sz="1600" dirty="0"/>
+              <a:t> threshold)</a:t>
+            </a:r>
+          </a:p>
+          <a:p>
+            <a:pPr>
+              <a:lnSpc>
+                <a:spcPts val="2180"/>
+              </a:lnSpc>
+              <a:spcBef>
+                <a:spcPts val="600"/>
+              </a:spcBef>
+            </a:pPr>
+            <a:r>
+              <a:rPr lang="en-US" sz="1600" dirty="0"/>
+              <a:t>Delay metrics are notified as an example, when consecutive M number of PLM test packets have delay values exceed the configured thresholds (absolute/percentage)</a:t>
+            </a:r>
+          </a:p>
+        </p:txBody>
+      </p:sp>
+      <p:sp>
+        <p:nvSpPr>
+          <p:cNvPr id="7" name="Slide Number Placeholder 4">
+            <a:extLst>
+              <a:ext uri="{FF2B5EF4-FFF2-40B4-BE49-F238E27FC236}">
+                <a16:creationId xmlns:a16="http://schemas.microsoft.com/office/drawing/2014/main" id="{23B8A35F-BB55-F94F-9CE5-879C79FDD88D}"/>
+              </a:ext>
+            </a:extLst>
+          </p:cNvPr>
+          <p:cNvSpPr>
+            <a:spLocks noGrp="1"/>
+          </p:cNvSpPr>
+          <p:nvPr>
+            <p:ph type="sldNum" sz="quarter" idx="12"/>
+          </p:nvPr>
+        </p:nvSpPr>
+        <p:spPr>
+          <a:xfrm>
+            <a:off x="6553200" y="4683919"/>
+            <a:ext cx="2133600" cy="357188"/>
+          </a:xfrm>
+        </p:spPr>
+        <p:txBody>
+          <a:bodyPr/>
+          <a:lstStyle/>
+          <a:p>
+            <a:pPr>
+              <a:defRPr/>
+            </a:pPr>
+            <a:fld id="{BD6E0F59-1DD8-40FC-9C92-B6295CBA6CCA}" type="slidenum">
+              <a:rPr lang="en-US" altLang="zh-CN" smtClean="0"/>
+              <a:pPr>
+                <a:defRPr/>
+              </a:pPr>
+              <a:t>13</a:t>
+            </a:fld>
+            <a:endParaRPr lang="en-US" altLang="zh-CN" dirty="0"/>
+          </a:p>
+        </p:txBody>
+      </p:sp>
+    </p:spTree>
+    <p:extLst>
+      <p:ext uri="{BB962C8B-B14F-4D97-AF65-F5344CB8AC3E}">
+        <p14:creationId xmlns:p14="http://schemas.microsoft.com/office/powerpoint/2010/main" val="2176312737"/>
+      </p:ext>
+    </p:extLst>
+  </p:cSld>
+  <p:clrMapOvr>
+    <a:masterClrMapping/>
+  </p:clrMapOvr>
+</p:sld>
+</file>
+
+<file path=ppt/slides/slide14.xml><?xml version="1.0" encoding="utf-8"?>
+<p:sld xmlns:a="http://schemas.openxmlformats.org/drawingml/2006/main" xmlns:r="http://schemas.openxmlformats.org/officeDocument/2006/relationships" xmlns:p="http://schemas.openxmlformats.org/presentationml/2006/main">
+  <p:cSld>
+    <p:spTree>
+      <p:nvGrpSpPr>
+        <p:cNvPr id="1" name=""/>
+        <p:cNvGrpSpPr/>
+        <p:nvPr/>
+      </p:nvGrpSpPr>
+      <p:grpSpPr>
+        <a:xfrm>
+          <a:off x="0" y="0"/>
+          <a:ext cx="0" cy="0"/>
+          <a:chOff x="0" y="0"/>
+          <a:chExt cx="0" cy="0"/>
+        </a:xfrm>
+      </p:grpSpPr>
+      <p:sp>
+        <p:nvSpPr>
+          <p:cNvPr id="2" name="Title 1"/>
+          <p:cNvSpPr>
+            <a:spLocks noGrp="1"/>
+          </p:cNvSpPr>
+          <p:nvPr>
+            <p:ph type="title"/>
+          </p:nvPr>
+        </p:nvSpPr>
+        <p:spPr>
+          <a:xfrm>
+            <a:off x="457200" y="0"/>
+            <a:ext cx="8229600" cy="857250"/>
+          </a:xfrm>
+        </p:spPr>
+        <p:txBody>
+          <a:bodyPr/>
+          <a:lstStyle/>
+          <a:p>
+            <a:r>
+              <a:rPr lang="en-US" sz="3200" dirty="0">
+                <a:solidFill>
+                  <a:srgbClr val="0070C0"/>
+                </a:solidFill>
+                <a:latin typeface="Calibri Light" panose="020F0302020204030204" pitchFamily="34" charset="0"/>
+                <a:cs typeface="Calibri Light" panose="020F0302020204030204" pitchFamily="34" charset="0"/>
+              </a:rPr>
+              <a:t>Next Steps</a:t>
+            </a:r>
+          </a:p>
+        </p:txBody>
+      </p:sp>
+      <p:sp>
+        <p:nvSpPr>
+          <p:cNvPr id="3" name="Content Placeholder 2"/>
+          <p:cNvSpPr>
+            <a:spLocks noGrp="1"/>
+          </p:cNvSpPr>
+          <p:nvPr>
+            <p:ph idx="1"/>
+          </p:nvPr>
+        </p:nvSpPr>
+        <p:spPr>
+          <a:xfrm>
+            <a:off x="685800" y="1123950"/>
+            <a:ext cx="8001000" cy="2514599"/>
+          </a:xfrm>
+        </p:spPr>
+        <p:txBody>
+          <a:bodyPr/>
+          <a:lstStyle/>
+          <a:p>
+            <a:pPr lvl="0"/>
+            <a:r>
+              <a:rPr lang="en-US" sz="2400" dirty="0">
+                <a:latin typeface="Calibri" charset="0"/>
+                <a:ea typeface="Calibri" charset="0"/>
+                <a:cs typeface="Calibri" charset="0"/>
+              </a:rPr>
+              <a:t>Welcome your comments and suggestions</a:t>
+            </a:r>
+          </a:p>
+          <a:p>
+            <a:r>
+              <a:rPr lang="en-US" sz="2400" dirty="0">
+                <a:latin typeface="Calibri" charset="0"/>
+                <a:ea typeface="Calibri" charset="0"/>
+                <a:cs typeface="Calibri" charset="0"/>
+              </a:rPr>
+              <a:t>Requesting SPRING WG adoption</a:t>
+            </a:r>
+          </a:p>
+        </p:txBody>
+      </p:sp>
+      <p:sp>
+        <p:nvSpPr>
+          <p:cNvPr id="4" name="Footer Placeholder 3"/>
+          <p:cNvSpPr>
+            <a:spLocks noGrp="1"/>
+          </p:cNvSpPr>
+          <p:nvPr>
+            <p:ph type="ftr" sz="quarter" idx="11"/>
+          </p:nvPr>
+        </p:nvSpPr>
+        <p:spPr>
+          <a:xfrm>
+            <a:off x="3124200" y="4786312"/>
+            <a:ext cx="2895600" cy="357188"/>
+          </a:xfrm>
+        </p:spPr>
+        <p:txBody>
+          <a:bodyPr/>
+          <a:lstStyle/>
+          <a:p>
+            <a:r>
+              <a:rPr lang="en-CA" dirty="0"/>
+              <a:t>110</a:t>
+            </a:r>
+            <a:r>
+              <a:rPr lang="en-CA" baseline="30000" dirty="0"/>
+              <a:t>th</a:t>
+            </a:r>
+            <a:r>
+              <a:rPr lang="en-CA" dirty="0"/>
+              <a:t> IETF Online</a:t>
+            </a:r>
+          </a:p>
+        </p:txBody>
+      </p:sp>
+      <p:sp>
+        <p:nvSpPr>
+          <p:cNvPr id="5" name="Slide Number Placeholder 4"/>
+          <p:cNvSpPr>
+            <a:spLocks noGrp="1"/>
+          </p:cNvSpPr>
+          <p:nvPr>
+            <p:ph type="sldNum" sz="quarter" idx="12"/>
+          </p:nvPr>
+        </p:nvSpPr>
+        <p:spPr/>
+        <p:txBody>
+          <a:bodyPr/>
+          <a:lstStyle/>
+          <a:p>
+            <a:pPr>
+              <a:defRPr/>
+            </a:pPr>
+            <a:fld id="{BD6E0F59-1DD8-40FC-9C92-B6295CBA6CCA}" type="slidenum">
+              <a:rPr lang="en-US" altLang="zh-CN" smtClean="0"/>
+              <a:pPr>
+                <a:defRPr/>
+              </a:pPr>
+              <a:t>14</a:t>
+            </a:fld>
+            <a:endParaRPr lang="en-US" altLang="zh-CN"/>
+          </a:p>
+        </p:txBody>
+      </p:sp>
+    </p:spTree>
+    <p:extLst>
+      <p:ext uri="{BB962C8B-B14F-4D97-AF65-F5344CB8AC3E}">
+        <p14:creationId xmlns:p14="http://schemas.microsoft.com/office/powerpoint/2010/main" val="2309160477"/>
+      </p:ext>
+    </p:extLst>
+  </p:cSld>
+  <p:clrMapOvr>
+    <a:masterClrMapping/>
+  </p:clrMapOvr>
+</p:sld>
+</file>
+
+<file path=ppt/slides/slide15.xml><?xml version="1.0" encoding="utf-8"?>
 <p:sld xmlns:a="http://schemas.openxmlformats.org/drawingml/2006/main" xmlns:r="http://schemas.openxmlformats.org/officeDocument/2006/relationships" xmlns:p="http://schemas.openxmlformats.org/presentationml/2006/main">
   <p:cSld>
     <p:spTree>
@@ -9150,7 +8506,7 @@
               <a:pPr>
                 <a:defRPr/>
               </a:pPr>
-              <a:t>17</a:t>
+              <a:t>15</a:t>
             </a:fld>
             <a:endParaRPr lang="en-US" altLang="zh-CN" dirty="0"/>
           </a:p>
@@ -9159,7 +8515,7 @@
     </p:spTree>
     <p:extLst>
       <p:ext uri="{BB962C8B-B14F-4D97-AF65-F5344CB8AC3E}">
-        <p14:creationId xmlns:p14="http://schemas.microsoft.com/office/powerpoint/2010/main" val="2321992387"/>
+        <p14:creationId xmlns:p14="http://schemas.microsoft.com/office/powerpoint/2010/main" val="15840811"/>
       </p:ext>
     </p:extLst>
   </p:cSld>
@@ -9703,67 +9059,91 @@
           <a:bodyPr/>
           <a:lstStyle/>
           <a:p>
+            <a:pPr>
+              <a:spcBef>
+                <a:spcPts val="600"/>
+              </a:spcBef>
+            </a:pPr>
             <a:r>
               <a:rPr lang="en-US" sz="1600" dirty="0"/>
               <a:t>March 2020</a:t>
             </a:r>
           </a:p>
           <a:p>
-            <a:pPr lvl="1"/>
+            <a:pPr lvl="1">
+              <a:spcBef>
+                <a:spcPts val="600"/>
+              </a:spcBef>
+            </a:pPr>
             <a:r>
               <a:rPr lang="en-US" sz="1600" dirty="0"/>
               <a:t>Draft was published</a:t>
             </a:r>
           </a:p>
           <a:p>
+            <a:pPr>
+              <a:spcBef>
+                <a:spcPts val="600"/>
+              </a:spcBef>
+            </a:pPr>
             <a:r>
               <a:rPr lang="en-US" sz="1600" dirty="0"/>
               <a:t>April 2020</a:t>
             </a:r>
           </a:p>
           <a:p>
-            <a:pPr lvl="1"/>
-            <a:r>
-              <a:rPr lang="en-US" sz="1600"/>
-              <a:t>Presented </a:t>
-            </a:r>
+            <a:pPr lvl="1">
+              <a:spcBef>
+                <a:spcPts val="600"/>
+              </a:spcBef>
+            </a:pPr>
             <a:r>
               <a:rPr lang="en-US" sz="1600" dirty="0"/>
-              <a:t>version 00 in IETF 107 Virtual MPLS WG Meeting</a:t>
-            </a:r>
-          </a:p>
-          <a:p>
+              <a:t>Presented version 00 in IETF 107 Virtual MPLS WG Meeting</a:t>
+            </a:r>
+          </a:p>
+          <a:p>
+            <a:pPr>
+              <a:spcBef>
+                <a:spcPts val="600"/>
+              </a:spcBef>
+            </a:pPr>
             <a:r>
               <a:rPr lang="en-US" sz="1600" dirty="0"/>
               <a:t>July 2020</a:t>
             </a:r>
           </a:p>
           <a:p>
-            <a:pPr lvl="1"/>
-            <a:r>
-              <a:rPr lang="en-US" sz="1600"/>
-              <a:t>Presented </a:t>
-            </a:r>
+            <a:pPr lvl="1">
+              <a:spcBef>
+                <a:spcPts val="600"/>
+              </a:spcBef>
+            </a:pPr>
             <a:r>
               <a:rPr lang="en-US" sz="1600" dirty="0"/>
-              <a:t>version 02 in IETF 108 Online SPRING WG meeting</a:t>
-            </a:r>
-          </a:p>
-          <a:p>
+              <a:t>Presented version 02 in IETF 108 Online SPRING WG meeting</a:t>
+            </a:r>
+          </a:p>
+          <a:p>
+            <a:pPr>
+              <a:spcBef>
+                <a:spcPts val="600"/>
+              </a:spcBef>
+            </a:pPr>
             <a:r>
               <a:rPr lang="en-US" sz="1600" dirty="0"/>
               <a:t>September 2020</a:t>
             </a:r>
           </a:p>
           <a:p>
-            <a:pPr lvl="1"/>
-            <a:r>
-              <a:rPr lang="en-US" sz="1600"/>
-              <a:t>Presented </a:t>
-            </a:r>
+            <a:pPr lvl="1">
+              <a:spcBef>
+                <a:spcPts val="600"/>
+              </a:spcBef>
+            </a:pPr>
             <a:r>
               <a:rPr lang="en-US" sz="1600" dirty="0"/>
-              <a:t>version 02 in MPLS WG Interim meeting</a:t>
+              <a:t>Presented version 02 in MPLS WG Interim meeting</a:t>
             </a:r>
           </a:p>
           <a:p>
@@ -9919,6 +9299,9 @@
           <a:lstStyle/>
           <a:p>
             <a:pPr marL="0" indent="0">
+              <a:spcBef>
+                <a:spcPts val="600"/>
+              </a:spcBef>
               <a:buNone/>
             </a:pPr>
             <a:r>
@@ -9928,6 +9311,9 @@
           </a:p>
           <a:p>
             <a:pPr lvl="1">
+              <a:spcBef>
+                <a:spcPts val="600"/>
+              </a:spcBef>
               <a:buFont typeface="Wingdings" pitchFamily="2" charset="2"/>
               <a:buChar char="ü"/>
             </a:pPr>
@@ -9938,6 +9324,9 @@
           </a:p>
           <a:p>
             <a:pPr lvl="1">
+              <a:spcBef>
+                <a:spcPts val="600"/>
+              </a:spcBef>
               <a:buFont typeface="Wingdings" pitchFamily="2" charset="2"/>
               <a:buChar char="ü"/>
             </a:pPr>
@@ -9948,26 +9337,35 @@
           </a:p>
           <a:p>
             <a:pPr lvl="1">
+              <a:spcBef>
+                <a:spcPts val="600"/>
+              </a:spcBef>
               <a:buFont typeface="Wingdings" pitchFamily="2" charset="2"/>
               <a:buChar char="ü"/>
             </a:pPr>
             <a:r>
               <a:rPr lang="en-CA" sz="1600" dirty="0"/>
-              <a:t>Added SRv6 Timestamp Endpoint function assignment and Node Capability section</a:t>
+              <a:t>Added SRv6 Timestamp Endpoint assignment and Node Capability</a:t>
             </a:r>
           </a:p>
           <a:p>
             <a:pPr lvl="1">
+              <a:spcBef>
+                <a:spcPts val="600"/>
+              </a:spcBef>
               <a:buFont typeface="Wingdings" pitchFamily="2" charset="2"/>
               <a:buChar char="ü"/>
             </a:pPr>
             <a:r>
               <a:rPr lang="en-CA" sz="1600" dirty="0"/>
-              <a:t>Added synthetic packet loss section</a:t>
+              <a:t>Added synthetic packet loss</a:t>
             </a:r>
           </a:p>
           <a:p>
             <a:pPr lvl="1">
+              <a:spcBef>
+                <a:spcPts val="600"/>
+              </a:spcBef>
               <a:buFont typeface="Wingdings" pitchFamily="2" charset="2"/>
               <a:buChar char="ü"/>
             </a:pPr>
@@ -9978,6 +9376,9 @@
           </a:p>
           <a:p>
             <a:pPr lvl="1">
+              <a:spcBef>
+                <a:spcPts val="600"/>
+              </a:spcBef>
               <a:buFont typeface="Wingdings" pitchFamily="2" charset="2"/>
               <a:buChar char="ü"/>
             </a:pPr>
@@ -9988,6 +9389,9 @@
           </a:p>
           <a:p>
             <a:pPr marL="0" lvl="1" indent="0">
+              <a:spcBef>
+                <a:spcPts val="600"/>
+              </a:spcBef>
               <a:buNone/>
             </a:pPr>
             <a:r>
@@ -9997,6 +9401,9 @@
           </a:p>
           <a:p>
             <a:pPr marL="742950" lvl="2" indent="-342900">
+              <a:spcBef>
+                <a:spcPts val="600"/>
+              </a:spcBef>
               <a:buFont typeface="Wingdings" pitchFamily="2" charset="2"/>
               <a:buChar char="§"/>
             </a:pPr>

--- a/draft-gandhi-spring-sr-enhanced-plm-04.pptx
+++ b/draft-gandhi-spring-sr-enhanced-plm-04.pptx
@@ -258,7 +258,7 @@
           <a:p>
             <a:fld id="{E8FA3DB5-7722-3F4F-947D-12B203669AD7}" type="datetimeFigureOut">
               <a:rPr lang="en-US" smtClean="0"/>
-              <a:t>2/23/21</a:t>
+              <a:t>3/2/21</a:t>
             </a:fld>
             <a:endParaRPr lang="en-US"/>
           </a:p>
@@ -5972,7 +5972,7 @@
           <a:p>
             <a:r>
               <a:rPr lang="en-US" sz="1600" dirty="0"/>
-              <a:t>Timestamp labels (TBA1 and TBA2) are defined for Timestamp, Pop and Forward function</a:t>
+              <a:t>Timestamp labels (TBA1 and TBA2) defined for Timestamp, Pop and Forward function</a:t>
             </a:r>
           </a:p>
           <a:p>
@@ -7790,7 +7790,7 @@
             </a:r>
             <a:r>
               <a:rPr lang="en-US" sz="1400" dirty="0"/>
-              <a:t> (TBA3 and TBA4) is defined for Timestamp and Forward and is carried with the Session-Reflector node SID</a:t>
+              <a:t> (TBA3 and TBA4) defined for Timestamp and Forward and carried with the Session-Reflector node SID</a:t>
             </a:r>
           </a:p>
           <a:p>
@@ -8759,8 +8759,8 @@
         </p:nvSpPr>
         <p:spPr>
           <a:xfrm>
-            <a:off x="914400" y="928042"/>
-            <a:ext cx="7696200" cy="3619500"/>
+            <a:off x="914400" y="761999"/>
+            <a:ext cx="7696200" cy="3921919"/>
           </a:xfrm>
         </p:spPr>
         <p:txBody>
@@ -8836,6 +8836,15 @@
             </a:r>
           </a:p>
           <a:p>
+            <a:pPr marL="0" indent="0">
+              <a:buNone/>
+            </a:pPr>
+            <a:r>
+              <a:rPr lang="en-US" sz="1400" dirty="0"/>
+              <a:t>Goals:</a:t>
+            </a:r>
+          </a:p>
+          <a:p>
             <a:pPr lvl="1">
               <a:buFont typeface="Wingdings" pitchFamily="2" charset="2"/>
               <a:buChar char="§"/>
@@ -8866,9 +8875,9 @@
             </a:r>
           </a:p>
           <a:p>
-            <a:pPr lvl="2">
+            <a:pPr lvl="1">
               <a:buFont typeface="Wingdings" pitchFamily="2" charset="2"/>
-              <a:buChar char="ü"/>
+              <a:buChar char="§"/>
             </a:pPr>
             <a:r>
               <a:rPr lang="en-US" sz="1400" dirty="0"/>
@@ -9634,7 +9643,7 @@
             </a:pPr>
             <a:r>
               <a:rPr lang="en-US" sz="1200" dirty="0"/>
-              <a:t>PLM test packets are forwarded in fast-path just like data traffic on Session Reflector - not punted to slow-path</a:t>
+              <a:t>PLM test packets are forwarded in fast-path just like data traffic on Session Reflector</a:t>
             </a:r>
           </a:p>
           <a:p>
